--- a/powerpoint files/Session1.pptx
+++ b/powerpoint files/Session1.pptx
@@ -9,29 +9,30 @@
     <p:sldMasterId id="2147483700" r:id="rId5"/>
   </p:sldMasterIdLst>
   <p:sldIdLst>
-    <p:sldId id="256" r:id="rId6"/>
-    <p:sldId id="257" r:id="rId7"/>
-    <p:sldId id="258" r:id="rId8"/>
-    <p:sldId id="259" r:id="rId9"/>
-    <p:sldId id="260" r:id="rId10"/>
-    <p:sldId id="261" r:id="rId11"/>
-    <p:sldId id="262" r:id="rId12"/>
-    <p:sldId id="263" r:id="rId13"/>
-    <p:sldId id="264" r:id="rId14"/>
-    <p:sldId id="265" r:id="rId15"/>
-    <p:sldId id="266" r:id="rId16"/>
-    <p:sldId id="267" r:id="rId17"/>
-    <p:sldId id="268" r:id="rId18"/>
-    <p:sldId id="269" r:id="rId19"/>
-    <p:sldId id="270" r:id="rId20"/>
-    <p:sldId id="271" r:id="rId21"/>
-    <p:sldId id="272" r:id="rId22"/>
-    <p:sldId id="273" r:id="rId23"/>
-    <p:sldId id="274" r:id="rId24"/>
-    <p:sldId id="275" r:id="rId25"/>
-    <p:sldId id="276" r:id="rId26"/>
-    <p:sldId id="277" r:id="rId27"/>
-    <p:sldId id="278" r:id="rId28"/>
+    <p:sldId id="279" r:id="rId6"/>
+    <p:sldId id="256" r:id="rId7"/>
+    <p:sldId id="257" r:id="rId8"/>
+    <p:sldId id="258" r:id="rId9"/>
+    <p:sldId id="259" r:id="rId10"/>
+    <p:sldId id="260" r:id="rId11"/>
+    <p:sldId id="261" r:id="rId12"/>
+    <p:sldId id="262" r:id="rId13"/>
+    <p:sldId id="263" r:id="rId14"/>
+    <p:sldId id="264" r:id="rId15"/>
+    <p:sldId id="265" r:id="rId16"/>
+    <p:sldId id="266" r:id="rId17"/>
+    <p:sldId id="267" r:id="rId18"/>
+    <p:sldId id="268" r:id="rId19"/>
+    <p:sldId id="269" r:id="rId20"/>
+    <p:sldId id="270" r:id="rId21"/>
+    <p:sldId id="271" r:id="rId22"/>
+    <p:sldId id="272" r:id="rId23"/>
+    <p:sldId id="273" r:id="rId24"/>
+    <p:sldId id="274" r:id="rId25"/>
+    <p:sldId id="275" r:id="rId26"/>
+    <p:sldId id="276" r:id="rId27"/>
+    <p:sldId id="277" r:id="rId28"/>
+    <p:sldId id="278" r:id="rId29"/>
   </p:sldIdLst>
   <p:sldSz cx="9144000" cy="6858000" type="screen4x3"/>
   <p:notesSz cx="7559675" cy="10691813"/>
@@ -138,6 +139,14 @@
 </p:presentation>
 </file>
 
+<file path=ppt/revisionInfo.xml><?xml version="1.0" encoding="utf-8"?>
+<p1510:revInfo xmlns:a="http://schemas.openxmlformats.org/drawingml/2006/main" xmlns:r="http://schemas.openxmlformats.org/officeDocument/2006/relationships" xmlns:p1510="http://schemas.microsoft.com/office/powerpoint/2015/10/main">
+  <p1510:revLst>
+    <p1510:client id="{41C5C132-3D31-E740-9C99-3AA7446C25AD}" v="1" dt="2024-04-22T19:29:05.540"/>
+  </p1510:revLst>
+</p1510:revInfo>
+</file>
+
 <file path=ppt/changesInfos/changesInfo1.xml><?xml version="1.0" encoding="utf-8"?>
 <pc:chgInfo xmlns:a="http://schemas.openxmlformats.org/drawingml/2006/main" xmlns:r="http://schemas.openxmlformats.org/officeDocument/2006/relationships" xmlns:ac="http://schemas.microsoft.com/office/drawing/2013/main/command" xmlns:pc="http://schemas.microsoft.com/office/powerpoint/2013/main/command">
   <pc:docChgLst>
@@ -206,6 +215,83 @@
             <pc:docMk/>
             <pc:sldMk cId="0" sldId="267"/>
             <ac:spMk id="344" creationId="{00000000-0000-0000-0000-000000000000}"/>
+          </ac:spMkLst>
+        </pc:spChg>
+      </pc:sldChg>
+    </pc:docChg>
+  </pc:docChgLst>
+  <pc:docChgLst>
+    <pc:chgData name="Srinivasa Rao" userId="a6b54366-f13d-4292-8bb4-f06c50909b1e" providerId="ADAL" clId="{41C5C132-3D31-E740-9C99-3AA7446C25AD}"/>
+    <pc:docChg chg="custSel addSld modSld sldOrd">
+      <pc:chgData name="Srinivasa Rao" userId="a6b54366-f13d-4292-8bb4-f06c50909b1e" providerId="ADAL" clId="{41C5C132-3D31-E740-9C99-3AA7446C25AD}" dt="2024-04-22T19:29:33.365" v="13" actId="20577"/>
+      <pc:docMkLst>
+        <pc:docMk/>
+      </pc:docMkLst>
+      <pc:sldChg chg="modSp mod">
+        <pc:chgData name="Srinivasa Rao" userId="a6b54366-f13d-4292-8bb4-f06c50909b1e" providerId="ADAL" clId="{41C5C132-3D31-E740-9C99-3AA7446C25AD}" dt="2024-04-22T19:29:33.365" v="13" actId="20577"/>
+        <pc:sldMkLst>
+          <pc:docMk/>
+          <pc:sldMk cId="0" sldId="256"/>
+        </pc:sldMkLst>
+        <pc:spChg chg="mod">
+          <ac:chgData name="Srinivasa Rao" userId="a6b54366-f13d-4292-8bb4-f06c50909b1e" providerId="ADAL" clId="{41C5C132-3D31-E740-9C99-3AA7446C25AD}" dt="2024-04-22T19:29:05.604" v="3" actId="27636"/>
+          <ac:spMkLst>
+            <pc:docMk/>
+            <pc:sldMk cId="0" sldId="256"/>
+            <ac:spMk id="190" creationId="{00000000-0000-0000-0000-000000000000}"/>
+          </ac:spMkLst>
+        </pc:spChg>
+        <pc:spChg chg="mod">
+          <ac:chgData name="Srinivasa Rao" userId="a6b54366-f13d-4292-8bb4-f06c50909b1e" providerId="ADAL" clId="{41C5C132-3D31-E740-9C99-3AA7446C25AD}" dt="2024-04-22T19:29:33.365" v="13" actId="20577"/>
+          <ac:spMkLst>
+            <pc:docMk/>
+            <pc:sldMk cId="0" sldId="256"/>
+            <ac:spMk id="191" creationId="{00000000-0000-0000-0000-000000000000}"/>
+          </ac:spMkLst>
+        </pc:spChg>
+      </pc:sldChg>
+      <pc:sldChg chg="modSp mod">
+        <pc:chgData name="Srinivasa Rao" userId="a6b54366-f13d-4292-8bb4-f06c50909b1e" providerId="ADAL" clId="{41C5C132-3D31-E740-9C99-3AA7446C25AD}" dt="2024-04-22T19:29:05.583" v="1" actId="27636"/>
+        <pc:sldMkLst>
+          <pc:docMk/>
+          <pc:sldMk cId="0" sldId="262"/>
+        </pc:sldMkLst>
+        <pc:spChg chg="mod">
+          <ac:chgData name="Srinivasa Rao" userId="a6b54366-f13d-4292-8bb4-f06c50909b1e" providerId="ADAL" clId="{41C5C132-3D31-E740-9C99-3AA7446C25AD}" dt="2024-04-22T19:29:05.583" v="1" actId="27636"/>
+          <ac:spMkLst>
+            <pc:docMk/>
+            <pc:sldMk cId="0" sldId="262"/>
+            <ac:spMk id="313" creationId="{00000000-0000-0000-0000-000000000000}"/>
+          </ac:spMkLst>
+        </pc:spChg>
+      </pc:sldChg>
+      <pc:sldChg chg="modSp mod">
+        <pc:chgData name="Srinivasa Rao" userId="a6b54366-f13d-4292-8bb4-f06c50909b1e" providerId="ADAL" clId="{41C5C132-3D31-E740-9C99-3AA7446C25AD}" dt="2024-04-22T19:29:05.599" v="2" actId="27636"/>
+        <pc:sldMkLst>
+          <pc:docMk/>
+          <pc:sldMk cId="0" sldId="276"/>
+        </pc:sldMkLst>
+        <pc:spChg chg="mod">
+          <ac:chgData name="Srinivasa Rao" userId="a6b54366-f13d-4292-8bb4-f06c50909b1e" providerId="ADAL" clId="{41C5C132-3D31-E740-9C99-3AA7446C25AD}" dt="2024-04-22T19:29:05.599" v="2" actId="27636"/>
+          <ac:spMkLst>
+            <pc:docMk/>
+            <pc:sldMk cId="0" sldId="276"/>
+            <ac:spMk id="384" creationId="{00000000-0000-0000-0000-000000000000}"/>
+          </ac:spMkLst>
+        </pc:spChg>
+      </pc:sldChg>
+      <pc:sldChg chg="modSp add mod ord">
+        <pc:chgData name="Srinivasa Rao" userId="a6b54366-f13d-4292-8bb4-f06c50909b1e" providerId="ADAL" clId="{41C5C132-3D31-E740-9C99-3AA7446C25AD}" dt="2024-04-22T19:29:24.180" v="6" actId="27636"/>
+        <pc:sldMkLst>
+          <pc:docMk/>
+          <pc:sldMk cId="0" sldId="279"/>
+        </pc:sldMkLst>
+        <pc:spChg chg="mod">
+          <ac:chgData name="Srinivasa Rao" userId="a6b54366-f13d-4292-8bb4-f06c50909b1e" providerId="ADAL" clId="{41C5C132-3D31-E740-9C99-3AA7446C25AD}" dt="2024-04-22T19:29:24.180" v="6" actId="27636"/>
+          <ac:spMkLst>
+            <pc:docMk/>
+            <pc:sldMk cId="0" sldId="279"/>
+            <ac:spMk id="228" creationId="{00000000-0000-0000-0000-000000000000}"/>
           </ac:spMkLst>
         </pc:spChg>
       </pc:sldChg>
@@ -9966,7 +10052,7 @@
       </p:grpSpPr>
       <p:sp>
         <p:nvSpPr>
-          <p:cNvPr id="190" name="CustomShape 1"/>
+          <p:cNvPr id="228" name="CustomShape 1"/>
           <p:cNvSpPr/>
           <p:nvPr/>
         </p:nvSpPr>
@@ -9997,7 +10083,7 @@
         </p:style>
         <p:txBody>
           <a:bodyPr lIns="90000" tIns="45000" rIns="90000" bIns="45000" anchor="ctr">
-            <a:normAutofit fontScale="47000"/>
+            <a:normAutofit fontScale="73000" lnSpcReduction="20000"/>
           </a:bodyPr>
           <a:lstStyle/>
           <a:p>
@@ -10007,57 +10093,81 @@
               </a:lnSpc>
             </a:pPr>
             <a:r>
-              <a:rPr lang="en-US" sz="4400" b="0" strike="noStrike" spc="-1">
+              <a:rPr lang="en-US" sz="4400" b="0" strike="noStrike" spc="-1" dirty="0">
                 <a:solidFill>
                   <a:srgbClr val="000000"/>
                 </a:solidFill>
                 <a:latin typeface="Calibri"/>
                 <a:ea typeface="Calibri"/>
               </a:rPr>
-              <a:t>Data analysis and visualisation in</a:t>
-            </a:r>
-            <a:br/>
-            <a:r>
-              <a:rPr lang="en-US" sz="4400" b="0" strike="noStrike" spc="-1">
+              <a:t>Welcome to </a:t>
+            </a:r>
+          </a:p>
+          <a:p>
+            <a:pPr algn="ctr">
+              <a:lnSpc>
+                <a:spcPct val="100000"/>
+              </a:lnSpc>
+            </a:pPr>
+            <a:r>
+              <a:rPr lang="en-US" sz="4400" b="0" strike="noStrike" spc="-1" dirty="0">
                 <a:solidFill>
                   <a:srgbClr val="000000"/>
                 </a:solidFill>
                 <a:latin typeface="Calibri"/>
                 <a:ea typeface="Calibri"/>
               </a:rPr>
-              <a:t> R for Biologists</a:t>
-            </a:r>
-            <a:br/>
-            <a:r>
-              <a:rPr lang="en-US" sz="4400" b="0" strike="noStrike" spc="-1">
+              <a:t>Data analysis and </a:t>
+            </a:r>
+            <a:r>
+              <a:rPr lang="en-US" sz="4400" b="0" strike="noStrike" spc="-1" dirty="0" err="1">
                 <a:solidFill>
                   <a:srgbClr val="000000"/>
                 </a:solidFill>
                 <a:latin typeface="Calibri"/>
                 <a:ea typeface="Calibri"/>
               </a:rPr>
-              <a:t>Session 1 </a:t>
-            </a:r>
-            <a:br/>
-            <a:r>
-              <a:rPr lang="en-US" sz="4400" b="1" strike="noStrike" spc="-1">
+              <a:t>visualisation</a:t>
+            </a:r>
+            <a:r>
+              <a:rPr lang="en-US" sz="4400" b="0" strike="noStrike" spc="-1" dirty="0">
                 <a:solidFill>
                   <a:srgbClr val="000000"/>
                 </a:solidFill>
                 <a:latin typeface="Calibri"/>
                 <a:ea typeface="Calibri"/>
               </a:rPr>
-              <a:t>Data exploration in depth</a:t>
-            </a:r>
-            <a:endParaRPr lang="en-GB" sz="4400" b="0" strike="noStrike" spc="-1">
-              <a:latin typeface="Arial"/>
-            </a:endParaRPr>
-          </a:p>
-        </p:txBody>
-      </p:sp>
-      <p:sp>
-        <p:nvSpPr>
-          <p:cNvPr id="191" name="CustomShape 2"/>
+              <a:t> in</a:t>
+            </a:r>
+            <a:br>
+              <a:rPr lang="en-US" sz="4400" dirty="0"/>
+            </a:br>
+            <a:r>
+              <a:rPr lang="en-US" sz="4400" b="0" strike="noStrike" spc="-1" dirty="0">
+                <a:solidFill>
+                  <a:srgbClr val="000000"/>
+                </a:solidFill>
+                <a:latin typeface="Calibri"/>
+                <a:ea typeface="Calibri"/>
+              </a:rPr>
+              <a:t> R for Biologists</a:t>
+            </a:r>
+            <a:br>
+              <a:rPr dirty="0"/>
+            </a:br>
+            <a:r>
+              <a:rPr lang="en-GB" dirty="0"/>
+              <a:t>We’ll start at 9:30am, please ask if you have any issues with installation of R and RStudio</a:t>
+            </a:r>
+            <a:endParaRPr lang="en-GB" sz="4400" b="0" strike="noStrike" spc="-1" dirty="0">
+              <a:latin typeface="Arial"/>
+            </a:endParaRPr>
+          </a:p>
+        </p:txBody>
+      </p:sp>
+      <p:sp>
+        <p:nvSpPr>
+          <p:cNvPr id="229" name="CustomShape 2"/>
           <p:cNvSpPr/>
           <p:nvPr/>
         </p:nvSpPr>
@@ -10130,24 +10240,14 @@
               </a:tabLst>
             </a:pPr>
             <a:r>
-              <a:rPr lang="en-US" sz="3200" spc="-1">
+              <a:rPr lang="en-US" sz="3200" b="0" strike="noStrike" spc="-1" dirty="0">
                 <a:solidFill>
                   <a:srgbClr val="8B8B8B"/>
                 </a:solidFill>
                 <a:latin typeface="Calibri"/>
                 <a:ea typeface="DejaVu Sans"/>
               </a:rPr>
-              <a:t>Hilary</a:t>
-            </a:r>
-            <a:r>
-              <a:rPr lang="en-US" sz="3200" b="0" strike="noStrike" spc="-1">
-                <a:solidFill>
-                  <a:srgbClr val="8B8B8B"/>
-                </a:solidFill>
-                <a:latin typeface="Calibri"/>
-                <a:ea typeface="DejaVu Sans"/>
-              </a:rPr>
-              <a:t> 2024</a:t>
+              <a:t>Trinity 2024</a:t>
             </a:r>
             <a:endParaRPr lang="en-GB" sz="3200" b="0" strike="noStrike" spc="-1" dirty="0">
               <a:latin typeface="Arial"/>
@@ -10182,7 +10282,7 @@
       </p:grpSpPr>
       <p:sp>
         <p:nvSpPr>
-          <p:cNvPr id="329" name="CustomShape 1"/>
+          <p:cNvPr id="322" name="CustomShape 1"/>
           <p:cNvSpPr/>
           <p:nvPr/>
         </p:nvSpPr>
@@ -10230,7 +10330,7 @@
                 <a:latin typeface="Calibri"/>
                 <a:ea typeface="DejaVu Sans"/>
               </a:rPr>
-              <a:t>Filter</a:t>
+              <a:t>Select columns</a:t>
             </a:r>
             <a:endParaRPr lang="en-GB" sz="4400" b="0" strike="noStrike" spc="-1">
               <a:latin typeface="Arial"/>
@@ -10240,14 +10340,14 @@
       </p:sp>
       <p:sp>
         <p:nvSpPr>
-          <p:cNvPr id="330" name="CustomShape 2"/>
+          <p:cNvPr id="323" name="CustomShape 2"/>
           <p:cNvSpPr/>
           <p:nvPr/>
         </p:nvSpPr>
         <p:spPr>
           <a:xfrm>
             <a:off x="705600" y="1828800"/>
-            <a:ext cx="8437320" cy="638280"/>
+            <a:ext cx="8437320" cy="363960"/>
           </a:xfrm>
           <a:prstGeom prst="rect">
             <a:avLst/>
@@ -10288,43 +10388,23 @@
                 <a:latin typeface="Courier New"/>
                 <a:ea typeface="DejaVu Sans"/>
               </a:rPr>
-              <a:t>df1 %&gt;%</a:t>
+              <a:t>df1_selected = select(df1, col1, col3)</a:t>
             </a:r>
             <a:endParaRPr lang="en-GB" sz="1800" b="0" strike="noStrike" spc="-1">
               <a:latin typeface="Arial"/>
             </a:endParaRPr>
           </a:p>
-          <a:p>
-            <a:pPr>
-              <a:lnSpc>
-                <a:spcPct val="100000"/>
-              </a:lnSpc>
-            </a:pPr>
-            <a:r>
-              <a:rPr lang="en-GB" sz="1800" b="0" strike="noStrike" spc="-1">
-                <a:solidFill>
-                  <a:srgbClr val="000000"/>
-                </a:solidFill>
-                <a:latin typeface="Courier New"/>
-                <a:ea typeface="DejaVu Sans"/>
-              </a:rPr>
-              <a:t>	filter(col3 &gt; 2.0) -&gt; df1_filtered</a:t>
-            </a:r>
-            <a:endParaRPr lang="en-GB" sz="1800" b="0" strike="noStrike" spc="-1">
-              <a:latin typeface="Arial"/>
-            </a:endParaRPr>
-          </a:p>
-        </p:txBody>
-      </p:sp>
-      <p:sp>
-        <p:nvSpPr>
-          <p:cNvPr id="331" name="CustomShape 3"/>
+        </p:txBody>
+      </p:sp>
+      <p:sp>
+        <p:nvSpPr>
+          <p:cNvPr id="324" name="CustomShape 3"/>
           <p:cNvSpPr/>
           <p:nvPr/>
         </p:nvSpPr>
         <p:spPr>
           <a:xfrm>
-            <a:off x="705600" y="2782800"/>
+            <a:off x="705600" y="5197320"/>
             <a:ext cx="8437320" cy="638280"/>
           </a:xfrm>
           <a:prstGeom prst="rect">
@@ -10386,7 +10466,7 @@
                 <a:latin typeface="Courier New"/>
                 <a:ea typeface="DejaVu Sans"/>
               </a:rPr>
-              <a:t>	filter(col2 &lt; 100 &amp; col3 &gt; 2.0) -&gt; df1_filtered</a:t>
+              <a:t>	select(-col2) -&gt; df1_selected</a:t>
             </a:r>
             <a:endParaRPr lang="en-GB" sz="1800" b="0" strike="noStrike" spc="-1">
               <a:latin typeface="Arial"/>
@@ -10396,14 +10476,14 @@
       </p:sp>
       <p:sp>
         <p:nvSpPr>
-          <p:cNvPr id="332" name="CustomShape 4"/>
+          <p:cNvPr id="325" name="CustomShape 4"/>
           <p:cNvSpPr/>
           <p:nvPr/>
         </p:nvSpPr>
         <p:spPr>
           <a:xfrm>
-            <a:off x="705600" y="3736800"/>
-            <a:ext cx="8437320" cy="638280"/>
+            <a:off x="705600" y="4551120"/>
+            <a:ext cx="8437320" cy="363960"/>
           </a:xfrm>
           <a:prstGeom prst="rect">
             <a:avLst/>
@@ -10444,12 +10524,50 @@
                 <a:latin typeface="Courier New"/>
                 <a:ea typeface="DejaVu Sans"/>
               </a:rPr>
-              <a:t>df1 %&gt;%</a:t>
+              <a:t>df1_selected = select(df1, -col2)</a:t>
             </a:r>
             <a:endParaRPr lang="en-GB" sz="1800" b="0" strike="noStrike" spc="-1">
               <a:latin typeface="Arial"/>
             </a:endParaRPr>
           </a:p>
+        </p:txBody>
+      </p:sp>
+      <p:sp>
+        <p:nvSpPr>
+          <p:cNvPr id="326" name="CustomShape 5"/>
+          <p:cNvSpPr/>
+          <p:nvPr/>
+        </p:nvSpPr>
+        <p:spPr>
+          <a:xfrm>
+            <a:off x="705600" y="2475000"/>
+            <a:ext cx="8437320" cy="638280"/>
+          </a:xfrm>
+          <a:prstGeom prst="rect">
+            <a:avLst/>
+          </a:prstGeom>
+          <a:noFill/>
+          <a:ln>
+            <a:noFill/>
+          </a:ln>
+        </p:spPr>
+        <p:style>
+          <a:lnRef idx="0">
+            <a:scrgbClr r="0" g="0" b="0"/>
+          </a:lnRef>
+          <a:fillRef idx="0">
+            <a:scrgbClr r="0" g="0" b="0"/>
+          </a:fillRef>
+          <a:effectRef idx="0">
+            <a:scrgbClr r="0" g="0" b="0"/>
+          </a:effectRef>
+          <a:fontRef idx="minor"/>
+        </p:style>
+        <p:txBody>
+          <a:bodyPr lIns="90000" tIns="45000" rIns="90000" bIns="45000">
+            <a:spAutoFit/>
+          </a:bodyPr>
+          <a:lstStyle/>
           <a:p>
             <a:pPr>
               <a:lnSpc>
@@ -10464,7 +10582,143 @@
                 <a:latin typeface="Courier New"/>
                 <a:ea typeface="DejaVu Sans"/>
               </a:rPr>
-              <a:t>	filter(col2 &lt; 100 | col3 &gt; 2.0) -&gt; df1_filtered</a:t>
+              <a:t>df1 %&gt;%</a:t>
+            </a:r>
+            <a:endParaRPr lang="en-GB" sz="1800" b="0" strike="noStrike" spc="-1">
+              <a:latin typeface="Arial"/>
+            </a:endParaRPr>
+          </a:p>
+          <a:p>
+            <a:pPr>
+              <a:lnSpc>
+                <a:spcPct val="100000"/>
+              </a:lnSpc>
+            </a:pPr>
+            <a:r>
+              <a:rPr lang="en-GB" sz="1800" b="0" strike="noStrike" spc="-1">
+                <a:solidFill>
+                  <a:srgbClr val="000000"/>
+                </a:solidFill>
+                <a:latin typeface="Courier New"/>
+                <a:ea typeface="DejaVu Sans"/>
+              </a:rPr>
+              <a:t>	select(col1, col3) -&gt; df1_selected</a:t>
+            </a:r>
+            <a:endParaRPr lang="en-GB" sz="1800" b="0" strike="noStrike" spc="-1">
+              <a:latin typeface="Arial"/>
+            </a:endParaRPr>
+          </a:p>
+        </p:txBody>
+      </p:sp>
+      <p:sp>
+        <p:nvSpPr>
+          <p:cNvPr id="327" name="CustomShape 6"/>
+          <p:cNvSpPr/>
+          <p:nvPr/>
+        </p:nvSpPr>
+        <p:spPr>
+          <a:xfrm>
+            <a:off x="6471720" y="1828800"/>
+            <a:ext cx="602640" cy="363960"/>
+          </a:xfrm>
+          <a:prstGeom prst="rect">
+            <a:avLst/>
+          </a:prstGeom>
+          <a:noFill/>
+          <a:ln>
+            <a:noFill/>
+          </a:ln>
+        </p:spPr>
+        <p:style>
+          <a:lnRef idx="0">
+            <a:scrgbClr r="0" g="0" b="0"/>
+          </a:lnRef>
+          <a:fillRef idx="0">
+            <a:scrgbClr r="0" g="0" b="0"/>
+          </a:fillRef>
+          <a:effectRef idx="0">
+            <a:scrgbClr r="0" g="0" b="0"/>
+          </a:effectRef>
+          <a:fontRef idx="minor"/>
+        </p:style>
+        <p:txBody>
+          <a:bodyPr lIns="90000" tIns="45000" rIns="90000" bIns="45000">
+            <a:spAutoFit/>
+          </a:bodyPr>
+          <a:lstStyle/>
+          <a:p>
+            <a:pPr algn="ctr">
+              <a:lnSpc>
+                <a:spcPct val="100000"/>
+              </a:lnSpc>
+            </a:pPr>
+            <a:r>
+              <a:rPr lang="en-GB" sz="1800" b="0" strike="noStrike" spc="-1">
+                <a:solidFill>
+                  <a:srgbClr val="000000"/>
+                </a:solidFill>
+                <a:latin typeface="Calibri"/>
+                <a:ea typeface="DejaVu Sans"/>
+              </a:rPr>
+              <a:t>OR</a:t>
+            </a:r>
+            <a:endParaRPr lang="en-GB" sz="1800" b="0" strike="noStrike" spc="-1">
+              <a:latin typeface="Arial"/>
+            </a:endParaRPr>
+          </a:p>
+        </p:txBody>
+      </p:sp>
+      <p:sp>
+        <p:nvSpPr>
+          <p:cNvPr id="328" name="CustomShape 7"/>
+          <p:cNvSpPr/>
+          <p:nvPr/>
+        </p:nvSpPr>
+        <p:spPr>
+          <a:xfrm>
+            <a:off x="6471720" y="4551120"/>
+            <a:ext cx="602640" cy="363960"/>
+          </a:xfrm>
+          <a:prstGeom prst="rect">
+            <a:avLst/>
+          </a:prstGeom>
+          <a:noFill/>
+          <a:ln>
+            <a:noFill/>
+          </a:ln>
+        </p:spPr>
+        <p:style>
+          <a:lnRef idx="0">
+            <a:scrgbClr r="0" g="0" b="0"/>
+          </a:lnRef>
+          <a:fillRef idx="0">
+            <a:scrgbClr r="0" g="0" b="0"/>
+          </a:fillRef>
+          <a:effectRef idx="0">
+            <a:scrgbClr r="0" g="0" b="0"/>
+          </a:effectRef>
+          <a:fontRef idx="minor"/>
+        </p:style>
+        <p:txBody>
+          <a:bodyPr lIns="90000" tIns="45000" rIns="90000" bIns="45000">
+            <a:spAutoFit/>
+          </a:bodyPr>
+          <a:lstStyle/>
+          <a:p>
+            <a:pPr algn="ctr">
+              <a:lnSpc>
+                <a:spcPct val="100000"/>
+              </a:lnSpc>
+            </a:pPr>
+            <a:r>
+              <a:rPr lang="en-GB" sz="1800" b="0" strike="noStrike" spc="-1">
+                <a:solidFill>
+                  <a:srgbClr val="000000"/>
+                </a:solidFill>
+                <a:latin typeface="Calibri"/>
+                <a:ea typeface="DejaVu Sans"/>
+              </a:rPr>
+              <a:t>OR</a:t>
             </a:r>
             <a:endParaRPr lang="en-GB" sz="1800" b="0" strike="noStrike" spc="-1">
               <a:latin typeface="Arial"/>
@@ -10499,7 +10753,7 @@
       </p:grpSpPr>
       <p:sp>
         <p:nvSpPr>
-          <p:cNvPr id="333" name="CustomShape 1"/>
+          <p:cNvPr id="329" name="CustomShape 1"/>
           <p:cNvSpPr/>
           <p:nvPr/>
         </p:nvSpPr>
@@ -10547,7 +10801,7 @@
                 <a:latin typeface="Calibri"/>
                 <a:ea typeface="DejaVu Sans"/>
               </a:rPr>
-              <a:t>Mutate</a:t>
+              <a:t>Filter</a:t>
             </a:r>
             <a:endParaRPr lang="en-GB" sz="4400" b="0" strike="noStrike" spc="-1">
               <a:latin typeface="Arial"/>
@@ -10557,7 +10811,7 @@
       </p:sp>
       <p:sp>
         <p:nvSpPr>
-          <p:cNvPr id="334" name="CustomShape 2"/>
+          <p:cNvPr id="330" name="CustomShape 2"/>
           <p:cNvSpPr/>
           <p:nvPr/>
         </p:nvSpPr>
@@ -10625,7 +10879,7 @@
                 <a:latin typeface="Courier New"/>
                 <a:ea typeface="DejaVu Sans"/>
               </a:rPr>
-              <a:t>	mutate(new_col = col3 * 2.0) -&gt; df1_mutated</a:t>
+              <a:t>	filter(col3 &gt; 2.0) -&gt; df1_filtered</a:t>
             </a:r>
             <a:endParaRPr lang="en-GB" sz="1800" b="0" strike="noStrike" spc="-1">
               <a:latin typeface="Arial"/>
@@ -10635,14 +10889,14 @@
       </p:sp>
       <p:sp>
         <p:nvSpPr>
-          <p:cNvPr id="335" name="CustomShape 3"/>
+          <p:cNvPr id="331" name="CustomShape 3"/>
           <p:cNvSpPr/>
           <p:nvPr/>
         </p:nvSpPr>
         <p:spPr>
           <a:xfrm>
             <a:off x="705600" y="2782800"/>
-            <a:ext cx="8437320" cy="912600"/>
+            <a:ext cx="8437320" cy="638280"/>
           </a:xfrm>
           <a:prstGeom prst="rect">
             <a:avLst/>
@@ -10703,44 +10957,24 @@
                 <a:latin typeface="Courier New"/>
                 <a:ea typeface="DejaVu Sans"/>
               </a:rPr>
-              <a:t>	mutate(new_col = col3 * 2.0) %&gt;%</a:t>
+              <a:t>	filter(col2 &lt; 100 &amp; col3 &gt; 2.0) -&gt; df1_filtered</a:t>
             </a:r>
             <a:endParaRPr lang="en-GB" sz="1800" b="0" strike="noStrike" spc="-1">
               <a:latin typeface="Arial"/>
             </a:endParaRPr>
           </a:p>
-          <a:p>
-            <a:pPr>
-              <a:lnSpc>
-                <a:spcPct val="100000"/>
-              </a:lnSpc>
-            </a:pPr>
-            <a:r>
-              <a:rPr lang="en-GB" sz="1800" b="0" strike="noStrike" spc="-1">
-                <a:solidFill>
-                  <a:srgbClr val="000000"/>
-                </a:solidFill>
-                <a:latin typeface="Courier New"/>
-                <a:ea typeface="DejaVu Sans"/>
-              </a:rPr>
-              <a:t>	mutate(col4 = new_col/col3) -&gt; df1_mutated</a:t>
-            </a:r>
-            <a:endParaRPr lang="en-GB" sz="1800" b="0" strike="noStrike" spc="-1">
-              <a:latin typeface="Arial"/>
-            </a:endParaRPr>
-          </a:p>
-        </p:txBody>
-      </p:sp>
-      <p:sp>
-        <p:nvSpPr>
-          <p:cNvPr id="336" name="CustomShape 4"/>
+        </p:txBody>
+      </p:sp>
+      <p:sp>
+        <p:nvSpPr>
+          <p:cNvPr id="332" name="CustomShape 4"/>
           <p:cNvSpPr/>
           <p:nvPr/>
         </p:nvSpPr>
         <p:spPr>
           <a:xfrm>
             <a:off x="705600" y="3736800"/>
-            <a:ext cx="8437320" cy="912600"/>
+            <a:ext cx="8437320" cy="638280"/>
           </a:xfrm>
           <a:prstGeom prst="rect">
             <a:avLst/>
@@ -10801,7 +11035,7 @@
                 <a:latin typeface="Courier New"/>
                 <a:ea typeface="DejaVu Sans"/>
               </a:rPr>
-              <a:t>	mutate(new_col = col3 * 2.0, col4 = new_col/col3) -&gt; df1_mutated</a:t>
+              <a:t>	filter(col2 &lt; 100 | col3 &gt; 2.0) -&gt; df1_filtered</a:t>
             </a:r>
             <a:endParaRPr lang="en-GB" sz="1800" b="0" strike="noStrike" spc="-1">
               <a:latin typeface="Arial"/>
@@ -10836,6 +11070,343 @@
       </p:grpSpPr>
       <p:sp>
         <p:nvSpPr>
+          <p:cNvPr id="333" name="CustomShape 1"/>
+          <p:cNvSpPr/>
+          <p:nvPr/>
+        </p:nvSpPr>
+        <p:spPr>
+          <a:xfrm>
+            <a:off x="457200" y="684000"/>
+            <a:ext cx="8227800" cy="1143720"/>
+          </a:xfrm>
+          <a:prstGeom prst="rect">
+            <a:avLst/>
+          </a:prstGeom>
+          <a:noFill/>
+          <a:ln>
+            <a:noFill/>
+          </a:ln>
+        </p:spPr>
+        <p:style>
+          <a:lnRef idx="0">
+            <a:scrgbClr r="0" g="0" b="0"/>
+          </a:lnRef>
+          <a:fillRef idx="0">
+            <a:scrgbClr r="0" g="0" b="0"/>
+          </a:fillRef>
+          <a:effectRef idx="0">
+            <a:scrgbClr r="0" g="0" b="0"/>
+          </a:effectRef>
+          <a:fontRef idx="minor"/>
+        </p:style>
+        <p:txBody>
+          <a:bodyPr lIns="0" tIns="0" rIns="0" bIns="0" anchor="ctr">
+            <a:noAutofit/>
+          </a:bodyPr>
+          <a:lstStyle/>
+          <a:p>
+            <a:pPr algn="ctr">
+              <a:lnSpc>
+                <a:spcPct val="100000"/>
+              </a:lnSpc>
+            </a:pPr>
+            <a:r>
+              <a:rPr lang="en-GB" sz="4400" b="1" strike="noStrike" spc="-1">
+                <a:solidFill>
+                  <a:srgbClr val="000000"/>
+                </a:solidFill>
+                <a:latin typeface="Calibri"/>
+                <a:ea typeface="DejaVu Sans"/>
+              </a:rPr>
+              <a:t>Mutate</a:t>
+            </a:r>
+            <a:endParaRPr lang="en-GB" sz="4400" b="0" strike="noStrike" spc="-1">
+              <a:latin typeface="Arial"/>
+            </a:endParaRPr>
+          </a:p>
+        </p:txBody>
+      </p:sp>
+      <p:sp>
+        <p:nvSpPr>
+          <p:cNvPr id="334" name="CustomShape 2"/>
+          <p:cNvSpPr/>
+          <p:nvPr/>
+        </p:nvSpPr>
+        <p:spPr>
+          <a:xfrm>
+            <a:off x="705600" y="1828800"/>
+            <a:ext cx="8437320" cy="638280"/>
+          </a:xfrm>
+          <a:prstGeom prst="rect">
+            <a:avLst/>
+          </a:prstGeom>
+          <a:noFill/>
+          <a:ln>
+            <a:noFill/>
+          </a:ln>
+        </p:spPr>
+        <p:style>
+          <a:lnRef idx="0">
+            <a:scrgbClr r="0" g="0" b="0"/>
+          </a:lnRef>
+          <a:fillRef idx="0">
+            <a:scrgbClr r="0" g="0" b="0"/>
+          </a:fillRef>
+          <a:effectRef idx="0">
+            <a:scrgbClr r="0" g="0" b="0"/>
+          </a:effectRef>
+          <a:fontRef idx="minor"/>
+        </p:style>
+        <p:txBody>
+          <a:bodyPr lIns="90000" tIns="45000" rIns="90000" bIns="45000">
+            <a:spAutoFit/>
+          </a:bodyPr>
+          <a:lstStyle/>
+          <a:p>
+            <a:pPr>
+              <a:lnSpc>
+                <a:spcPct val="100000"/>
+              </a:lnSpc>
+            </a:pPr>
+            <a:r>
+              <a:rPr lang="en-GB" sz="1800" b="0" strike="noStrike" spc="-1">
+                <a:solidFill>
+                  <a:srgbClr val="000000"/>
+                </a:solidFill>
+                <a:latin typeface="Courier New"/>
+                <a:ea typeface="DejaVu Sans"/>
+              </a:rPr>
+              <a:t>df1 %&gt;%</a:t>
+            </a:r>
+            <a:endParaRPr lang="en-GB" sz="1800" b="0" strike="noStrike" spc="-1">
+              <a:latin typeface="Arial"/>
+            </a:endParaRPr>
+          </a:p>
+          <a:p>
+            <a:pPr>
+              <a:lnSpc>
+                <a:spcPct val="100000"/>
+              </a:lnSpc>
+            </a:pPr>
+            <a:r>
+              <a:rPr lang="en-GB" sz="1800" b="0" strike="noStrike" spc="-1">
+                <a:solidFill>
+                  <a:srgbClr val="000000"/>
+                </a:solidFill>
+                <a:latin typeface="Courier New"/>
+                <a:ea typeface="DejaVu Sans"/>
+              </a:rPr>
+              <a:t>	mutate(new_col = col3 * 2.0) -&gt; df1_mutated</a:t>
+            </a:r>
+            <a:endParaRPr lang="en-GB" sz="1800" b="0" strike="noStrike" spc="-1">
+              <a:latin typeface="Arial"/>
+            </a:endParaRPr>
+          </a:p>
+        </p:txBody>
+      </p:sp>
+      <p:sp>
+        <p:nvSpPr>
+          <p:cNvPr id="335" name="CustomShape 3"/>
+          <p:cNvSpPr/>
+          <p:nvPr/>
+        </p:nvSpPr>
+        <p:spPr>
+          <a:xfrm>
+            <a:off x="705600" y="2782800"/>
+            <a:ext cx="8437320" cy="912600"/>
+          </a:xfrm>
+          <a:prstGeom prst="rect">
+            <a:avLst/>
+          </a:prstGeom>
+          <a:noFill/>
+          <a:ln>
+            <a:noFill/>
+          </a:ln>
+        </p:spPr>
+        <p:style>
+          <a:lnRef idx="0">
+            <a:scrgbClr r="0" g="0" b="0"/>
+          </a:lnRef>
+          <a:fillRef idx="0">
+            <a:scrgbClr r="0" g="0" b="0"/>
+          </a:fillRef>
+          <a:effectRef idx="0">
+            <a:scrgbClr r="0" g="0" b="0"/>
+          </a:effectRef>
+          <a:fontRef idx="minor"/>
+        </p:style>
+        <p:txBody>
+          <a:bodyPr lIns="90000" tIns="45000" rIns="90000" bIns="45000">
+            <a:spAutoFit/>
+          </a:bodyPr>
+          <a:lstStyle/>
+          <a:p>
+            <a:pPr>
+              <a:lnSpc>
+                <a:spcPct val="100000"/>
+              </a:lnSpc>
+            </a:pPr>
+            <a:r>
+              <a:rPr lang="en-GB" sz="1800" b="0" strike="noStrike" spc="-1">
+                <a:solidFill>
+                  <a:srgbClr val="000000"/>
+                </a:solidFill>
+                <a:latin typeface="Courier New"/>
+                <a:ea typeface="DejaVu Sans"/>
+              </a:rPr>
+              <a:t>df1 %&gt;%</a:t>
+            </a:r>
+            <a:endParaRPr lang="en-GB" sz="1800" b="0" strike="noStrike" spc="-1">
+              <a:latin typeface="Arial"/>
+            </a:endParaRPr>
+          </a:p>
+          <a:p>
+            <a:pPr>
+              <a:lnSpc>
+                <a:spcPct val="100000"/>
+              </a:lnSpc>
+            </a:pPr>
+            <a:r>
+              <a:rPr lang="en-GB" sz="1800" b="0" strike="noStrike" spc="-1">
+                <a:solidFill>
+                  <a:srgbClr val="000000"/>
+                </a:solidFill>
+                <a:latin typeface="Courier New"/>
+                <a:ea typeface="DejaVu Sans"/>
+              </a:rPr>
+              <a:t>	mutate(new_col = col3 * 2.0) %&gt;%</a:t>
+            </a:r>
+            <a:endParaRPr lang="en-GB" sz="1800" b="0" strike="noStrike" spc="-1">
+              <a:latin typeface="Arial"/>
+            </a:endParaRPr>
+          </a:p>
+          <a:p>
+            <a:pPr>
+              <a:lnSpc>
+                <a:spcPct val="100000"/>
+              </a:lnSpc>
+            </a:pPr>
+            <a:r>
+              <a:rPr lang="en-GB" sz="1800" b="0" strike="noStrike" spc="-1">
+                <a:solidFill>
+                  <a:srgbClr val="000000"/>
+                </a:solidFill>
+                <a:latin typeface="Courier New"/>
+                <a:ea typeface="DejaVu Sans"/>
+              </a:rPr>
+              <a:t>	mutate(col4 = new_col/col3) -&gt; df1_mutated</a:t>
+            </a:r>
+            <a:endParaRPr lang="en-GB" sz="1800" b="0" strike="noStrike" spc="-1">
+              <a:latin typeface="Arial"/>
+            </a:endParaRPr>
+          </a:p>
+        </p:txBody>
+      </p:sp>
+      <p:sp>
+        <p:nvSpPr>
+          <p:cNvPr id="336" name="CustomShape 4"/>
+          <p:cNvSpPr/>
+          <p:nvPr/>
+        </p:nvSpPr>
+        <p:spPr>
+          <a:xfrm>
+            <a:off x="705600" y="3736800"/>
+            <a:ext cx="8437320" cy="912600"/>
+          </a:xfrm>
+          <a:prstGeom prst="rect">
+            <a:avLst/>
+          </a:prstGeom>
+          <a:noFill/>
+          <a:ln>
+            <a:noFill/>
+          </a:ln>
+        </p:spPr>
+        <p:style>
+          <a:lnRef idx="0">
+            <a:scrgbClr r="0" g="0" b="0"/>
+          </a:lnRef>
+          <a:fillRef idx="0">
+            <a:scrgbClr r="0" g="0" b="0"/>
+          </a:fillRef>
+          <a:effectRef idx="0">
+            <a:scrgbClr r="0" g="0" b="0"/>
+          </a:effectRef>
+          <a:fontRef idx="minor"/>
+        </p:style>
+        <p:txBody>
+          <a:bodyPr lIns="90000" tIns="45000" rIns="90000" bIns="45000">
+            <a:spAutoFit/>
+          </a:bodyPr>
+          <a:lstStyle/>
+          <a:p>
+            <a:pPr>
+              <a:lnSpc>
+                <a:spcPct val="100000"/>
+              </a:lnSpc>
+            </a:pPr>
+            <a:r>
+              <a:rPr lang="en-GB" sz="1800" b="0" strike="noStrike" spc="-1">
+                <a:solidFill>
+                  <a:srgbClr val="000000"/>
+                </a:solidFill>
+                <a:latin typeface="Courier New"/>
+                <a:ea typeface="DejaVu Sans"/>
+              </a:rPr>
+              <a:t>df1 %&gt;%</a:t>
+            </a:r>
+            <a:endParaRPr lang="en-GB" sz="1800" b="0" strike="noStrike" spc="-1">
+              <a:latin typeface="Arial"/>
+            </a:endParaRPr>
+          </a:p>
+          <a:p>
+            <a:pPr>
+              <a:lnSpc>
+                <a:spcPct val="100000"/>
+              </a:lnSpc>
+            </a:pPr>
+            <a:r>
+              <a:rPr lang="en-GB" sz="1800" b="0" strike="noStrike" spc="-1">
+                <a:solidFill>
+                  <a:srgbClr val="000000"/>
+                </a:solidFill>
+                <a:latin typeface="Courier New"/>
+                <a:ea typeface="DejaVu Sans"/>
+              </a:rPr>
+              <a:t>	mutate(new_col = col3 * 2.0, col4 = new_col/col3) -&gt; df1_mutated</a:t>
+            </a:r>
+            <a:endParaRPr lang="en-GB" sz="1800" b="0" strike="noStrike" spc="-1">
+              <a:latin typeface="Arial"/>
+            </a:endParaRPr>
+          </a:p>
+        </p:txBody>
+      </p:sp>
+    </p:spTree>
+  </p:cSld>
+  <p:clrMapOvr>
+    <a:masterClrMapping/>
+  </p:clrMapOvr>
+</p:sld>
+</file>
+
+<file path=ppt/slides/slide13.xml><?xml version="1.0" encoding="utf-8"?>
+<p:sld xmlns:a="http://schemas.openxmlformats.org/drawingml/2006/main" xmlns:r="http://schemas.openxmlformats.org/officeDocument/2006/relationships" xmlns:p="http://schemas.openxmlformats.org/presentationml/2006/main">
+  <p:cSld>
+    <p:spTree>
+      <p:nvGrpSpPr>
+        <p:cNvPr id="1" name=""/>
+        <p:cNvGrpSpPr/>
+        <p:nvPr/>
+      </p:nvGrpSpPr>
+      <p:grpSpPr>
+        <a:xfrm>
+          <a:off x="0" y="0"/>
+          <a:ext cx="0" cy="0"/>
+          <a:chOff x="0" y="0"/>
+          <a:chExt cx="0" cy="0"/>
+        </a:xfrm>
+      </p:grpSpPr>
+      <p:sp>
+        <p:nvSpPr>
           <p:cNvPr id="337" name="CustomShape 1"/>
           <p:cNvSpPr/>
           <p:nvPr/>
@@ -11460,7 +12031,7 @@
 </p:sld>
 </file>
 
-<file path=ppt/slides/slide13.xml><?xml version="1.0" encoding="utf-8"?>
+<file path=ppt/slides/slide14.xml><?xml version="1.0" encoding="utf-8"?>
 <p:sld xmlns:a="http://schemas.openxmlformats.org/drawingml/2006/main" xmlns:r="http://schemas.openxmlformats.org/officeDocument/2006/relationships" xmlns:p="http://schemas.openxmlformats.org/presentationml/2006/main">
   <p:cSld>
     <p:bg>
@@ -12024,520 +12595,6 @@
 </p:sld>
 </file>
 
-<file path=ppt/slides/slide14.xml><?xml version="1.0" encoding="utf-8"?>
-<p:sld xmlns:a="http://schemas.openxmlformats.org/drawingml/2006/main" xmlns:r="http://schemas.openxmlformats.org/officeDocument/2006/relationships" xmlns:p="http://schemas.openxmlformats.org/presentationml/2006/main">
-  <p:cSld>
-    <p:spTree>
-      <p:nvGrpSpPr>
-        <p:cNvPr id="1" name=""/>
-        <p:cNvGrpSpPr/>
-        <p:nvPr/>
-      </p:nvGrpSpPr>
-      <p:grpSpPr>
-        <a:xfrm>
-          <a:off x="0" y="0"/>
-          <a:ext cx="0" cy="0"/>
-          <a:chOff x="0" y="0"/>
-          <a:chExt cx="0" cy="0"/>
-        </a:xfrm>
-      </p:grpSpPr>
-      <p:sp>
-        <p:nvSpPr>
-          <p:cNvPr id="349" name="CustomShape 1"/>
-          <p:cNvSpPr/>
-          <p:nvPr/>
-        </p:nvSpPr>
-        <p:spPr>
-          <a:xfrm>
-            <a:off x="457200" y="684000"/>
-            <a:ext cx="8227800" cy="1143720"/>
-          </a:xfrm>
-          <a:prstGeom prst="rect">
-            <a:avLst/>
-          </a:prstGeom>
-          <a:noFill/>
-          <a:ln>
-            <a:noFill/>
-          </a:ln>
-        </p:spPr>
-        <p:style>
-          <a:lnRef idx="0">
-            <a:scrgbClr r="0" g="0" b="0"/>
-          </a:lnRef>
-          <a:fillRef idx="0">
-            <a:scrgbClr r="0" g="0" b="0"/>
-          </a:fillRef>
-          <a:effectRef idx="0">
-            <a:scrgbClr r="0" g="0" b="0"/>
-          </a:effectRef>
-          <a:fontRef idx="minor"/>
-        </p:style>
-        <p:txBody>
-          <a:bodyPr lIns="0" tIns="0" rIns="0" bIns="0" anchor="ctr">
-            <a:noAutofit/>
-          </a:bodyPr>
-          <a:lstStyle/>
-          <a:p>
-            <a:pPr algn="ctr">
-              <a:lnSpc>
-                <a:spcPct val="100000"/>
-              </a:lnSpc>
-            </a:pPr>
-            <a:r>
-              <a:rPr lang="en-GB" sz="4400" b="1" strike="noStrike" spc="-1">
-                <a:solidFill>
-                  <a:srgbClr val="000000"/>
-                </a:solidFill>
-                <a:latin typeface="Calibri"/>
-                <a:ea typeface="DejaVu Sans"/>
-              </a:rPr>
-              <a:t>Summarise</a:t>
-            </a:r>
-            <a:endParaRPr lang="en-GB" sz="4400" b="0" strike="noStrike" spc="-1">
-              <a:latin typeface="Arial"/>
-            </a:endParaRPr>
-          </a:p>
-        </p:txBody>
-      </p:sp>
-      <p:sp>
-        <p:nvSpPr>
-          <p:cNvPr id="350" name="CustomShape 2"/>
-          <p:cNvSpPr/>
-          <p:nvPr/>
-        </p:nvSpPr>
-        <p:spPr>
-          <a:xfrm>
-            <a:off x="549000" y="2071440"/>
-            <a:ext cx="7834320" cy="2284560"/>
-          </a:xfrm>
-          <a:prstGeom prst="rect">
-            <a:avLst/>
-          </a:prstGeom>
-          <a:noFill/>
-          <a:ln>
-            <a:noFill/>
-          </a:ln>
-        </p:spPr>
-        <p:style>
-          <a:lnRef idx="0">
-            <a:scrgbClr r="0" g="0" b="0"/>
-          </a:lnRef>
-          <a:fillRef idx="0">
-            <a:scrgbClr r="0" g="0" b="0"/>
-          </a:fillRef>
-          <a:effectRef idx="0">
-            <a:scrgbClr r="0" g="0" b="0"/>
-          </a:effectRef>
-          <a:fontRef idx="minor"/>
-        </p:style>
-        <p:txBody>
-          <a:bodyPr lIns="90000" tIns="45000" rIns="90000" bIns="45000">
-            <a:spAutoFit/>
-          </a:bodyPr>
-          <a:lstStyle/>
-          <a:p>
-            <a:pPr marL="285840" indent="-284760">
-              <a:lnSpc>
-                <a:spcPct val="100000"/>
-              </a:lnSpc>
-              <a:buClr>
-                <a:srgbClr val="000000"/>
-              </a:buClr>
-              <a:buFont typeface="Arial"/>
-              <a:buChar char="•"/>
-            </a:pPr>
-            <a:r>
-              <a:rPr lang="en-GB" sz="1800" b="0" strike="noStrike" spc="-1">
-                <a:solidFill>
-                  <a:srgbClr val="000000"/>
-                </a:solidFill>
-                <a:latin typeface="Calibri"/>
-                <a:ea typeface="Calibri"/>
-              </a:rPr>
-              <a:t>One column:</a:t>
-            </a:r>
-            <a:endParaRPr lang="en-GB" sz="1800" b="0" strike="noStrike" spc="-1">
-              <a:latin typeface="Arial"/>
-            </a:endParaRPr>
-          </a:p>
-          <a:p>
-            <a:pPr>
-              <a:lnSpc>
-                <a:spcPct val="100000"/>
-              </a:lnSpc>
-            </a:pPr>
-            <a:r>
-              <a:rPr lang="en-GB" sz="1800" b="1" strike="noStrike" spc="-1">
-                <a:solidFill>
-                  <a:srgbClr val="8064A2"/>
-                </a:solidFill>
-                <a:latin typeface="Courier New"/>
-                <a:ea typeface="Calibri"/>
-              </a:rPr>
-              <a:t>summarise</a:t>
-            </a:r>
-            <a:r>
-              <a:rPr lang="en-GB" sz="1800" b="0" strike="noStrike" spc="-1">
-                <a:solidFill>
-                  <a:srgbClr val="000000"/>
-                </a:solidFill>
-                <a:latin typeface="Courier New"/>
-                <a:ea typeface="Calibri"/>
-              </a:rPr>
-              <a:t>(df1, sum(col1))</a:t>
-            </a:r>
-            <a:r>
-              <a:rPr lang="en-GB" sz="1800" b="0" strike="noStrike" spc="-1">
-                <a:solidFill>
-                  <a:srgbClr val="000000"/>
-                </a:solidFill>
-                <a:latin typeface="Calibri"/>
-                <a:ea typeface="Calibri"/>
-              </a:rPr>
-              <a:t> or </a:t>
-            </a:r>
-            <a:r>
-              <a:rPr lang="en-GB" sz="1800" b="0" strike="noStrike" spc="-1">
-                <a:solidFill>
-                  <a:srgbClr val="000000"/>
-                </a:solidFill>
-                <a:latin typeface="Courier New"/>
-                <a:ea typeface="Calibri"/>
-              </a:rPr>
-              <a:t>summarise(df1, mean(col2))</a:t>
-            </a:r>
-            <a:endParaRPr lang="en-GB" sz="1800" b="0" strike="noStrike" spc="-1">
-              <a:latin typeface="Arial"/>
-            </a:endParaRPr>
-          </a:p>
-          <a:p>
-            <a:pPr marL="285840" indent="-284760">
-              <a:lnSpc>
-                <a:spcPct val="100000"/>
-              </a:lnSpc>
-              <a:buClr>
-                <a:srgbClr val="000000"/>
-              </a:buClr>
-              <a:buFont typeface="Arial"/>
-              <a:buChar char="•"/>
-            </a:pPr>
-            <a:r>
-              <a:rPr lang="en-GB" sz="1800" b="0" strike="noStrike" spc="-1">
-                <a:solidFill>
-                  <a:srgbClr val="000000"/>
-                </a:solidFill>
-                <a:latin typeface="Calibri"/>
-                <a:ea typeface="Calibri"/>
-              </a:rPr>
-              <a:t>Several columns:</a:t>
-            </a:r>
-            <a:endParaRPr lang="en-GB" sz="1800" b="0" strike="noStrike" spc="-1">
-              <a:latin typeface="Arial"/>
-            </a:endParaRPr>
-          </a:p>
-          <a:p>
-            <a:pPr>
-              <a:lnSpc>
-                <a:spcPct val="100000"/>
-              </a:lnSpc>
-            </a:pPr>
-            <a:r>
-              <a:rPr lang="en-GB" sz="1800" b="1" strike="noStrike" spc="-1">
-                <a:solidFill>
-                  <a:srgbClr val="8064A2"/>
-                </a:solidFill>
-                <a:latin typeface="Courier New"/>
-                <a:ea typeface="Calibri"/>
-              </a:rPr>
-              <a:t>summarise</a:t>
-            </a:r>
-            <a:r>
-              <a:rPr lang="en-GB" sz="1800" b="0" strike="noStrike" spc="-1">
-                <a:solidFill>
-                  <a:srgbClr val="000000"/>
-                </a:solidFill>
-                <a:latin typeface="Courier New"/>
-                <a:ea typeface="Calibri"/>
-              </a:rPr>
-              <a:t>(df1, sum(col1), mean(col2), sd(col3))</a:t>
-            </a:r>
-            <a:endParaRPr lang="en-GB" sz="1800" b="0" strike="noStrike" spc="-1">
-              <a:latin typeface="Arial"/>
-            </a:endParaRPr>
-          </a:p>
-          <a:p>
-            <a:pPr marL="285840" indent="-284760">
-              <a:lnSpc>
-                <a:spcPct val="100000"/>
-              </a:lnSpc>
-              <a:buClr>
-                <a:srgbClr val="000000"/>
-              </a:buClr>
-              <a:buFont typeface="Arial"/>
-              <a:buChar char="•"/>
-            </a:pPr>
-            <a:r>
-              <a:rPr lang="en-GB" sz="1800" b="0" strike="noStrike" spc="-1">
-                <a:solidFill>
-                  <a:srgbClr val="000000"/>
-                </a:solidFill>
-                <a:latin typeface="Calibri"/>
-                <a:ea typeface="Calibri"/>
-              </a:rPr>
-              <a:t>Assign column names:</a:t>
-            </a:r>
-            <a:endParaRPr lang="en-GB" sz="1800" b="0" strike="noStrike" spc="-1">
-              <a:latin typeface="Arial"/>
-            </a:endParaRPr>
-          </a:p>
-          <a:p>
-            <a:pPr>
-              <a:lnSpc>
-                <a:spcPct val="100000"/>
-              </a:lnSpc>
-            </a:pPr>
-            <a:r>
-              <a:rPr lang="en-GB" sz="1800" b="0" strike="noStrike" spc="-1">
-                <a:solidFill>
-                  <a:srgbClr val="000000"/>
-                </a:solidFill>
-                <a:latin typeface="Courier New"/>
-                <a:ea typeface="Calibri"/>
-              </a:rPr>
-              <a:t>df1 %&gt;%</a:t>
-            </a:r>
-            <a:endParaRPr lang="en-GB" sz="1800" b="0" strike="noStrike" spc="-1">
-              <a:latin typeface="Arial"/>
-            </a:endParaRPr>
-          </a:p>
-          <a:p>
-            <a:pPr>
-              <a:lnSpc>
-                <a:spcPct val="100000"/>
-              </a:lnSpc>
-            </a:pPr>
-            <a:r>
-              <a:rPr lang="en-GB" sz="1800" b="0" strike="noStrike" spc="-1">
-                <a:solidFill>
-                  <a:srgbClr val="000000"/>
-                </a:solidFill>
-                <a:latin typeface="Courier New"/>
-                <a:ea typeface="Calibri"/>
-              </a:rPr>
-              <a:t>	</a:t>
-            </a:r>
-            <a:r>
-              <a:rPr lang="en-GB" sz="1800" b="1" strike="noStrike" spc="-1">
-                <a:solidFill>
-                  <a:srgbClr val="8064A2"/>
-                </a:solidFill>
-                <a:latin typeface="Courier New"/>
-                <a:ea typeface="Calibri"/>
-              </a:rPr>
-              <a:t>summarise(</a:t>
-            </a:r>
-            <a:r>
-              <a:rPr lang="en-GB" sz="1800" b="0" strike="noStrike" spc="-1">
-                <a:solidFill>
-                  <a:srgbClr val="000000"/>
-                </a:solidFill>
-                <a:latin typeface="Courier New"/>
-                <a:ea typeface="Calibri"/>
-              </a:rPr>
-              <a:t>sum_col1 = sum(col1), mean_col2 = mean(col2), sd_col3 = sd(col3)</a:t>
-            </a:r>
-            <a:r>
-              <a:rPr lang="en-GB" sz="1800" b="1" strike="noStrike" spc="-1">
-                <a:solidFill>
-                  <a:srgbClr val="8064A2"/>
-                </a:solidFill>
-                <a:latin typeface="Courier New"/>
-                <a:ea typeface="Calibri"/>
-              </a:rPr>
-              <a:t>)</a:t>
-            </a:r>
-            <a:r>
-              <a:rPr lang="en-GB" sz="1800" b="0" strike="noStrike" spc="-1">
-                <a:solidFill>
-                  <a:srgbClr val="000000"/>
-                </a:solidFill>
-                <a:latin typeface="Courier New"/>
-                <a:ea typeface="Calibri"/>
-              </a:rPr>
-              <a:t> -&gt; df1_sum</a:t>
-            </a:r>
-            <a:endParaRPr lang="en-GB" sz="1800" b="0" strike="noStrike" spc="-1">
-              <a:latin typeface="Arial"/>
-            </a:endParaRPr>
-          </a:p>
-        </p:txBody>
-      </p:sp>
-      <p:sp>
-        <p:nvSpPr>
-          <p:cNvPr id="351" name="CustomShape 3"/>
-          <p:cNvSpPr/>
-          <p:nvPr/>
-        </p:nvSpPr>
-        <p:spPr>
-          <a:xfrm>
-            <a:off x="460440" y="5016600"/>
-            <a:ext cx="7924680" cy="638640"/>
-          </a:xfrm>
-          <a:prstGeom prst="rect">
-            <a:avLst/>
-          </a:prstGeom>
-          <a:noFill/>
-          <a:ln>
-            <a:solidFill>
-              <a:schemeClr val="tx1"/>
-            </a:solidFill>
-          </a:ln>
-        </p:spPr>
-        <p:style>
-          <a:lnRef idx="0">
-            <a:scrgbClr r="0" g="0" b="0"/>
-          </a:lnRef>
-          <a:fillRef idx="0">
-            <a:scrgbClr r="0" g="0" b="0"/>
-          </a:fillRef>
-          <a:effectRef idx="0">
-            <a:scrgbClr r="0" g="0" b="0"/>
-          </a:effectRef>
-          <a:fontRef idx="minor"/>
-        </p:style>
-        <p:txBody>
-          <a:bodyPr lIns="90000" tIns="45000" rIns="90000" bIns="45000">
-            <a:spAutoFit/>
-          </a:bodyPr>
-          <a:lstStyle/>
-          <a:p>
-            <a:pPr>
-              <a:lnSpc>
-                <a:spcPct val="100000"/>
-              </a:lnSpc>
-            </a:pPr>
-            <a:r>
-              <a:rPr lang="en-GB" sz="1800" b="0" strike="noStrike" spc="-1">
-                <a:solidFill>
-                  <a:srgbClr val="000000"/>
-                </a:solidFill>
-                <a:latin typeface="Calibri"/>
-                <a:ea typeface="Calibri"/>
-              </a:rPr>
-              <a:t>Note: </a:t>
-            </a:r>
-            <a:r>
-              <a:rPr lang="en-GB" sz="1800" b="1" strike="noStrike" spc="-1">
-                <a:solidFill>
-                  <a:srgbClr val="000000"/>
-                </a:solidFill>
-                <a:latin typeface="Courier New"/>
-                <a:ea typeface="Calibri"/>
-              </a:rPr>
-              <a:t>summarise()</a:t>
-            </a:r>
-            <a:r>
-              <a:rPr lang="en-GB" sz="1800" b="0" strike="noStrike" spc="-1">
-                <a:solidFill>
-                  <a:srgbClr val="000000"/>
-                </a:solidFill>
-                <a:latin typeface="Calibri"/>
-                <a:ea typeface="Calibri"/>
-              </a:rPr>
-              <a:t>can be used separately, but typically used on grouped data created by</a:t>
-            </a:r>
-            <a:r>
-              <a:rPr lang="en-GB" sz="1800" b="1" strike="noStrike" spc="-1">
-                <a:solidFill>
-                  <a:srgbClr val="000000"/>
-                </a:solidFill>
-                <a:latin typeface="Courier New"/>
-                <a:ea typeface="Calibri"/>
-              </a:rPr>
-              <a:t> group_by()</a:t>
-            </a:r>
-            <a:r>
-              <a:rPr lang="en-GB" sz="1800" b="0" strike="noStrike" spc="-1">
-                <a:solidFill>
-                  <a:srgbClr val="000000"/>
-                </a:solidFill>
-                <a:latin typeface="Calibri"/>
-                <a:ea typeface="Calibri"/>
-              </a:rPr>
-              <a:t> - see next slides.</a:t>
-            </a:r>
-            <a:endParaRPr lang="en-GB" sz="1800" b="0" strike="noStrike" spc="-1">
-              <a:latin typeface="Arial"/>
-            </a:endParaRPr>
-          </a:p>
-        </p:txBody>
-      </p:sp>
-      <p:sp>
-        <p:nvSpPr>
-          <p:cNvPr id="352" name="CustomShape 4"/>
-          <p:cNvSpPr/>
-          <p:nvPr/>
-        </p:nvSpPr>
-        <p:spPr>
-          <a:xfrm>
-            <a:off x="2550600" y="1650240"/>
-            <a:ext cx="4135680" cy="364320"/>
-          </a:xfrm>
-          <a:prstGeom prst="rect">
-            <a:avLst/>
-          </a:prstGeom>
-          <a:noFill/>
-          <a:ln>
-            <a:noFill/>
-          </a:ln>
-        </p:spPr>
-        <p:style>
-          <a:lnRef idx="0">
-            <a:scrgbClr r="0" g="0" b="0"/>
-          </a:lnRef>
-          <a:fillRef idx="0">
-            <a:scrgbClr r="0" g="0" b="0"/>
-          </a:fillRef>
-          <a:effectRef idx="0">
-            <a:scrgbClr r="0" g="0" b="0"/>
-          </a:effectRef>
-          <a:fontRef idx="minor"/>
-        </p:style>
-        <p:txBody>
-          <a:bodyPr lIns="90000" tIns="45000" rIns="90000" bIns="45000">
-            <a:spAutoFit/>
-          </a:bodyPr>
-          <a:lstStyle/>
-          <a:p>
-            <a:pPr>
-              <a:lnSpc>
-                <a:spcPct val="100000"/>
-              </a:lnSpc>
-            </a:pPr>
-            <a:r>
-              <a:rPr lang="en-GB" sz="1800" b="0" strike="noStrike" spc="-1">
-                <a:solidFill>
-                  <a:srgbClr val="000000"/>
-                </a:solidFill>
-                <a:latin typeface="Calibri"/>
-                <a:ea typeface="DejaVu Sans"/>
-              </a:rPr>
-              <a:t>Reduces multiple values to a single value</a:t>
-            </a:r>
-            <a:endParaRPr lang="en-GB" sz="1800" b="0" strike="noStrike" spc="-1">
-              <a:latin typeface="Arial"/>
-            </a:endParaRPr>
-          </a:p>
-        </p:txBody>
-      </p:sp>
-    </p:spTree>
-  </p:cSld>
-  <p:clrMapOvr>
-    <a:masterClrMapping/>
-  </p:clrMapOvr>
-</p:sld>
-</file>
-
 <file path=ppt/slides/slide15.xml><?xml version="1.0" encoding="utf-8"?>
 <p:sld xmlns:a="http://schemas.openxmlformats.org/drawingml/2006/main" xmlns:r="http://schemas.openxmlformats.org/officeDocument/2006/relationships" xmlns:p="http://schemas.openxmlformats.org/presentationml/2006/main">
   <p:cSld>
@@ -12557,14 +12614,14 @@
       </p:grpSpPr>
       <p:sp>
         <p:nvSpPr>
-          <p:cNvPr id="353" name="CustomShape 1"/>
+          <p:cNvPr id="349" name="CustomShape 1"/>
           <p:cNvSpPr/>
           <p:nvPr/>
         </p:nvSpPr>
         <p:spPr>
           <a:xfrm>
-            <a:off x="269280" y="728640"/>
-            <a:ext cx="8479080" cy="1141920"/>
+            <a:off x="457200" y="684000"/>
+            <a:ext cx="8227800" cy="1143720"/>
           </a:xfrm>
           <a:prstGeom prst="rect">
             <a:avLst/>
@@ -12587,7 +12644,7 @@
           <a:fontRef idx="minor"/>
         </p:style>
         <p:txBody>
-          <a:bodyPr lIns="90000" tIns="45000" rIns="90000" bIns="45000" anchor="ctr">
+          <a:bodyPr lIns="0" tIns="0" rIns="0" bIns="0" anchor="ctr">
             <a:noAutofit/>
           </a:bodyPr>
           <a:lstStyle/>
@@ -12603,9 +12660,9 @@
                   <a:srgbClr val="000000"/>
                 </a:solidFill>
                 <a:latin typeface="Calibri"/>
-                <a:ea typeface="Calibri"/>
-              </a:rPr>
-              <a:t>Useful functions for summarisation</a:t>
+                <a:ea typeface="DejaVu Sans"/>
+              </a:rPr>
+              <a:t>Summarise</a:t>
             </a:r>
             <a:endParaRPr lang="en-GB" sz="4400" b="0" strike="noStrike" spc="-1">
               <a:latin typeface="Arial"/>
@@ -12615,14 +12672,14 @@
       </p:sp>
       <p:sp>
         <p:nvSpPr>
-          <p:cNvPr id="354" name="CustomShape 2"/>
+          <p:cNvPr id="350" name="CustomShape 2"/>
           <p:cNvSpPr/>
           <p:nvPr/>
         </p:nvSpPr>
         <p:spPr>
           <a:xfrm>
-            <a:off x="457200" y="1600200"/>
-            <a:ext cx="8228520" cy="4524840"/>
+            <a:off x="549000" y="2071440"/>
+            <a:ext cx="7834320" cy="2284560"/>
           </a:xfrm>
           <a:prstGeom prst="rect">
             <a:avLst/>
@@ -12646,30 +12703,14 @@
         </p:style>
         <p:txBody>
           <a:bodyPr lIns="90000" tIns="45000" rIns="90000" bIns="45000">
-            <a:normAutofit/>
+            <a:spAutoFit/>
           </a:bodyPr>
           <a:lstStyle/>
           <a:p>
-            <a:pPr>
+            <a:pPr marL="285840" indent="-284760">
               <a:lnSpc>
                 <a:spcPct val="100000"/>
               </a:lnSpc>
-              <a:spcBef>
-                <a:spcPts val="479"/>
-              </a:spcBef>
-            </a:pPr>
-            <a:endParaRPr lang="en-GB" sz="1800" b="0" strike="noStrike" spc="-1">
-              <a:latin typeface="Arial"/>
-            </a:endParaRPr>
-          </a:p>
-          <a:p>
-            <a:pPr marL="343080" indent="-342000">
-              <a:lnSpc>
-                <a:spcPct val="100000"/>
-              </a:lnSpc>
-              <a:spcBef>
-                <a:spcPts val="479"/>
-              </a:spcBef>
               <a:buClr>
                 <a:srgbClr val="000000"/>
               </a:buClr>
@@ -12677,37 +12718,74 @@
               <a:buChar char="•"/>
             </a:pPr>
             <a:r>
-              <a:rPr lang="en-GB" sz="2400" b="0" strike="noStrike" spc="-1">
+              <a:rPr lang="en-GB" sz="1800" b="0" strike="noStrike" spc="-1">
                 <a:solidFill>
                   <a:srgbClr val="000000"/>
                 </a:solidFill>
                 <a:latin typeface="Calibri"/>
                 <a:ea typeface="Calibri"/>
               </a:rPr>
-              <a:t>Center: </a:t>
-            </a:r>
-            <a:r>
-              <a:rPr lang="en-GB" sz="2400" b="0" strike="noStrike" spc="-1">
-                <a:solidFill>
-                  <a:srgbClr val="000000"/>
-                </a:solidFill>
-                <a:latin typeface="Courier New"/>
-                <a:ea typeface="Calibri"/>
-              </a:rPr>
-              <a:t>mean(), median()</a:t>
-            </a:r>
-            <a:endParaRPr lang="en-GB" sz="2400" b="0" strike="noStrike" spc="-1">
-              <a:latin typeface="Arial"/>
-            </a:endParaRPr>
-          </a:p>
-          <a:p>
-            <a:pPr marL="343080" indent="-342000">
+              <a:t>One column:</a:t>
+            </a:r>
+            <a:endParaRPr lang="en-GB" sz="1800" b="0" strike="noStrike" spc="-1">
+              <a:latin typeface="Arial"/>
+            </a:endParaRPr>
+          </a:p>
+          <a:p>
+            <a:pPr>
               <a:lnSpc>
                 <a:spcPct val="100000"/>
               </a:lnSpc>
-              <a:spcBef>
-                <a:spcPts val="479"/>
-              </a:spcBef>
+            </a:pPr>
+            <a:r>
+              <a:rPr lang="en-GB" sz="1800" b="1" strike="noStrike" spc="-1">
+                <a:solidFill>
+                  <a:srgbClr val="8064A2"/>
+                </a:solidFill>
+                <a:latin typeface="Courier New"/>
+                <a:ea typeface="Calibri"/>
+              </a:rPr>
+              <a:t>summarise</a:t>
+            </a:r>
+            <a:r>
+              <a:rPr lang="en-GB" sz="1800" b="0" strike="noStrike" spc="-1">
+                <a:solidFill>
+                  <a:srgbClr val="000000"/>
+                </a:solidFill>
+                <a:latin typeface="Courier New"/>
+                <a:ea typeface="Calibri"/>
+              </a:rPr>
+              <a:t>(df1, sum(col1))</a:t>
+            </a:r>
+            <a:r>
+              <a:rPr lang="en-GB" sz="1800" b="0" strike="noStrike" spc="-1">
+                <a:solidFill>
+                  <a:srgbClr val="000000"/>
+                </a:solidFill>
+                <a:latin typeface="Calibri"/>
+                <a:ea typeface="Calibri"/>
+              </a:rPr>
+              <a:t> or </a:t>
+            </a:r>
+            <a:r>
+              <a:rPr lang="en-GB" sz="1800" b="0" strike="noStrike" spc="-1">
+                <a:solidFill>
+                  <a:srgbClr val="000000"/>
+                </a:solidFill>
+                <a:latin typeface="Courier New"/>
+                <a:ea typeface="Calibri"/>
+              </a:rPr>
+              <a:t>summarise(df1, mean(col2))</a:t>
+            </a:r>
+            <a:endParaRPr lang="en-GB" sz="1800" b="0" strike="noStrike" spc="-1">
+              <a:latin typeface="Arial"/>
+            </a:endParaRPr>
+          </a:p>
+          <a:p>
+            <a:pPr marL="285840" indent="-284760">
+              <a:lnSpc>
+                <a:spcPct val="100000"/>
+              </a:lnSpc>
               <a:buClr>
                 <a:srgbClr val="000000"/>
               </a:buClr>
@@ -12715,37 +12793,54 @@
               <a:buChar char="•"/>
             </a:pPr>
             <a:r>
-              <a:rPr lang="en-GB" sz="2400" b="0" strike="noStrike" spc="-1">
+              <a:rPr lang="en-GB" sz="1800" b="0" strike="noStrike" spc="-1">
                 <a:solidFill>
                   <a:srgbClr val="000000"/>
                 </a:solidFill>
                 <a:latin typeface="Calibri"/>
                 <a:ea typeface="Calibri"/>
               </a:rPr>
-              <a:t>Spread: </a:t>
-            </a:r>
-            <a:r>
-              <a:rPr lang="en-GB" sz="2400" b="0" strike="noStrike" spc="-1">
-                <a:solidFill>
-                  <a:srgbClr val="000000"/>
-                </a:solidFill>
-                <a:latin typeface="Courier New"/>
-                <a:ea typeface="Calibri"/>
-              </a:rPr>
-              <a:t>sd(), IQR()</a:t>
-            </a:r>
-            <a:endParaRPr lang="en-GB" sz="2400" b="0" strike="noStrike" spc="-1">
-              <a:latin typeface="Arial"/>
-            </a:endParaRPr>
-          </a:p>
-          <a:p>
-            <a:pPr marL="343080" indent="-342000">
+              <a:t>Several columns:</a:t>
+            </a:r>
+            <a:endParaRPr lang="en-GB" sz="1800" b="0" strike="noStrike" spc="-1">
+              <a:latin typeface="Arial"/>
+            </a:endParaRPr>
+          </a:p>
+          <a:p>
+            <a:pPr>
               <a:lnSpc>
                 <a:spcPct val="100000"/>
               </a:lnSpc>
-              <a:spcBef>
-                <a:spcPts val="479"/>
-              </a:spcBef>
+            </a:pPr>
+            <a:r>
+              <a:rPr lang="en-GB" sz="1800" b="1" strike="noStrike" spc="-1">
+                <a:solidFill>
+                  <a:srgbClr val="8064A2"/>
+                </a:solidFill>
+                <a:latin typeface="Courier New"/>
+                <a:ea typeface="Calibri"/>
+              </a:rPr>
+              <a:t>summarise</a:t>
+            </a:r>
+            <a:r>
+              <a:rPr lang="en-GB" sz="1800" b="0" strike="noStrike" spc="-1">
+                <a:solidFill>
+                  <a:srgbClr val="000000"/>
+                </a:solidFill>
+                <a:latin typeface="Courier New"/>
+                <a:ea typeface="Calibri"/>
+              </a:rPr>
+              <a:t>(df1, sum(col1), mean(col2), sd(col3))</a:t>
+            </a:r>
+            <a:endParaRPr lang="en-GB" sz="1800" b="0" strike="noStrike" spc="-1">
+              <a:latin typeface="Arial"/>
+            </a:endParaRPr>
+          </a:p>
+          <a:p>
+            <a:pPr marL="285840" indent="-284760">
+              <a:lnSpc>
+                <a:spcPct val="100000"/>
+              </a:lnSpc>
               <a:buClr>
                 <a:srgbClr val="000000"/>
               </a:buClr>
@@ -12753,151 +12848,254 @@
               <a:buChar char="•"/>
             </a:pPr>
             <a:r>
-              <a:rPr lang="en-GB" sz="2400" b="0" strike="noStrike" spc="-1">
+              <a:rPr lang="en-GB" sz="1800" b="0" strike="noStrike" spc="-1">
                 <a:solidFill>
                   <a:srgbClr val="000000"/>
                 </a:solidFill>
                 <a:latin typeface="Calibri"/>
                 <a:ea typeface="Calibri"/>
               </a:rPr>
-              <a:t>Range: </a:t>
-            </a:r>
-            <a:r>
-              <a:rPr lang="en-GB" sz="2400" b="0" strike="noStrike" spc="-1">
-                <a:solidFill>
-                  <a:srgbClr val="000000"/>
-                </a:solidFill>
-                <a:latin typeface="Courier New"/>
-                <a:ea typeface="Calibri"/>
-              </a:rPr>
-              <a:t>min(), max(), quantile()</a:t>
-            </a:r>
-            <a:endParaRPr lang="en-GB" sz="2400" b="0" strike="noStrike" spc="-1">
-              <a:latin typeface="Arial"/>
-            </a:endParaRPr>
-          </a:p>
-          <a:p>
-            <a:pPr marL="343080" indent="-342000">
+              <a:t>Assign column names:</a:t>
+            </a:r>
+            <a:endParaRPr lang="en-GB" sz="1800" b="0" strike="noStrike" spc="-1">
+              <a:latin typeface="Arial"/>
+            </a:endParaRPr>
+          </a:p>
+          <a:p>
+            <a:pPr>
               <a:lnSpc>
                 <a:spcPct val="100000"/>
               </a:lnSpc>
-              <a:spcBef>
-                <a:spcPts val="479"/>
-              </a:spcBef>
-              <a:buClr>
-                <a:srgbClr val="000000"/>
-              </a:buClr>
-              <a:buFont typeface="Arial"/>
-              <a:buChar char="•"/>
             </a:pPr>
             <a:r>
-              <a:rPr lang="en-GB" sz="2400" b="0" strike="noStrike" spc="-1">
-                <a:solidFill>
-                  <a:srgbClr val="000000"/>
-                </a:solidFill>
-                <a:latin typeface="Calibri"/>
-                <a:ea typeface="Calibri"/>
-              </a:rPr>
-              <a:t>Position: </a:t>
-            </a:r>
-            <a:r>
-              <a:rPr lang="en-GB" sz="2400" b="0" strike="noStrike" spc="-1">
+              <a:rPr lang="en-GB" sz="1800" b="0" strike="noStrike" spc="-1">
                 <a:solidFill>
                   <a:srgbClr val="000000"/>
                 </a:solidFill>
                 <a:latin typeface="Courier New"/>
                 <a:ea typeface="Calibri"/>
               </a:rPr>
-              <a:t>first(), last()</a:t>
-            </a:r>
-            <a:endParaRPr lang="en-GB" sz="2400" b="0" strike="noStrike" spc="-1">
-              <a:latin typeface="Arial"/>
-            </a:endParaRPr>
-          </a:p>
-          <a:p>
-            <a:pPr marL="343080" indent="-342000">
+              <a:t>df1 %&gt;%</a:t>
+            </a:r>
+            <a:endParaRPr lang="en-GB" sz="1800" b="0" strike="noStrike" spc="-1">
+              <a:latin typeface="Arial"/>
+            </a:endParaRPr>
+          </a:p>
+          <a:p>
+            <a:pPr>
               <a:lnSpc>
                 <a:spcPct val="100000"/>
               </a:lnSpc>
-              <a:spcBef>
-                <a:spcPts val="479"/>
-              </a:spcBef>
-              <a:buClr>
-                <a:srgbClr val="000000"/>
-              </a:buClr>
-              <a:buFont typeface="Arial"/>
-              <a:buChar char="•"/>
             </a:pPr>
             <a:r>
-              <a:rPr lang="en-GB" sz="2400" b="0" strike="noStrike" spc="-1">
-                <a:solidFill>
-                  <a:srgbClr val="000000"/>
-                </a:solidFill>
-                <a:latin typeface="Calibri"/>
-                <a:ea typeface="Calibri"/>
-              </a:rPr>
-              <a:t>Count: </a:t>
-            </a:r>
-            <a:r>
-              <a:rPr lang="en-GB" sz="2400" b="0" strike="noStrike" spc="-1">
+              <a:rPr lang="en-GB" sz="1800" b="0" strike="noStrike" spc="-1">
                 <a:solidFill>
                   <a:srgbClr val="000000"/>
                 </a:solidFill>
                 <a:latin typeface="Courier New"/>
                 <a:ea typeface="Calibri"/>
               </a:rPr>
-              <a:t>n(), n_distinct()</a:t>
-            </a:r>
-            <a:endParaRPr lang="en-GB" sz="2400" b="0" strike="noStrike" spc="-1">
-              <a:latin typeface="Arial"/>
-            </a:endParaRPr>
-          </a:p>
-          <a:p>
-            <a:pPr marL="343080" indent="-342000">
+              <a:t>	</a:t>
+            </a:r>
+            <a:r>
+              <a:rPr lang="en-GB" sz="1800" b="1" strike="noStrike" spc="-1">
+                <a:solidFill>
+                  <a:srgbClr val="8064A2"/>
+                </a:solidFill>
+                <a:latin typeface="Courier New"/>
+                <a:ea typeface="Calibri"/>
+              </a:rPr>
+              <a:t>summarise(</a:t>
+            </a:r>
+            <a:r>
+              <a:rPr lang="en-GB" sz="1800" b="0" strike="noStrike" spc="-1">
+                <a:solidFill>
+                  <a:srgbClr val="000000"/>
+                </a:solidFill>
+                <a:latin typeface="Courier New"/>
+                <a:ea typeface="Calibri"/>
+              </a:rPr>
+              <a:t>sum_col1 = sum(col1), mean_col2 = mean(col2), sd_col3 = sd(col3)</a:t>
+            </a:r>
+            <a:r>
+              <a:rPr lang="en-GB" sz="1800" b="1" strike="noStrike" spc="-1">
+                <a:solidFill>
+                  <a:srgbClr val="8064A2"/>
+                </a:solidFill>
+                <a:latin typeface="Courier New"/>
+                <a:ea typeface="Calibri"/>
+              </a:rPr>
+              <a:t>)</a:t>
+            </a:r>
+            <a:r>
+              <a:rPr lang="en-GB" sz="1800" b="0" strike="noStrike" spc="-1">
+                <a:solidFill>
+                  <a:srgbClr val="000000"/>
+                </a:solidFill>
+                <a:latin typeface="Courier New"/>
+                <a:ea typeface="Calibri"/>
+              </a:rPr>
+              <a:t> -&gt; df1_sum</a:t>
+            </a:r>
+            <a:endParaRPr lang="en-GB" sz="1800" b="0" strike="noStrike" spc="-1">
+              <a:latin typeface="Arial"/>
+            </a:endParaRPr>
+          </a:p>
+        </p:txBody>
+      </p:sp>
+      <p:sp>
+        <p:nvSpPr>
+          <p:cNvPr id="351" name="CustomShape 3"/>
+          <p:cNvSpPr/>
+          <p:nvPr/>
+        </p:nvSpPr>
+        <p:spPr>
+          <a:xfrm>
+            <a:off x="460440" y="5016600"/>
+            <a:ext cx="7924680" cy="638640"/>
+          </a:xfrm>
+          <a:prstGeom prst="rect">
+            <a:avLst/>
+          </a:prstGeom>
+          <a:noFill/>
+          <a:ln>
+            <a:solidFill>
+              <a:schemeClr val="tx1"/>
+            </a:solidFill>
+          </a:ln>
+        </p:spPr>
+        <p:style>
+          <a:lnRef idx="0">
+            <a:scrgbClr r="0" g="0" b="0"/>
+          </a:lnRef>
+          <a:fillRef idx="0">
+            <a:scrgbClr r="0" g="0" b="0"/>
+          </a:fillRef>
+          <a:effectRef idx="0">
+            <a:scrgbClr r="0" g="0" b="0"/>
+          </a:effectRef>
+          <a:fontRef idx="minor"/>
+        </p:style>
+        <p:txBody>
+          <a:bodyPr lIns="90000" tIns="45000" rIns="90000" bIns="45000">
+            <a:spAutoFit/>
+          </a:bodyPr>
+          <a:lstStyle/>
+          <a:p>
+            <a:pPr>
               <a:lnSpc>
                 <a:spcPct val="100000"/>
               </a:lnSpc>
-              <a:spcBef>
-                <a:spcPts val="479"/>
-              </a:spcBef>
-              <a:buClr>
-                <a:srgbClr val="000000"/>
-              </a:buClr>
-              <a:buFont typeface="Arial"/>
-              <a:buChar char="•"/>
             </a:pPr>
             <a:r>
-              <a:rPr lang="en-GB" sz="2400" b="0" strike="noStrike" spc="-1">
+              <a:rPr lang="en-GB" sz="1800" b="0" strike="noStrike" spc="-1">
                 <a:solidFill>
                   <a:srgbClr val="000000"/>
                 </a:solidFill>
                 <a:latin typeface="Calibri"/>
                 <a:ea typeface="Calibri"/>
               </a:rPr>
-              <a:t>Logical: </a:t>
-            </a:r>
-            <a:r>
-              <a:rPr lang="en-GB" sz="2400" b="0" strike="noStrike" spc="-1">
+              <a:t>Note: </a:t>
+            </a:r>
+            <a:r>
+              <a:rPr lang="en-GB" sz="1800" b="1" strike="noStrike" spc="-1">
                 <a:solidFill>
                   <a:srgbClr val="000000"/>
                 </a:solidFill>
                 <a:latin typeface="Courier New"/>
                 <a:ea typeface="Calibri"/>
               </a:rPr>
-              <a:t>any(), all()</a:t>
-            </a:r>
-            <a:br/>
-            <a:r>
-              <a:rPr lang="en-GB" sz="2400" b="0" strike="noStrike" spc="-1">
+              <a:t>summarise()</a:t>
+            </a:r>
+            <a:r>
+              <a:rPr lang="en-GB" sz="1800" b="0" strike="noStrike" spc="-1">
+                <a:solidFill>
+                  <a:srgbClr val="000000"/>
+                </a:solidFill>
+                <a:latin typeface="Calibri"/>
+                <a:ea typeface="Calibri"/>
+              </a:rPr>
+              <a:t>can be used separately, but typically used on grouped data created by</a:t>
+            </a:r>
+            <a:r>
+              <a:rPr lang="en-GB" sz="1800" b="1" strike="noStrike" spc="-1">
                 <a:solidFill>
                   <a:srgbClr val="000000"/>
                 </a:solidFill>
                 <a:latin typeface="Courier New"/>
                 <a:ea typeface="Calibri"/>
               </a:rPr>
-              <a:t>...</a:t>
-            </a:r>
-            <a:endParaRPr lang="en-GB" sz="2400" b="0" strike="noStrike" spc="-1">
+              <a:t> group_by()</a:t>
+            </a:r>
+            <a:r>
+              <a:rPr lang="en-GB" sz="1800" b="0" strike="noStrike" spc="-1">
+                <a:solidFill>
+                  <a:srgbClr val="000000"/>
+                </a:solidFill>
+                <a:latin typeface="Calibri"/>
+                <a:ea typeface="Calibri"/>
+              </a:rPr>
+              <a:t> - see next slides.</a:t>
+            </a:r>
+            <a:endParaRPr lang="en-GB" sz="1800" b="0" strike="noStrike" spc="-1">
+              <a:latin typeface="Arial"/>
+            </a:endParaRPr>
+          </a:p>
+        </p:txBody>
+      </p:sp>
+      <p:sp>
+        <p:nvSpPr>
+          <p:cNvPr id="352" name="CustomShape 4"/>
+          <p:cNvSpPr/>
+          <p:nvPr/>
+        </p:nvSpPr>
+        <p:spPr>
+          <a:xfrm>
+            <a:off x="2550600" y="1650240"/>
+            <a:ext cx="4135680" cy="364320"/>
+          </a:xfrm>
+          <a:prstGeom prst="rect">
+            <a:avLst/>
+          </a:prstGeom>
+          <a:noFill/>
+          <a:ln>
+            <a:noFill/>
+          </a:ln>
+        </p:spPr>
+        <p:style>
+          <a:lnRef idx="0">
+            <a:scrgbClr r="0" g="0" b="0"/>
+          </a:lnRef>
+          <a:fillRef idx="0">
+            <a:scrgbClr r="0" g="0" b="0"/>
+          </a:fillRef>
+          <a:effectRef idx="0">
+            <a:scrgbClr r="0" g="0" b="0"/>
+          </a:effectRef>
+          <a:fontRef idx="minor"/>
+        </p:style>
+        <p:txBody>
+          <a:bodyPr lIns="90000" tIns="45000" rIns="90000" bIns="45000">
+            <a:spAutoFit/>
+          </a:bodyPr>
+          <a:lstStyle/>
+          <a:p>
+            <a:pPr>
+              <a:lnSpc>
+                <a:spcPct val="100000"/>
+              </a:lnSpc>
+            </a:pPr>
+            <a:r>
+              <a:rPr lang="en-GB" sz="1800" b="0" strike="noStrike" spc="-1">
+                <a:solidFill>
+                  <a:srgbClr val="000000"/>
+                </a:solidFill>
+                <a:latin typeface="Calibri"/>
+                <a:ea typeface="DejaVu Sans"/>
+              </a:rPr>
+              <a:t>Reduces multiple values to a single value</a:t>
+            </a:r>
+            <a:endParaRPr lang="en-GB" sz="1800" b="0" strike="noStrike" spc="-1">
               <a:latin typeface="Arial"/>
             </a:endParaRPr>
           </a:p>
@@ -12930,14 +13128,14 @@
       </p:grpSpPr>
       <p:sp>
         <p:nvSpPr>
-          <p:cNvPr id="355" name="CustomShape 1"/>
+          <p:cNvPr id="353" name="CustomShape 1"/>
           <p:cNvSpPr/>
           <p:nvPr/>
         </p:nvSpPr>
         <p:spPr>
           <a:xfrm>
-            <a:off x="457200" y="634680"/>
-            <a:ext cx="8228520" cy="1141920"/>
+            <a:off x="269280" y="728640"/>
+            <a:ext cx="8479080" cy="1141920"/>
           </a:xfrm>
           <a:prstGeom prst="rect">
             <a:avLst/>
@@ -12976,9 +13174,9 @@
                   <a:srgbClr val="000000"/>
                 </a:solidFill>
                 <a:latin typeface="Calibri"/>
-                <a:ea typeface="DejaVu Sans"/>
-              </a:rPr>
-              <a:t>Group by one or more variables</a:t>
+                <a:ea typeface="Calibri"/>
+              </a:rPr>
+              <a:t>Useful functions for summarisation</a:t>
             </a:r>
             <a:endParaRPr lang="en-GB" sz="4400" b="0" strike="noStrike" spc="-1">
               <a:latin typeface="Arial"/>
@@ -12988,23 +13186,21 @@
       </p:sp>
       <p:sp>
         <p:nvSpPr>
-          <p:cNvPr id="356" name="CustomShape 2"/>
+          <p:cNvPr id="354" name="CustomShape 2"/>
           <p:cNvSpPr/>
           <p:nvPr/>
         </p:nvSpPr>
         <p:spPr>
           <a:xfrm>
-            <a:off x="898920" y="2503800"/>
-            <a:ext cx="7502040" cy="638640"/>
+            <a:off x="457200" y="1600200"/>
+            <a:ext cx="8228520" cy="4524840"/>
           </a:xfrm>
           <a:prstGeom prst="rect">
             <a:avLst/>
           </a:prstGeom>
           <a:noFill/>
           <a:ln>
-            <a:solidFill>
-              <a:schemeClr val="tx1"/>
-            </a:solidFill>
+            <a:noFill/>
           </a:ln>
         </p:spPr>
         <p:style>
@@ -13021,686 +13217,258 @@
         </p:style>
         <p:txBody>
           <a:bodyPr lIns="90000" tIns="45000" rIns="90000" bIns="45000">
-            <a:spAutoFit/>
+            <a:normAutofit/>
           </a:bodyPr>
           <a:lstStyle/>
-          <a:p>
-            <a:pPr algn="ctr">
-              <a:lnSpc>
-                <a:spcPct val="100000"/>
-              </a:lnSpc>
-            </a:pPr>
-            <a:r>
-              <a:rPr lang="en-GB" sz="1800" b="0" strike="noStrike" spc="-1">
-                <a:solidFill>
-                  <a:srgbClr val="000000"/>
-                </a:solidFill>
-                <a:latin typeface="Calibri"/>
-                <a:ea typeface="Calibri"/>
-              </a:rPr>
-              <a:t>Grouping itself doesn’t change how the data looks! </a:t>
-            </a:r>
-            <a:endParaRPr lang="en-GB" sz="1800" b="0" strike="noStrike" spc="-1">
-              <a:latin typeface="Arial"/>
-            </a:endParaRPr>
-          </a:p>
-          <a:p>
-            <a:pPr algn="ctr">
-              <a:lnSpc>
-                <a:spcPct val="100000"/>
-              </a:lnSpc>
-            </a:pPr>
-            <a:r>
-              <a:rPr lang="en-GB" sz="1800" b="0" strike="noStrike" spc="-1">
-                <a:solidFill>
-                  <a:srgbClr val="000000"/>
-                </a:solidFill>
-                <a:latin typeface="Calibri"/>
-                <a:ea typeface="Calibri"/>
-              </a:rPr>
-              <a:t>It means that further operations will always be performed “by group”. </a:t>
-            </a:r>
-            <a:endParaRPr lang="en-GB" sz="1800" b="0" strike="noStrike" spc="-1">
-              <a:latin typeface="Arial"/>
-            </a:endParaRPr>
-          </a:p>
-        </p:txBody>
-      </p:sp>
-      <p:sp>
-        <p:nvSpPr>
-          <p:cNvPr id="357" name="CustomShape 3"/>
-          <p:cNvSpPr/>
-          <p:nvPr/>
-        </p:nvSpPr>
-        <p:spPr>
-          <a:xfrm>
-            <a:off x="2354760" y="2182680"/>
-            <a:ext cx="2742120" cy="638640"/>
-          </a:xfrm>
-          <a:prstGeom prst="rect">
-            <a:avLst/>
-          </a:prstGeom>
-          <a:noFill/>
-          <a:ln>
-            <a:noFill/>
-          </a:ln>
-        </p:spPr>
-        <p:style>
-          <a:lnRef idx="0">
-            <a:scrgbClr r="0" g="0" b="0"/>
-          </a:lnRef>
-          <a:fillRef idx="0">
-            <a:scrgbClr r="0" g="0" b="0"/>
-          </a:fillRef>
-          <a:effectRef idx="0">
-            <a:scrgbClr r="0" g="0" b="0"/>
-          </a:effectRef>
-          <a:fontRef idx="minor"/>
-        </p:style>
-        <p:txBody>
-          <a:bodyPr lIns="90000" tIns="45000" rIns="90000" bIns="45000">
-            <a:spAutoFit/>
-          </a:bodyPr>
-          <a:lstStyle/>
-          <a:p>
-            <a:pPr algn="just">
-              <a:lnSpc>
-                <a:spcPct val="100000"/>
-              </a:lnSpc>
-            </a:pPr>
-            <a:endParaRPr lang="en-GB" sz="1800" b="0" strike="noStrike" spc="-1">
-              <a:latin typeface="Arial"/>
-            </a:endParaRPr>
-          </a:p>
           <a:p>
             <a:pPr>
               <a:lnSpc>
                 <a:spcPct val="100000"/>
               </a:lnSpc>
+              <a:spcBef>
+                <a:spcPts val="479"/>
+              </a:spcBef>
             </a:pPr>
             <a:endParaRPr lang="en-GB" sz="1800" b="0" strike="noStrike" spc="-1">
               <a:latin typeface="Arial"/>
             </a:endParaRPr>
           </a:p>
-        </p:txBody>
-      </p:sp>
-      <p:sp>
-        <p:nvSpPr>
-          <p:cNvPr id="358" name="CustomShape 4"/>
-          <p:cNvSpPr/>
-          <p:nvPr/>
-        </p:nvSpPr>
-        <p:spPr>
-          <a:xfrm>
-            <a:off x="767520" y="1996560"/>
-            <a:ext cx="4237560" cy="364320"/>
-          </a:xfrm>
-          <a:prstGeom prst="rect">
-            <a:avLst/>
-          </a:prstGeom>
-          <a:noFill/>
-          <a:ln>
-            <a:noFill/>
-          </a:ln>
-        </p:spPr>
-        <p:style>
-          <a:lnRef idx="0">
-            <a:scrgbClr r="0" g="0" b="0"/>
-          </a:lnRef>
-          <a:fillRef idx="0">
-            <a:scrgbClr r="0" g="0" b="0"/>
-          </a:fillRef>
-          <a:effectRef idx="0">
-            <a:scrgbClr r="0" g="0" b="0"/>
-          </a:effectRef>
-          <a:fontRef idx="minor"/>
-        </p:style>
-        <p:txBody>
-          <a:bodyPr lIns="90000" tIns="45000" rIns="90000" bIns="45000">
-            <a:spAutoFit/>
-          </a:bodyPr>
-          <a:lstStyle/>
-          <a:p>
-            <a:pPr>
+          <a:p>
+            <a:pPr marL="343080" indent="-342000">
               <a:lnSpc>
                 <a:spcPct val="100000"/>
               </a:lnSpc>
+              <a:spcBef>
+                <a:spcPts val="479"/>
+              </a:spcBef>
+              <a:buClr>
+                <a:srgbClr val="000000"/>
+              </a:buClr>
+              <a:buFont typeface="Arial"/>
+              <a:buChar char="•"/>
             </a:pPr>
             <a:r>
-              <a:rPr lang="en-GB" sz="1800" b="0" strike="noStrike" spc="-1">
+              <a:rPr lang="en-GB" sz="2400" b="0" strike="noStrike" spc="-1">
+                <a:solidFill>
+                  <a:srgbClr val="000000"/>
+                </a:solidFill>
+                <a:latin typeface="Calibri"/>
+                <a:ea typeface="Calibri"/>
+              </a:rPr>
+              <a:t>Center: </a:t>
+            </a:r>
+            <a:r>
+              <a:rPr lang="en-GB" sz="2400" b="0" strike="noStrike" spc="-1">
                 <a:solidFill>
                   <a:srgbClr val="000000"/>
                 </a:solidFill>
                 <a:latin typeface="Courier New"/>
                 <a:ea typeface="Calibri"/>
               </a:rPr>
-              <a:t> df1 %&gt;% </a:t>
-            </a:r>
-            <a:r>
-              <a:rPr lang="en-GB" sz="1800" b="1" strike="noStrike" spc="-1">
-                <a:solidFill>
-                  <a:srgbClr val="F79646"/>
-                </a:solidFill>
-                <a:latin typeface="Courier New"/>
-                <a:ea typeface="Calibri"/>
-              </a:rPr>
-              <a:t>group_by</a:t>
-            </a:r>
-            <a:r>
-              <a:rPr lang="en-GB" sz="1800" b="0" strike="noStrike" spc="-1">
-                <a:solidFill>
-                  <a:srgbClr val="000000"/>
-                </a:solidFill>
-                <a:latin typeface="Courier New"/>
-                <a:ea typeface="Calibri"/>
-              </a:rPr>
-              <a:t>(col2)</a:t>
-            </a:r>
-            <a:endParaRPr lang="en-GB" sz="1800" b="0" strike="noStrike" spc="-1">
-              <a:latin typeface="Arial"/>
-            </a:endParaRPr>
-          </a:p>
-        </p:txBody>
-      </p:sp>
-      <p:sp>
-        <p:nvSpPr>
-          <p:cNvPr id="359" name="CustomShape 5"/>
-          <p:cNvSpPr/>
-          <p:nvPr/>
-        </p:nvSpPr>
-        <p:spPr>
-          <a:xfrm>
-            <a:off x="765720" y="3278520"/>
-            <a:ext cx="7502040" cy="912960"/>
-          </a:xfrm>
-          <a:prstGeom prst="rect">
-            <a:avLst/>
-          </a:prstGeom>
-          <a:noFill/>
-          <a:ln>
-            <a:noFill/>
-          </a:ln>
-        </p:spPr>
-        <p:style>
-          <a:lnRef idx="0">
-            <a:scrgbClr r="0" g="0" b="0"/>
-          </a:lnRef>
-          <a:fillRef idx="0">
-            <a:scrgbClr r="0" g="0" b="0"/>
-          </a:fillRef>
-          <a:effectRef idx="0">
-            <a:scrgbClr r="0" g="0" b="0"/>
-          </a:effectRef>
-          <a:fontRef idx="minor"/>
-        </p:style>
-        <p:txBody>
-          <a:bodyPr lIns="90000" tIns="45000" rIns="90000" bIns="45000">
-            <a:spAutoFit/>
-          </a:bodyPr>
-          <a:lstStyle/>
-          <a:p>
-            <a:pPr>
+              <a:t>mean(), median()</a:t>
+            </a:r>
+            <a:endParaRPr lang="en-GB" sz="2400" b="0" strike="noStrike" spc="-1">
+              <a:latin typeface="Arial"/>
+            </a:endParaRPr>
+          </a:p>
+          <a:p>
+            <a:pPr marL="343080" indent="-342000">
               <a:lnSpc>
                 <a:spcPct val="100000"/>
               </a:lnSpc>
+              <a:spcBef>
+                <a:spcPts val="479"/>
+              </a:spcBef>
+              <a:buClr>
+                <a:srgbClr val="000000"/>
+              </a:buClr>
+              <a:buFont typeface="Arial"/>
+              <a:buChar char="•"/>
             </a:pPr>
             <a:r>
-              <a:rPr lang="en-GB" sz="1800" b="0" strike="noStrike" spc="-1">
+              <a:rPr lang="en-GB" sz="2400" b="0" strike="noStrike" spc="-1">
+                <a:solidFill>
+                  <a:srgbClr val="000000"/>
+                </a:solidFill>
+                <a:latin typeface="Calibri"/>
+                <a:ea typeface="Calibri"/>
+              </a:rPr>
+              <a:t>Spread: </a:t>
+            </a:r>
+            <a:r>
+              <a:rPr lang="en-GB" sz="2400" b="0" strike="noStrike" spc="-1">
                 <a:solidFill>
                   <a:srgbClr val="000000"/>
                 </a:solidFill>
                 <a:latin typeface="Courier New"/>
                 <a:ea typeface="Calibri"/>
               </a:rPr>
-              <a:t>df1 </a:t>
-            </a:r>
-            <a:r>
-              <a:rPr lang="en-GB" sz="1800" b="1" strike="noStrike" spc="-1">
-                <a:solidFill>
-                  <a:srgbClr val="000000"/>
-                </a:solidFill>
-                <a:latin typeface="Courier New"/>
-                <a:ea typeface="Calibri"/>
-              </a:rPr>
-              <a:t>%&gt;%</a:t>
-            </a:r>
-            <a:r>
-              <a:rPr lang="en-GB" sz="1800" b="0" strike="noStrike" spc="-1">
-                <a:solidFill>
-                  <a:srgbClr val="000000"/>
-                </a:solidFill>
-                <a:latin typeface="Courier New"/>
-                <a:ea typeface="Calibri"/>
-              </a:rPr>
-              <a:t> </a:t>
-            </a:r>
-            <a:endParaRPr lang="en-GB" sz="1800" b="0" strike="noStrike" spc="-1">
-              <a:latin typeface="Arial"/>
-            </a:endParaRPr>
-          </a:p>
-          <a:p>
-            <a:pPr>
+              <a:t>sd(), IQR()</a:t>
+            </a:r>
+            <a:endParaRPr lang="en-GB" sz="2400" b="0" strike="noStrike" spc="-1">
+              <a:latin typeface="Arial"/>
+            </a:endParaRPr>
+          </a:p>
+          <a:p>
+            <a:pPr marL="343080" indent="-342000">
               <a:lnSpc>
                 <a:spcPct val="100000"/>
               </a:lnSpc>
+              <a:spcBef>
+                <a:spcPts val="479"/>
+              </a:spcBef>
+              <a:buClr>
+                <a:srgbClr val="000000"/>
+              </a:buClr>
+              <a:buFont typeface="Arial"/>
+              <a:buChar char="•"/>
             </a:pPr>
             <a:r>
-              <a:rPr lang="en-GB" sz="1800" b="0" strike="noStrike" spc="-1">
+              <a:rPr lang="en-GB" sz="2400" b="0" strike="noStrike" spc="-1">
+                <a:solidFill>
+                  <a:srgbClr val="000000"/>
+                </a:solidFill>
+                <a:latin typeface="Calibri"/>
+                <a:ea typeface="Calibri"/>
+              </a:rPr>
+              <a:t>Range: </a:t>
+            </a:r>
+            <a:r>
+              <a:rPr lang="en-GB" sz="2400" b="0" strike="noStrike" spc="-1">
                 <a:solidFill>
                   <a:srgbClr val="000000"/>
                 </a:solidFill>
                 <a:latin typeface="Courier New"/>
                 <a:ea typeface="Calibri"/>
               </a:rPr>
-              <a:t>       </a:t>
-            </a:r>
-            <a:r>
-              <a:rPr lang="en-GB" sz="1800" b="1" strike="noStrike" spc="-1">
-                <a:solidFill>
-                  <a:srgbClr val="F79646"/>
-                </a:solidFill>
-                <a:latin typeface="Courier New"/>
-                <a:ea typeface="Calibri"/>
-              </a:rPr>
-              <a:t>group_by</a:t>
-            </a:r>
-            <a:r>
-              <a:rPr lang="en-GB" sz="1800" b="0" strike="noStrike" spc="-1">
-                <a:solidFill>
-                  <a:srgbClr val="000000"/>
-                </a:solidFill>
-                <a:latin typeface="Courier New"/>
-                <a:ea typeface="Calibri"/>
-              </a:rPr>
-              <a:t>(col2) </a:t>
-            </a:r>
-            <a:r>
-              <a:rPr lang="en-GB" sz="1800" b="1" strike="noStrike" spc="-1">
-                <a:solidFill>
-                  <a:srgbClr val="000000"/>
-                </a:solidFill>
-                <a:latin typeface="Courier New"/>
-                <a:ea typeface="Calibri"/>
-              </a:rPr>
-              <a:t>%&gt;%</a:t>
-            </a:r>
-            <a:endParaRPr lang="en-GB" sz="1800" b="0" strike="noStrike" spc="-1">
-              <a:latin typeface="Arial"/>
-            </a:endParaRPr>
-          </a:p>
-          <a:p>
-            <a:pPr>
+              <a:t>min(), max(), quantile()</a:t>
+            </a:r>
+            <a:endParaRPr lang="en-GB" sz="2400" b="0" strike="noStrike" spc="-1">
+              <a:latin typeface="Arial"/>
+            </a:endParaRPr>
+          </a:p>
+          <a:p>
+            <a:pPr marL="343080" indent="-342000">
               <a:lnSpc>
                 <a:spcPct val="100000"/>
               </a:lnSpc>
+              <a:spcBef>
+                <a:spcPts val="479"/>
+              </a:spcBef>
+              <a:buClr>
+                <a:srgbClr val="000000"/>
+              </a:buClr>
+              <a:buFont typeface="Arial"/>
+              <a:buChar char="•"/>
             </a:pPr>
             <a:r>
-              <a:rPr lang="en-GB" sz="1800" b="0" strike="noStrike" spc="-1">
+              <a:rPr lang="en-GB" sz="2400" b="0" strike="noStrike" spc="-1">
+                <a:solidFill>
+                  <a:srgbClr val="000000"/>
+                </a:solidFill>
+                <a:latin typeface="Calibri"/>
+                <a:ea typeface="Calibri"/>
+              </a:rPr>
+              <a:t>Position: </a:t>
+            </a:r>
+            <a:r>
+              <a:rPr lang="en-GB" sz="2400" b="0" strike="noStrike" spc="-1">
                 <a:solidFill>
                   <a:srgbClr val="000000"/>
                 </a:solidFill>
                 <a:latin typeface="Courier New"/>
                 <a:ea typeface="Calibri"/>
               </a:rPr>
-              <a:t>       </a:t>
-            </a:r>
-            <a:r>
-              <a:rPr lang="en-GB" sz="1800" b="1" strike="noStrike" spc="-1">
-                <a:solidFill>
-                  <a:srgbClr val="8064A2"/>
-                </a:solidFill>
-                <a:latin typeface="Courier New"/>
-                <a:ea typeface="Calibri"/>
-              </a:rPr>
-              <a:t>summarise</a:t>
-            </a:r>
-            <a:r>
-              <a:rPr lang="en-GB" sz="1800" b="0" strike="noStrike" spc="-1">
-                <a:solidFill>
-                  <a:srgbClr val="000000"/>
-                </a:solidFill>
-                <a:latin typeface="Courier New"/>
-                <a:ea typeface="Calibri"/>
-              </a:rPr>
-              <a:t>(sum_col4 = sum(col4)) -&gt; df1_grouped</a:t>
-            </a:r>
-            <a:endParaRPr lang="en-GB" sz="1800" b="0" strike="noStrike" spc="-1">
-              <a:latin typeface="Arial"/>
-            </a:endParaRPr>
-          </a:p>
-        </p:txBody>
-      </p:sp>
-      <p:sp>
-        <p:nvSpPr>
-          <p:cNvPr id="360" name="CustomShape 6"/>
-          <p:cNvSpPr/>
-          <p:nvPr/>
-        </p:nvSpPr>
-        <p:spPr>
-          <a:xfrm>
-            <a:off x="765720" y="4358880"/>
-            <a:ext cx="7502040" cy="912960"/>
-          </a:xfrm>
-          <a:prstGeom prst="rect">
-            <a:avLst/>
-          </a:prstGeom>
-          <a:noFill/>
-          <a:ln>
-            <a:noFill/>
-          </a:ln>
-        </p:spPr>
-        <p:style>
-          <a:lnRef idx="0">
-            <a:scrgbClr r="0" g="0" b="0"/>
-          </a:lnRef>
-          <a:fillRef idx="0">
-            <a:scrgbClr r="0" g="0" b="0"/>
-          </a:fillRef>
-          <a:effectRef idx="0">
-            <a:scrgbClr r="0" g="0" b="0"/>
-          </a:effectRef>
-          <a:fontRef idx="minor"/>
-        </p:style>
-        <p:txBody>
-          <a:bodyPr lIns="90000" tIns="45000" rIns="90000" bIns="45000">
-            <a:spAutoFit/>
-          </a:bodyPr>
-          <a:lstStyle/>
-          <a:p>
-            <a:pPr>
+              <a:t>first(), last()</a:t>
+            </a:r>
+            <a:endParaRPr lang="en-GB" sz="2400" b="0" strike="noStrike" spc="-1">
+              <a:latin typeface="Arial"/>
+            </a:endParaRPr>
+          </a:p>
+          <a:p>
+            <a:pPr marL="343080" indent="-342000">
               <a:lnSpc>
                 <a:spcPct val="100000"/>
               </a:lnSpc>
+              <a:spcBef>
+                <a:spcPts val="479"/>
+              </a:spcBef>
+              <a:buClr>
+                <a:srgbClr val="000000"/>
+              </a:buClr>
+              <a:buFont typeface="Arial"/>
+              <a:buChar char="•"/>
             </a:pPr>
             <a:r>
-              <a:rPr lang="en-GB" sz="1800" b="0" strike="noStrike" spc="-1">
+              <a:rPr lang="en-GB" sz="2400" b="0" strike="noStrike" spc="-1">
+                <a:solidFill>
+                  <a:srgbClr val="000000"/>
+                </a:solidFill>
+                <a:latin typeface="Calibri"/>
+                <a:ea typeface="Calibri"/>
+              </a:rPr>
+              <a:t>Count: </a:t>
+            </a:r>
+            <a:r>
+              <a:rPr lang="en-GB" sz="2400" b="0" strike="noStrike" spc="-1">
                 <a:solidFill>
                   <a:srgbClr val="000000"/>
                 </a:solidFill>
                 <a:latin typeface="Courier New"/>
                 <a:ea typeface="Calibri"/>
               </a:rPr>
-              <a:t>df1 </a:t>
-            </a:r>
-            <a:r>
-              <a:rPr lang="en-GB" sz="1800" b="1" strike="noStrike" spc="-1">
-                <a:solidFill>
-                  <a:srgbClr val="000000"/>
-                </a:solidFill>
-                <a:latin typeface="Courier New"/>
-                <a:ea typeface="Calibri"/>
-              </a:rPr>
-              <a:t>%&gt;%</a:t>
-            </a:r>
-            <a:r>
-              <a:rPr lang="en-GB" sz="1800" b="0" strike="noStrike" spc="-1">
-                <a:solidFill>
-                  <a:srgbClr val="000000"/>
-                </a:solidFill>
-                <a:latin typeface="Courier New"/>
-                <a:ea typeface="Calibri"/>
-              </a:rPr>
-              <a:t> </a:t>
-            </a:r>
-            <a:endParaRPr lang="en-GB" sz="1800" b="0" strike="noStrike" spc="-1">
-              <a:latin typeface="Arial"/>
-            </a:endParaRPr>
-          </a:p>
-          <a:p>
-            <a:pPr>
+              <a:t>n(), n_distinct()</a:t>
+            </a:r>
+            <a:endParaRPr lang="en-GB" sz="2400" b="0" strike="noStrike" spc="-1">
+              <a:latin typeface="Arial"/>
+            </a:endParaRPr>
+          </a:p>
+          <a:p>
+            <a:pPr marL="343080" indent="-342000">
               <a:lnSpc>
                 <a:spcPct val="100000"/>
               </a:lnSpc>
+              <a:spcBef>
+                <a:spcPts val="479"/>
+              </a:spcBef>
+              <a:buClr>
+                <a:srgbClr val="000000"/>
+              </a:buClr>
+              <a:buFont typeface="Arial"/>
+              <a:buChar char="•"/>
             </a:pPr>
             <a:r>
-              <a:rPr lang="en-GB" sz="1800" b="0" strike="noStrike" spc="-1">
+              <a:rPr lang="en-GB" sz="2400" b="0" strike="noStrike" spc="-1">
+                <a:solidFill>
+                  <a:srgbClr val="000000"/>
+                </a:solidFill>
+                <a:latin typeface="Calibri"/>
+                <a:ea typeface="Calibri"/>
+              </a:rPr>
+              <a:t>Logical: </a:t>
+            </a:r>
+            <a:r>
+              <a:rPr lang="en-GB" sz="2400" b="0" strike="noStrike" spc="-1">
                 <a:solidFill>
                   <a:srgbClr val="000000"/>
                 </a:solidFill>
                 <a:latin typeface="Courier New"/>
                 <a:ea typeface="Calibri"/>
               </a:rPr>
-              <a:t>       </a:t>
-            </a:r>
-            <a:r>
-              <a:rPr lang="en-GB" sz="1800" b="1" strike="noStrike" spc="-1">
-                <a:solidFill>
-                  <a:srgbClr val="F79646"/>
+              <a:t>any(), all()</a:t>
+            </a:r>
+            <a:br/>
+            <a:r>
+              <a:rPr lang="en-GB" sz="2400" b="0" strike="noStrike" spc="-1">
+                <a:solidFill>
+                  <a:srgbClr val="000000"/>
                 </a:solidFill>
                 <a:latin typeface="Courier New"/>
                 <a:ea typeface="Calibri"/>
               </a:rPr>
-              <a:t>group_by</a:t>
-            </a:r>
-            <a:r>
-              <a:rPr lang="en-GB" sz="1800" b="0" strike="noStrike" spc="-1">
-                <a:solidFill>
-                  <a:srgbClr val="000000"/>
-                </a:solidFill>
-                <a:latin typeface="Courier New"/>
-                <a:ea typeface="Calibri"/>
-              </a:rPr>
-              <a:t>(col2, col3) </a:t>
-            </a:r>
-            <a:r>
-              <a:rPr lang="en-GB" sz="1800" b="1" strike="noStrike" spc="-1">
-                <a:solidFill>
-                  <a:srgbClr val="000000"/>
-                </a:solidFill>
-                <a:latin typeface="Courier New"/>
-                <a:ea typeface="Calibri"/>
-              </a:rPr>
-              <a:t>%&gt;%</a:t>
-            </a:r>
-            <a:endParaRPr lang="en-GB" sz="1800" b="0" strike="noStrike" spc="-1">
-              <a:latin typeface="Arial"/>
-            </a:endParaRPr>
-          </a:p>
-          <a:p>
-            <a:pPr>
-              <a:lnSpc>
-                <a:spcPct val="100000"/>
-              </a:lnSpc>
-            </a:pPr>
-            <a:r>
-              <a:rPr lang="en-GB" sz="1800" b="0" strike="noStrike" spc="-1">
-                <a:solidFill>
-                  <a:srgbClr val="000000"/>
-                </a:solidFill>
-                <a:latin typeface="Courier New"/>
-                <a:ea typeface="Calibri"/>
-              </a:rPr>
-              <a:t>       </a:t>
-            </a:r>
-            <a:r>
-              <a:rPr lang="en-GB" sz="1800" b="1" strike="noStrike" spc="-1">
-                <a:solidFill>
-                  <a:srgbClr val="8064A2"/>
-                </a:solidFill>
-                <a:latin typeface="Courier New"/>
-                <a:ea typeface="Calibri"/>
-              </a:rPr>
-              <a:t>summarise</a:t>
-            </a:r>
-            <a:r>
-              <a:rPr lang="en-GB" sz="1800" b="0" strike="noStrike" spc="-1">
-                <a:solidFill>
-                  <a:srgbClr val="000000"/>
-                </a:solidFill>
-                <a:latin typeface="Courier New"/>
-                <a:ea typeface="Calibri"/>
-              </a:rPr>
-              <a:t>(sum_col4 = sum(col4)) -&gt; df1_grouped</a:t>
-            </a:r>
-            <a:endParaRPr lang="en-GB" sz="1800" b="0" strike="noStrike" spc="-1">
-              <a:latin typeface="Arial"/>
-            </a:endParaRPr>
-          </a:p>
-        </p:txBody>
-      </p:sp>
-      <p:sp>
-        <p:nvSpPr>
-          <p:cNvPr id="361" name="CustomShape 7"/>
-          <p:cNvSpPr/>
-          <p:nvPr/>
-        </p:nvSpPr>
-        <p:spPr>
-          <a:xfrm>
-            <a:off x="820440" y="5361120"/>
-            <a:ext cx="7502040" cy="912960"/>
-          </a:xfrm>
-          <a:prstGeom prst="rect">
-            <a:avLst/>
-          </a:prstGeom>
-          <a:noFill/>
-          <a:ln>
-            <a:noFill/>
-          </a:ln>
-        </p:spPr>
-        <p:style>
-          <a:lnRef idx="0">
-            <a:scrgbClr r="0" g="0" b="0"/>
-          </a:lnRef>
-          <a:fillRef idx="0">
-            <a:scrgbClr r="0" g="0" b="0"/>
-          </a:fillRef>
-          <a:effectRef idx="0">
-            <a:scrgbClr r="0" g="0" b="0"/>
-          </a:effectRef>
-          <a:fontRef idx="minor"/>
-        </p:style>
-        <p:txBody>
-          <a:bodyPr lIns="90000" tIns="45000" rIns="90000" bIns="45000">
-            <a:spAutoFit/>
-          </a:bodyPr>
-          <a:lstStyle/>
-          <a:p>
-            <a:pPr>
-              <a:lnSpc>
-                <a:spcPct val="100000"/>
-              </a:lnSpc>
-            </a:pPr>
-            <a:r>
-              <a:rPr lang="en-GB" sz="1800" b="0" strike="noStrike" spc="-1">
-                <a:solidFill>
-                  <a:srgbClr val="000000"/>
-                </a:solidFill>
-                <a:latin typeface="Courier New"/>
-                <a:ea typeface="Calibri"/>
-              </a:rPr>
-              <a:t>df1 </a:t>
-            </a:r>
-            <a:r>
-              <a:rPr lang="en-GB" sz="1800" b="1" strike="noStrike" spc="-1">
-                <a:solidFill>
-                  <a:srgbClr val="000000"/>
-                </a:solidFill>
-                <a:latin typeface="Courier New"/>
-                <a:ea typeface="Calibri"/>
-              </a:rPr>
-              <a:t>%&gt;%</a:t>
-            </a:r>
-            <a:r>
-              <a:rPr lang="en-GB" sz="1800" b="0" strike="noStrike" spc="-1">
-                <a:solidFill>
-                  <a:srgbClr val="000000"/>
-                </a:solidFill>
-                <a:latin typeface="Courier New"/>
-                <a:ea typeface="Calibri"/>
-              </a:rPr>
-              <a:t> </a:t>
-            </a:r>
-            <a:endParaRPr lang="en-GB" sz="1800" b="0" strike="noStrike" spc="-1">
-              <a:latin typeface="Arial"/>
-            </a:endParaRPr>
-          </a:p>
-          <a:p>
-            <a:pPr>
-              <a:lnSpc>
-                <a:spcPct val="100000"/>
-              </a:lnSpc>
-            </a:pPr>
-            <a:r>
-              <a:rPr lang="en-GB" sz="1800" b="0" strike="noStrike" spc="-1">
-                <a:solidFill>
-                  <a:srgbClr val="000000"/>
-                </a:solidFill>
-                <a:latin typeface="Courier New"/>
-                <a:ea typeface="Calibri"/>
-              </a:rPr>
-              <a:t>       </a:t>
-            </a:r>
-            <a:r>
-              <a:rPr lang="en-GB" sz="1800" b="1" strike="noStrike" spc="-1">
-                <a:solidFill>
-                  <a:srgbClr val="F79646"/>
-                </a:solidFill>
-                <a:latin typeface="Courier New"/>
-                <a:ea typeface="Calibri"/>
-              </a:rPr>
-              <a:t>group_by</a:t>
-            </a:r>
-            <a:r>
-              <a:rPr lang="en-GB" sz="1800" b="0" strike="noStrike" spc="-1">
-                <a:solidFill>
-                  <a:srgbClr val="000000"/>
-                </a:solidFill>
-                <a:latin typeface="Courier New"/>
-                <a:ea typeface="Calibri"/>
-              </a:rPr>
-              <a:t>(new_col2 = toupper(col2)) </a:t>
-            </a:r>
-            <a:r>
-              <a:rPr lang="en-GB" sz="1800" b="1" strike="noStrike" spc="-1">
-                <a:solidFill>
-                  <a:srgbClr val="000000"/>
-                </a:solidFill>
-                <a:latin typeface="Courier New"/>
-                <a:ea typeface="Calibri"/>
-              </a:rPr>
-              <a:t>%&gt;%</a:t>
-            </a:r>
-            <a:endParaRPr lang="en-GB" sz="1800" b="0" strike="noStrike" spc="-1">
-              <a:latin typeface="Arial"/>
-            </a:endParaRPr>
-          </a:p>
-          <a:p>
-            <a:pPr>
-              <a:lnSpc>
-                <a:spcPct val="100000"/>
-              </a:lnSpc>
-            </a:pPr>
-            <a:r>
-              <a:rPr lang="en-GB" sz="1800" b="0" strike="noStrike" spc="-1">
-                <a:solidFill>
-                  <a:srgbClr val="000000"/>
-                </a:solidFill>
-                <a:latin typeface="Courier New"/>
-                <a:ea typeface="Calibri"/>
-              </a:rPr>
-              <a:t>       </a:t>
-            </a:r>
-            <a:r>
-              <a:rPr lang="en-GB" sz="1800" b="1" strike="noStrike" spc="-1">
-                <a:solidFill>
-                  <a:srgbClr val="8064A2"/>
-                </a:solidFill>
-                <a:latin typeface="Courier New"/>
-                <a:ea typeface="Calibri"/>
-              </a:rPr>
-              <a:t>summarise</a:t>
-            </a:r>
-            <a:r>
-              <a:rPr lang="en-GB" sz="1800" b="0" strike="noStrike" spc="-1">
-                <a:solidFill>
-                  <a:srgbClr val="000000"/>
-                </a:solidFill>
-                <a:latin typeface="Courier New"/>
-                <a:ea typeface="Calibri"/>
-              </a:rPr>
-              <a:t>(sum_col4 = sum(col4)) -&gt; df1_grouped</a:t>
-            </a:r>
-            <a:endParaRPr lang="en-GB" sz="1800" b="0" strike="noStrike" spc="-1">
+              <a:t>...</a:t>
+            </a:r>
+            <a:endParaRPr lang="en-GB" sz="2400" b="0" strike="noStrike" spc="-1">
               <a:latin typeface="Arial"/>
             </a:endParaRPr>
           </a:p>
@@ -13733,7 +13501,7 @@
       </p:grpSpPr>
       <p:sp>
         <p:nvSpPr>
-          <p:cNvPr id="362" name="CustomShape 1"/>
+          <p:cNvPr id="355" name="CustomShape 1"/>
           <p:cNvSpPr/>
           <p:nvPr/>
         </p:nvSpPr>
@@ -13781,7 +13549,7 @@
                 <a:latin typeface="Calibri"/>
                 <a:ea typeface="DejaVu Sans"/>
               </a:rPr>
-              <a:t>Explore it yourself</a:t>
+              <a:t>Group by one or more variables</a:t>
             </a:r>
             <a:endParaRPr lang="en-GB" sz="4400" b="0" strike="noStrike" spc="-1">
               <a:latin typeface="Arial"/>
@@ -13791,21 +13559,23 @@
       </p:sp>
       <p:sp>
         <p:nvSpPr>
-          <p:cNvPr id="363" name="CustomShape 2"/>
+          <p:cNvPr id="356" name="CustomShape 2"/>
           <p:cNvSpPr/>
           <p:nvPr/>
         </p:nvSpPr>
         <p:spPr>
           <a:xfrm>
-            <a:off x="601200" y="1955520"/>
-            <a:ext cx="7807320" cy="912960"/>
+            <a:off x="898920" y="2503800"/>
+            <a:ext cx="7502040" cy="638640"/>
           </a:xfrm>
           <a:prstGeom prst="rect">
             <a:avLst/>
           </a:prstGeom>
           <a:noFill/>
           <a:ln>
-            <a:noFill/>
+            <a:solidFill>
+              <a:schemeClr val="tx1"/>
+            </a:solidFill>
           </a:ln>
         </p:spPr>
         <p:style>
@@ -13826,37 +13596,27 @@
           </a:bodyPr>
           <a:lstStyle/>
           <a:p>
-            <a:pPr>
+            <a:pPr algn="ctr">
               <a:lnSpc>
                 <a:spcPct val="100000"/>
               </a:lnSpc>
             </a:pPr>
             <a:r>
-              <a:rPr lang="en-GB" sz="1800" b="1" strike="noStrike" spc="-1">
+              <a:rPr lang="en-GB" sz="1800" b="0" strike="noStrike" spc="-1">
                 <a:solidFill>
                   <a:srgbClr val="000000"/>
                 </a:solidFill>
                 <a:latin typeface="Calibri"/>
                 <a:ea typeface="Calibri"/>
               </a:rPr>
-              <a:t>Scoped grouping - </a:t>
-            </a:r>
-            <a:r>
-              <a:rPr lang="en-GB" sz="1800" b="0" strike="noStrike" spc="-1">
-                <a:solidFill>
-                  <a:srgbClr val="000000"/>
-                </a:solidFill>
-                <a:latin typeface="Calibri"/>
-                <a:ea typeface="Calibri"/>
-              </a:rPr>
-              <a:t>three scoped variants:</a:t>
+              <a:t>Grouping itself doesn’t change how the data looks! </a:t>
             </a:r>
             <a:endParaRPr lang="en-GB" sz="1800" b="0" strike="noStrike" spc="-1">
               <a:latin typeface="Arial"/>
             </a:endParaRPr>
           </a:p>
           <a:p>
-            <a:pPr>
+            <a:pPr algn="ctr">
               <a:lnSpc>
                 <a:spcPct val="100000"/>
               </a:lnSpc>
@@ -13866,40 +13626,10 @@
                 <a:solidFill>
                   <a:srgbClr val="000000"/>
                 </a:solidFill>
-                <a:latin typeface="Courier New"/>
-                <a:ea typeface="Calibri"/>
-              </a:rPr>
-              <a:t>group_by_all(), group_by_if()</a:t>
-            </a:r>
-            <a:r>
-              <a:rPr lang="en-GB" sz="1800" b="0" strike="noStrike" spc="-1">
-                <a:solidFill>
-                  <a:srgbClr val="000000"/>
-                </a:solidFill>
                 <a:latin typeface="Calibri"/>
                 <a:ea typeface="Calibri"/>
               </a:rPr>
-              <a:t> and </a:t>
-            </a:r>
-            <a:r>
-              <a:rPr lang="en-GB" sz="1800" b="0" strike="noStrike" spc="-1">
-                <a:solidFill>
-                  <a:srgbClr val="000000"/>
-                </a:solidFill>
-                <a:latin typeface="Courier New"/>
-                <a:ea typeface="Calibri"/>
-              </a:rPr>
-              <a:t>group_by_at()</a:t>
-            </a:r>
-            <a:r>
-              <a:rPr lang="en-GB" sz="1800" b="0" strike="noStrike" spc="-1">
-                <a:solidFill>
-                  <a:srgbClr val="000000"/>
-                </a:solidFill>
-                <a:latin typeface="Calibri"/>
-                <a:ea typeface="Calibri"/>
-              </a:rPr>
-              <a:t> make it easy to group a dataset by a selection of variables.</a:t>
+              <a:t>It means that further operations will always be performed “by group”. </a:t>
             </a:r>
             <a:endParaRPr lang="en-GB" sz="1800" b="0" strike="noStrike" spc="-1">
               <a:latin typeface="Arial"/>
@@ -13909,14 +13639,14 @@
       </p:sp>
       <p:sp>
         <p:nvSpPr>
-          <p:cNvPr id="364" name="CustomShape 3"/>
+          <p:cNvPr id="357" name="CustomShape 3"/>
           <p:cNvSpPr/>
           <p:nvPr/>
         </p:nvSpPr>
         <p:spPr>
           <a:xfrm>
-            <a:off x="663840" y="3200400"/>
-            <a:ext cx="7048080" cy="638640"/>
+            <a:off x="2354760" y="2182680"/>
+            <a:ext cx="2742120" cy="638640"/>
           </a:xfrm>
           <a:prstGeom prst="rect">
             <a:avLst/>
@@ -13944,131 +13674,21 @@
           </a:bodyPr>
           <a:lstStyle/>
           <a:p>
+            <a:pPr algn="just">
+              <a:lnSpc>
+                <a:spcPct val="100000"/>
+              </a:lnSpc>
+            </a:pPr>
+            <a:endParaRPr lang="en-GB" sz="1800" b="0" strike="noStrike" spc="-1">
+              <a:latin typeface="Arial"/>
+            </a:endParaRPr>
+          </a:p>
+          <a:p>
             <a:pPr>
               <a:lnSpc>
                 <a:spcPct val="100000"/>
               </a:lnSpc>
             </a:pPr>
-            <a:r>
-              <a:rPr lang="en-GB" sz="1800" b="1" strike="noStrike" spc="-1">
-                <a:solidFill>
-                  <a:srgbClr val="948A54"/>
-                </a:solidFill>
-                <a:latin typeface="Courier New"/>
-                <a:ea typeface="Calibri"/>
-              </a:rPr>
-              <a:t>across</a:t>
-            </a:r>
-            <a:r>
-              <a:rPr lang="en-GB" sz="1800" b="0" strike="noStrike" spc="-1">
-                <a:solidFill>
-                  <a:srgbClr val="000000"/>
-                </a:solidFill>
-                <a:latin typeface="Courier New"/>
-                <a:ea typeface="Calibri"/>
-              </a:rPr>
-              <a:t>()</a:t>
-            </a:r>
-            <a:r>
-              <a:rPr lang="en-GB" sz="1800" b="0" strike="noStrike" spc="-1">
-                <a:solidFill>
-                  <a:srgbClr val="000000"/>
-                </a:solidFill>
-                <a:latin typeface="Calibri"/>
-                <a:ea typeface="Calibri"/>
-              </a:rPr>
-              <a:t> - function, superseding the </a:t>
-            </a:r>
-            <a:r>
-              <a:rPr lang="en-GB" sz="1800" b="0" strike="noStrike" spc="-1">
-                <a:solidFill>
-                  <a:srgbClr val="000000"/>
-                </a:solidFill>
-                <a:latin typeface="Courier New"/>
-                <a:ea typeface="Calibri"/>
-              </a:rPr>
-              <a:t>_all</a:t>
-            </a:r>
-            <a:r>
-              <a:rPr lang="en-GB" sz="1800" b="0" strike="noStrike" spc="-1">
-                <a:solidFill>
-                  <a:srgbClr val="000000"/>
-                </a:solidFill>
-                <a:latin typeface="Calibri"/>
-                <a:ea typeface="Calibri"/>
-              </a:rPr>
-              <a:t>, </a:t>
-            </a:r>
-            <a:r>
-              <a:rPr lang="en-GB" sz="1800" b="0" strike="noStrike" spc="-1">
-                <a:solidFill>
-                  <a:srgbClr val="000000"/>
-                </a:solidFill>
-                <a:latin typeface="Courier New"/>
-                <a:ea typeface="Calibri"/>
-              </a:rPr>
-              <a:t>_at</a:t>
-            </a:r>
-            <a:r>
-              <a:rPr lang="en-GB" sz="1800" b="0" strike="noStrike" spc="-1">
-                <a:solidFill>
-                  <a:srgbClr val="000000"/>
-                </a:solidFill>
-                <a:latin typeface="Calibri"/>
-                <a:ea typeface="Calibri"/>
-              </a:rPr>
-              <a:t>, and </a:t>
-            </a:r>
-            <a:r>
-              <a:rPr lang="en-GB" sz="1800" b="0" strike="noStrike" spc="-1">
-                <a:solidFill>
-                  <a:srgbClr val="000000"/>
-                </a:solidFill>
-                <a:latin typeface="Courier New"/>
-                <a:ea typeface="Calibri"/>
-              </a:rPr>
-              <a:t>_if </a:t>
-            </a:r>
-            <a:r>
-              <a:rPr lang="en-GB" sz="1800" b="0" strike="noStrike" spc="-1">
-                <a:solidFill>
-                  <a:srgbClr val="000000"/>
-                </a:solidFill>
-                <a:latin typeface="Calibri"/>
-                <a:ea typeface="Calibri"/>
-              </a:rPr>
-              <a:t>versions of </a:t>
-            </a:r>
-            <a:r>
-              <a:rPr lang="en-GB" sz="1800" b="0" strike="noStrike" spc="-1">
-                <a:solidFill>
-                  <a:srgbClr val="000000"/>
-                </a:solidFill>
-                <a:latin typeface="Courier New"/>
-                <a:ea typeface="Calibri"/>
-              </a:rPr>
-              <a:t>summarise()</a:t>
-            </a:r>
-            <a:r>
-              <a:rPr lang="en-GB" sz="1800" b="0" strike="noStrike" spc="-1">
-                <a:solidFill>
-                  <a:srgbClr val="000000"/>
-                </a:solidFill>
-                <a:latin typeface="Calibri"/>
-                <a:ea typeface="Calibri"/>
-              </a:rPr>
-              <a:t> and </a:t>
-            </a:r>
-            <a:r>
-              <a:rPr lang="en-GB" sz="1800" b="0" strike="noStrike" spc="-1">
-                <a:solidFill>
-                  <a:srgbClr val="000000"/>
-                </a:solidFill>
-                <a:latin typeface="Courier New"/>
-                <a:ea typeface="Calibri"/>
-              </a:rPr>
-              <a:t>mutate()</a:t>
-            </a:r>
             <a:endParaRPr lang="en-GB" sz="1800" b="0" strike="noStrike" spc="-1">
               <a:latin typeface="Arial"/>
             </a:endParaRPr>
@@ -14077,14 +13697,14 @@
       </p:sp>
       <p:sp>
         <p:nvSpPr>
-          <p:cNvPr id="365" name="CustomShape 4"/>
+          <p:cNvPr id="358" name="CustomShape 4"/>
           <p:cNvSpPr/>
           <p:nvPr/>
         </p:nvSpPr>
         <p:spPr>
           <a:xfrm>
-            <a:off x="1102320" y="4656600"/>
-            <a:ext cx="2742120" cy="368280"/>
+            <a:off x="767520" y="1996560"/>
+            <a:ext cx="4237560" cy="364320"/>
           </a:xfrm>
           <a:prstGeom prst="rect">
             <a:avLst/>
@@ -14107,23 +13727,62 @@
           <a:fontRef idx="minor"/>
         </p:style>
         <p:txBody>
-          <a:bodyPr/>
-          <a:lstStyle/>
-          <a:p>
-            <a:endParaRPr lang="en-US"/>
-          </a:p>
-        </p:txBody>
-      </p:sp>
-      <p:sp>
-        <p:nvSpPr>
-          <p:cNvPr id="366" name="CustomShape 5"/>
+          <a:bodyPr lIns="90000" tIns="45000" rIns="90000" bIns="45000">
+            <a:spAutoFit/>
+          </a:bodyPr>
+          <a:lstStyle/>
+          <a:p>
+            <a:pPr>
+              <a:lnSpc>
+                <a:spcPct val="100000"/>
+              </a:lnSpc>
+            </a:pPr>
+            <a:r>
+              <a:rPr lang="en-GB" sz="1800" b="0" strike="noStrike" spc="-1">
+                <a:solidFill>
+                  <a:srgbClr val="000000"/>
+                </a:solidFill>
+                <a:latin typeface="Courier New"/>
+                <a:ea typeface="Calibri"/>
+              </a:rPr>
+              <a:t> df1 %&gt;% </a:t>
+            </a:r>
+            <a:r>
+              <a:rPr lang="en-GB" sz="1800" b="1" strike="noStrike" spc="-1">
+                <a:solidFill>
+                  <a:srgbClr val="F79646"/>
+                </a:solidFill>
+                <a:latin typeface="Courier New"/>
+                <a:ea typeface="Calibri"/>
+              </a:rPr>
+              <a:t>group_by</a:t>
+            </a:r>
+            <a:r>
+              <a:rPr lang="en-GB" sz="1800" b="0" strike="noStrike" spc="-1">
+                <a:solidFill>
+                  <a:srgbClr val="000000"/>
+                </a:solidFill>
+                <a:latin typeface="Courier New"/>
+                <a:ea typeface="Calibri"/>
+              </a:rPr>
+              <a:t>(col2)</a:t>
+            </a:r>
+            <a:endParaRPr lang="en-GB" sz="1800" b="0" strike="noStrike" spc="-1">
+              <a:latin typeface="Arial"/>
+            </a:endParaRPr>
+          </a:p>
+        </p:txBody>
+      </p:sp>
+      <p:sp>
+        <p:nvSpPr>
+          <p:cNvPr id="359" name="CustomShape 5"/>
           <p:cNvSpPr/>
           <p:nvPr/>
         </p:nvSpPr>
         <p:spPr>
           <a:xfrm>
-            <a:off x="757800" y="4194720"/>
-            <a:ext cx="7502040" cy="1187280"/>
+            <a:off x="765720" y="3278520"/>
+            <a:ext cx="7502040" cy="912960"/>
           </a:xfrm>
           <a:prstGeom prst="rect">
             <a:avLst/>
@@ -14224,7 +13883,7 @@
                 <a:latin typeface="Courier New"/>
                 <a:ea typeface="Calibri"/>
               </a:rPr>
-              <a:t>(col2, col3) </a:t>
+              <a:t>(col2) </a:t>
             </a:r>
             <a:r>
               <a:rPr lang="en-GB" sz="1800" b="1" strike="noStrike" spc="-1">
@@ -14264,18 +13923,66 @@
                 <a:latin typeface="Courier New"/>
                 <a:ea typeface="Calibri"/>
               </a:rPr>
-              <a:t>summarise(</a:t>
-            </a:r>
-            <a:r>
-              <a:rPr lang="en-GB" sz="1800" b="1" strike="noStrike" spc="-1">
-                <a:solidFill>
-                  <a:srgbClr val="948A54"/>
+              <a:t>summarise</a:t>
+            </a:r>
+            <a:r>
+              <a:rPr lang="en-GB" sz="1800" b="0" strike="noStrike" spc="-1">
+                <a:solidFill>
+                  <a:srgbClr val="000000"/>
                 </a:solidFill>
                 <a:latin typeface="Courier New"/>
                 <a:ea typeface="Calibri"/>
               </a:rPr>
-              <a:t>across(</a:t>
-            </a:r>
+              <a:t>(sum_col4 = sum(col4)) -&gt; df1_grouped</a:t>
+            </a:r>
+            <a:endParaRPr lang="en-GB" sz="1800" b="0" strike="noStrike" spc="-1">
+              <a:latin typeface="Arial"/>
+            </a:endParaRPr>
+          </a:p>
+        </p:txBody>
+      </p:sp>
+      <p:sp>
+        <p:nvSpPr>
+          <p:cNvPr id="360" name="CustomShape 6"/>
+          <p:cNvSpPr/>
+          <p:nvPr/>
+        </p:nvSpPr>
+        <p:spPr>
+          <a:xfrm>
+            <a:off x="765720" y="4358880"/>
+            <a:ext cx="7502040" cy="912960"/>
+          </a:xfrm>
+          <a:prstGeom prst="rect">
+            <a:avLst/>
+          </a:prstGeom>
+          <a:noFill/>
+          <a:ln>
+            <a:noFill/>
+          </a:ln>
+        </p:spPr>
+        <p:style>
+          <a:lnRef idx="0">
+            <a:scrgbClr r="0" g="0" b="0"/>
+          </a:lnRef>
+          <a:fillRef idx="0">
+            <a:scrgbClr r="0" g="0" b="0"/>
+          </a:fillRef>
+          <a:effectRef idx="0">
+            <a:scrgbClr r="0" g="0" b="0"/>
+          </a:effectRef>
+          <a:fontRef idx="minor"/>
+        </p:style>
+        <p:txBody>
+          <a:bodyPr lIns="90000" tIns="45000" rIns="90000" bIns="45000">
+            <a:spAutoFit/>
+          </a:bodyPr>
+          <a:lstStyle/>
+          <a:p>
+            <a:pPr>
+              <a:lnSpc>
+                <a:spcPct val="100000"/>
+              </a:lnSpc>
+            </a:pPr>
             <a:r>
               <a:rPr lang="en-GB" sz="1800" b="0" strike="noStrike" spc="-1">
                 <a:solidFill>
@@ -14284,28 +13991,38 @@
                 <a:latin typeface="Courier New"/>
                 <a:ea typeface="Calibri"/>
               </a:rPr>
-              <a:t>c(col1, col4), mean</a:t>
+              <a:t>df1 </a:t>
             </a:r>
             <a:r>
               <a:rPr lang="en-GB" sz="1800" b="1" strike="noStrike" spc="-1">
                 <a:solidFill>
-                  <a:srgbClr val="948A54"/>
+                  <a:srgbClr val="000000"/>
                 </a:solidFill>
                 <a:latin typeface="Courier New"/>
                 <a:ea typeface="Calibri"/>
               </a:rPr>
-              <a:t>)</a:t>
-            </a:r>
-            <a:r>
-              <a:rPr lang="en-GB" sz="1800" b="1" strike="noStrike" spc="-1">
-                <a:solidFill>
-                  <a:srgbClr val="8064A2"/>
+              <a:t>%&gt;%</a:t>
+            </a:r>
+            <a:r>
+              <a:rPr lang="en-GB" sz="1800" b="0" strike="noStrike" spc="-1">
+                <a:solidFill>
+                  <a:srgbClr val="000000"/>
                 </a:solidFill>
                 <a:latin typeface="Courier New"/>
                 <a:ea typeface="Calibri"/>
               </a:rPr>
-              <a:t>)</a:t>
-            </a:r>
+              <a:t> </a:t>
+            </a:r>
+            <a:endParaRPr lang="en-GB" sz="1800" b="0" strike="noStrike" spc="-1">
+              <a:latin typeface="Arial"/>
+            </a:endParaRPr>
+          </a:p>
+          <a:p>
+            <a:pPr>
+              <a:lnSpc>
+                <a:spcPct val="100000"/>
+              </a:lnSpc>
+            </a:pPr>
             <a:r>
               <a:rPr lang="en-GB" sz="1800" b="0" strike="noStrike" spc="-1">
                 <a:solidFill>
@@ -14314,7 +14031,245 @@
                 <a:latin typeface="Courier New"/>
                 <a:ea typeface="Calibri"/>
               </a:rPr>
-              <a:t> -&gt; df1_grouped</a:t>
+              <a:t>       </a:t>
+            </a:r>
+            <a:r>
+              <a:rPr lang="en-GB" sz="1800" b="1" strike="noStrike" spc="-1">
+                <a:solidFill>
+                  <a:srgbClr val="F79646"/>
+                </a:solidFill>
+                <a:latin typeface="Courier New"/>
+                <a:ea typeface="Calibri"/>
+              </a:rPr>
+              <a:t>group_by</a:t>
+            </a:r>
+            <a:r>
+              <a:rPr lang="en-GB" sz="1800" b="0" strike="noStrike" spc="-1">
+                <a:solidFill>
+                  <a:srgbClr val="000000"/>
+                </a:solidFill>
+                <a:latin typeface="Courier New"/>
+                <a:ea typeface="Calibri"/>
+              </a:rPr>
+              <a:t>(col2, col3) </a:t>
+            </a:r>
+            <a:r>
+              <a:rPr lang="en-GB" sz="1800" b="1" strike="noStrike" spc="-1">
+                <a:solidFill>
+                  <a:srgbClr val="000000"/>
+                </a:solidFill>
+                <a:latin typeface="Courier New"/>
+                <a:ea typeface="Calibri"/>
+              </a:rPr>
+              <a:t>%&gt;%</a:t>
+            </a:r>
+            <a:endParaRPr lang="en-GB" sz="1800" b="0" strike="noStrike" spc="-1">
+              <a:latin typeface="Arial"/>
+            </a:endParaRPr>
+          </a:p>
+          <a:p>
+            <a:pPr>
+              <a:lnSpc>
+                <a:spcPct val="100000"/>
+              </a:lnSpc>
+            </a:pPr>
+            <a:r>
+              <a:rPr lang="en-GB" sz="1800" b="0" strike="noStrike" spc="-1">
+                <a:solidFill>
+                  <a:srgbClr val="000000"/>
+                </a:solidFill>
+                <a:latin typeface="Courier New"/>
+                <a:ea typeface="Calibri"/>
+              </a:rPr>
+              <a:t>       </a:t>
+            </a:r>
+            <a:r>
+              <a:rPr lang="en-GB" sz="1800" b="1" strike="noStrike" spc="-1">
+                <a:solidFill>
+                  <a:srgbClr val="8064A2"/>
+                </a:solidFill>
+                <a:latin typeface="Courier New"/>
+                <a:ea typeface="Calibri"/>
+              </a:rPr>
+              <a:t>summarise</a:t>
+            </a:r>
+            <a:r>
+              <a:rPr lang="en-GB" sz="1800" b="0" strike="noStrike" spc="-1">
+                <a:solidFill>
+                  <a:srgbClr val="000000"/>
+                </a:solidFill>
+                <a:latin typeface="Courier New"/>
+                <a:ea typeface="Calibri"/>
+              </a:rPr>
+              <a:t>(sum_col4 = sum(col4)) -&gt; df1_grouped</a:t>
+            </a:r>
+            <a:endParaRPr lang="en-GB" sz="1800" b="0" strike="noStrike" spc="-1">
+              <a:latin typeface="Arial"/>
+            </a:endParaRPr>
+          </a:p>
+        </p:txBody>
+      </p:sp>
+      <p:sp>
+        <p:nvSpPr>
+          <p:cNvPr id="361" name="CustomShape 7"/>
+          <p:cNvSpPr/>
+          <p:nvPr/>
+        </p:nvSpPr>
+        <p:spPr>
+          <a:xfrm>
+            <a:off x="820440" y="5361120"/>
+            <a:ext cx="7502040" cy="912960"/>
+          </a:xfrm>
+          <a:prstGeom prst="rect">
+            <a:avLst/>
+          </a:prstGeom>
+          <a:noFill/>
+          <a:ln>
+            <a:noFill/>
+          </a:ln>
+        </p:spPr>
+        <p:style>
+          <a:lnRef idx="0">
+            <a:scrgbClr r="0" g="0" b="0"/>
+          </a:lnRef>
+          <a:fillRef idx="0">
+            <a:scrgbClr r="0" g="0" b="0"/>
+          </a:fillRef>
+          <a:effectRef idx="0">
+            <a:scrgbClr r="0" g="0" b="0"/>
+          </a:effectRef>
+          <a:fontRef idx="minor"/>
+        </p:style>
+        <p:txBody>
+          <a:bodyPr lIns="90000" tIns="45000" rIns="90000" bIns="45000">
+            <a:spAutoFit/>
+          </a:bodyPr>
+          <a:lstStyle/>
+          <a:p>
+            <a:pPr>
+              <a:lnSpc>
+                <a:spcPct val="100000"/>
+              </a:lnSpc>
+            </a:pPr>
+            <a:r>
+              <a:rPr lang="en-GB" sz="1800" b="0" strike="noStrike" spc="-1">
+                <a:solidFill>
+                  <a:srgbClr val="000000"/>
+                </a:solidFill>
+                <a:latin typeface="Courier New"/>
+                <a:ea typeface="Calibri"/>
+              </a:rPr>
+              <a:t>df1 </a:t>
+            </a:r>
+            <a:r>
+              <a:rPr lang="en-GB" sz="1800" b="1" strike="noStrike" spc="-1">
+                <a:solidFill>
+                  <a:srgbClr val="000000"/>
+                </a:solidFill>
+                <a:latin typeface="Courier New"/>
+                <a:ea typeface="Calibri"/>
+              </a:rPr>
+              <a:t>%&gt;%</a:t>
+            </a:r>
+            <a:r>
+              <a:rPr lang="en-GB" sz="1800" b="0" strike="noStrike" spc="-1">
+                <a:solidFill>
+                  <a:srgbClr val="000000"/>
+                </a:solidFill>
+                <a:latin typeface="Courier New"/>
+                <a:ea typeface="Calibri"/>
+              </a:rPr>
+              <a:t> </a:t>
+            </a:r>
+            <a:endParaRPr lang="en-GB" sz="1800" b="0" strike="noStrike" spc="-1">
+              <a:latin typeface="Arial"/>
+            </a:endParaRPr>
+          </a:p>
+          <a:p>
+            <a:pPr>
+              <a:lnSpc>
+                <a:spcPct val="100000"/>
+              </a:lnSpc>
+            </a:pPr>
+            <a:r>
+              <a:rPr lang="en-GB" sz="1800" b="0" strike="noStrike" spc="-1">
+                <a:solidFill>
+                  <a:srgbClr val="000000"/>
+                </a:solidFill>
+                <a:latin typeface="Courier New"/>
+                <a:ea typeface="Calibri"/>
+              </a:rPr>
+              <a:t>       </a:t>
+            </a:r>
+            <a:r>
+              <a:rPr lang="en-GB" sz="1800" b="1" strike="noStrike" spc="-1">
+                <a:solidFill>
+                  <a:srgbClr val="F79646"/>
+                </a:solidFill>
+                <a:latin typeface="Courier New"/>
+                <a:ea typeface="Calibri"/>
+              </a:rPr>
+              <a:t>group_by</a:t>
+            </a:r>
+            <a:r>
+              <a:rPr lang="en-GB" sz="1800" b="0" strike="noStrike" spc="-1">
+                <a:solidFill>
+                  <a:srgbClr val="000000"/>
+                </a:solidFill>
+                <a:latin typeface="Courier New"/>
+                <a:ea typeface="Calibri"/>
+              </a:rPr>
+              <a:t>(new_col2 = toupper(col2)) </a:t>
+            </a:r>
+            <a:r>
+              <a:rPr lang="en-GB" sz="1800" b="1" strike="noStrike" spc="-1">
+                <a:solidFill>
+                  <a:srgbClr val="000000"/>
+                </a:solidFill>
+                <a:latin typeface="Courier New"/>
+                <a:ea typeface="Calibri"/>
+              </a:rPr>
+              <a:t>%&gt;%</a:t>
+            </a:r>
+            <a:endParaRPr lang="en-GB" sz="1800" b="0" strike="noStrike" spc="-1">
+              <a:latin typeface="Arial"/>
+            </a:endParaRPr>
+          </a:p>
+          <a:p>
+            <a:pPr>
+              <a:lnSpc>
+                <a:spcPct val="100000"/>
+              </a:lnSpc>
+            </a:pPr>
+            <a:r>
+              <a:rPr lang="en-GB" sz="1800" b="0" strike="noStrike" spc="-1">
+                <a:solidFill>
+                  <a:srgbClr val="000000"/>
+                </a:solidFill>
+                <a:latin typeface="Courier New"/>
+                <a:ea typeface="Calibri"/>
+              </a:rPr>
+              <a:t>       </a:t>
+            </a:r>
+            <a:r>
+              <a:rPr lang="en-GB" sz="1800" b="1" strike="noStrike" spc="-1">
+                <a:solidFill>
+                  <a:srgbClr val="8064A2"/>
+                </a:solidFill>
+                <a:latin typeface="Courier New"/>
+                <a:ea typeface="Calibri"/>
+              </a:rPr>
+              <a:t>summarise</a:t>
+            </a:r>
+            <a:r>
+              <a:rPr lang="en-GB" sz="1800" b="0" strike="noStrike" spc="-1">
+                <a:solidFill>
+                  <a:srgbClr val="000000"/>
+                </a:solidFill>
+                <a:latin typeface="Courier New"/>
+                <a:ea typeface="Calibri"/>
+              </a:rPr>
+              <a:t>(sum_col4 = sum(col4)) -&gt; df1_grouped</a:t>
             </a:r>
             <a:endParaRPr lang="en-GB" sz="1800" b="0" strike="noStrike" spc="-1">
               <a:latin typeface="Arial"/>
@@ -14349,13 +14304,13 @@
       </p:grpSpPr>
       <p:sp>
         <p:nvSpPr>
-          <p:cNvPr id="367" name="CustomShape 1"/>
+          <p:cNvPr id="362" name="CustomShape 1"/>
           <p:cNvSpPr/>
           <p:nvPr/>
         </p:nvSpPr>
         <p:spPr>
           <a:xfrm>
-            <a:off x="457200" y="274680"/>
+            <a:off x="457200" y="634680"/>
             <a:ext cx="8228520" cy="1141920"/>
           </a:xfrm>
           <a:prstGeom prst="rect">
@@ -14397,7 +14352,7 @@
                 <a:latin typeface="Calibri"/>
                 <a:ea typeface="DejaVu Sans"/>
               </a:rPr>
-              <a:t>Real dataset</a:t>
+              <a:t>Explore it yourself</a:t>
             </a:r>
             <a:endParaRPr lang="en-GB" sz="4400" b="0" strike="noStrike" spc="-1">
               <a:latin typeface="Arial"/>
@@ -14405,39 +14360,16 @@
           </a:p>
         </p:txBody>
       </p:sp>
-      <p:pic>
-        <p:nvPicPr>
-          <p:cNvPr id="368" name="Picture 4" descr="Text, timeline&#10;&#10;Description automatically generated"/>
-          <p:cNvPicPr/>
-          <p:nvPr/>
-        </p:nvPicPr>
-        <p:blipFill>
-          <a:blip r:embed="rId2"/>
-          <a:stretch/>
-        </p:blipFill>
-        <p:spPr>
-          <a:xfrm>
-            <a:off x="804960" y="1154160"/>
-            <a:ext cx="7071480" cy="4798800"/>
-          </a:xfrm>
-          <a:prstGeom prst="rect">
-            <a:avLst/>
-          </a:prstGeom>
-          <a:ln>
-            <a:noFill/>
-          </a:ln>
-        </p:spPr>
-      </p:pic>
-      <p:sp>
-        <p:nvSpPr>
-          <p:cNvPr id="369" name="CustomShape 2"/>
+      <p:sp>
+        <p:nvSpPr>
+          <p:cNvPr id="363" name="CustomShape 2"/>
           <p:cNvSpPr/>
           <p:nvPr/>
         </p:nvSpPr>
         <p:spPr>
           <a:xfrm>
-            <a:off x="4867920" y="6206760"/>
-            <a:ext cx="4104360" cy="364320"/>
+            <a:off x="601200" y="1955520"/>
+            <a:ext cx="7807320" cy="912960"/>
           </a:xfrm>
           <a:prstGeom prst="rect">
             <a:avLst/>
@@ -14471,26 +14403,489 @@
               </a:lnSpc>
             </a:pPr>
             <a:r>
-              <a:rPr lang="en-GB" sz="1800" b="0" strike="noStrike" spc="-1">
+              <a:rPr lang="en-GB" sz="1800" b="1" strike="noStrike" spc="-1">
                 <a:solidFill>
                   <a:srgbClr val="000000"/>
                 </a:solidFill>
                 <a:latin typeface="Calibri"/>
                 <a:ea typeface="Calibri"/>
               </a:rPr>
-              <a:t>DOI: </a:t>
-            </a:r>
-            <a:r>
-              <a:rPr lang="en-GB" sz="1800" b="0" u="sng" strike="noStrike" spc="-1">
-                <a:solidFill>
-                  <a:srgbClr val="0000FF"/>
-                </a:solidFill>
-                <a:uFillTx/>
+              <a:t>Scoped grouping - </a:t>
+            </a:r>
+            <a:r>
+              <a:rPr lang="en-GB" sz="1800" b="0" strike="noStrike" spc="-1">
+                <a:solidFill>
+                  <a:srgbClr val="000000"/>
+                </a:solidFill>
                 <a:latin typeface="Calibri"/>
                 <a:ea typeface="Calibri"/>
-                <a:hlinkClick r:id="rId3"/>
-              </a:rPr>
-              <a:t>10.1038/s41591-020-01194-5</a:t>
+              </a:rPr>
+              <a:t>three scoped variants:</a:t>
+            </a:r>
+            <a:endParaRPr lang="en-GB" sz="1800" b="0" strike="noStrike" spc="-1">
+              <a:latin typeface="Arial"/>
+            </a:endParaRPr>
+          </a:p>
+          <a:p>
+            <a:pPr>
+              <a:lnSpc>
+                <a:spcPct val="100000"/>
+              </a:lnSpc>
+            </a:pPr>
+            <a:r>
+              <a:rPr lang="en-GB" sz="1800" b="0" strike="noStrike" spc="-1">
+                <a:solidFill>
+                  <a:srgbClr val="000000"/>
+                </a:solidFill>
+                <a:latin typeface="Courier New"/>
+                <a:ea typeface="Calibri"/>
+              </a:rPr>
+              <a:t>group_by_all(), group_by_if()</a:t>
+            </a:r>
+            <a:r>
+              <a:rPr lang="en-GB" sz="1800" b="0" strike="noStrike" spc="-1">
+                <a:solidFill>
+                  <a:srgbClr val="000000"/>
+                </a:solidFill>
+                <a:latin typeface="Calibri"/>
+                <a:ea typeface="Calibri"/>
+              </a:rPr>
+              <a:t> and </a:t>
+            </a:r>
+            <a:r>
+              <a:rPr lang="en-GB" sz="1800" b="0" strike="noStrike" spc="-1">
+                <a:solidFill>
+                  <a:srgbClr val="000000"/>
+                </a:solidFill>
+                <a:latin typeface="Courier New"/>
+                <a:ea typeface="Calibri"/>
+              </a:rPr>
+              <a:t>group_by_at()</a:t>
+            </a:r>
+            <a:r>
+              <a:rPr lang="en-GB" sz="1800" b="0" strike="noStrike" spc="-1">
+                <a:solidFill>
+                  <a:srgbClr val="000000"/>
+                </a:solidFill>
+                <a:latin typeface="Calibri"/>
+                <a:ea typeface="Calibri"/>
+              </a:rPr>
+              <a:t> make it easy to group a dataset by a selection of variables.</a:t>
+            </a:r>
+            <a:endParaRPr lang="en-GB" sz="1800" b="0" strike="noStrike" spc="-1">
+              <a:latin typeface="Arial"/>
+            </a:endParaRPr>
+          </a:p>
+        </p:txBody>
+      </p:sp>
+      <p:sp>
+        <p:nvSpPr>
+          <p:cNvPr id="364" name="CustomShape 3"/>
+          <p:cNvSpPr/>
+          <p:nvPr/>
+        </p:nvSpPr>
+        <p:spPr>
+          <a:xfrm>
+            <a:off x="663840" y="3200400"/>
+            <a:ext cx="7048080" cy="638640"/>
+          </a:xfrm>
+          <a:prstGeom prst="rect">
+            <a:avLst/>
+          </a:prstGeom>
+          <a:noFill/>
+          <a:ln>
+            <a:noFill/>
+          </a:ln>
+        </p:spPr>
+        <p:style>
+          <a:lnRef idx="0">
+            <a:scrgbClr r="0" g="0" b="0"/>
+          </a:lnRef>
+          <a:fillRef idx="0">
+            <a:scrgbClr r="0" g="0" b="0"/>
+          </a:fillRef>
+          <a:effectRef idx="0">
+            <a:scrgbClr r="0" g="0" b="0"/>
+          </a:effectRef>
+          <a:fontRef idx="minor"/>
+        </p:style>
+        <p:txBody>
+          <a:bodyPr lIns="90000" tIns="45000" rIns="90000" bIns="45000">
+            <a:spAutoFit/>
+          </a:bodyPr>
+          <a:lstStyle/>
+          <a:p>
+            <a:pPr>
+              <a:lnSpc>
+                <a:spcPct val="100000"/>
+              </a:lnSpc>
+            </a:pPr>
+            <a:r>
+              <a:rPr lang="en-GB" sz="1800" b="1" strike="noStrike" spc="-1">
+                <a:solidFill>
+                  <a:srgbClr val="948A54"/>
+                </a:solidFill>
+                <a:latin typeface="Courier New"/>
+                <a:ea typeface="Calibri"/>
+              </a:rPr>
+              <a:t>across</a:t>
+            </a:r>
+            <a:r>
+              <a:rPr lang="en-GB" sz="1800" b="0" strike="noStrike" spc="-1">
+                <a:solidFill>
+                  <a:srgbClr val="000000"/>
+                </a:solidFill>
+                <a:latin typeface="Courier New"/>
+                <a:ea typeface="Calibri"/>
+              </a:rPr>
+              <a:t>()</a:t>
+            </a:r>
+            <a:r>
+              <a:rPr lang="en-GB" sz="1800" b="0" strike="noStrike" spc="-1">
+                <a:solidFill>
+                  <a:srgbClr val="000000"/>
+                </a:solidFill>
+                <a:latin typeface="Calibri"/>
+                <a:ea typeface="Calibri"/>
+              </a:rPr>
+              <a:t> - function, superseding the </a:t>
+            </a:r>
+            <a:r>
+              <a:rPr lang="en-GB" sz="1800" b="0" strike="noStrike" spc="-1">
+                <a:solidFill>
+                  <a:srgbClr val="000000"/>
+                </a:solidFill>
+                <a:latin typeface="Courier New"/>
+                <a:ea typeface="Calibri"/>
+              </a:rPr>
+              <a:t>_all</a:t>
+            </a:r>
+            <a:r>
+              <a:rPr lang="en-GB" sz="1800" b="0" strike="noStrike" spc="-1">
+                <a:solidFill>
+                  <a:srgbClr val="000000"/>
+                </a:solidFill>
+                <a:latin typeface="Calibri"/>
+                <a:ea typeface="Calibri"/>
+              </a:rPr>
+              <a:t>, </a:t>
+            </a:r>
+            <a:r>
+              <a:rPr lang="en-GB" sz="1800" b="0" strike="noStrike" spc="-1">
+                <a:solidFill>
+                  <a:srgbClr val="000000"/>
+                </a:solidFill>
+                <a:latin typeface="Courier New"/>
+                <a:ea typeface="Calibri"/>
+              </a:rPr>
+              <a:t>_at</a:t>
+            </a:r>
+            <a:r>
+              <a:rPr lang="en-GB" sz="1800" b="0" strike="noStrike" spc="-1">
+                <a:solidFill>
+                  <a:srgbClr val="000000"/>
+                </a:solidFill>
+                <a:latin typeface="Calibri"/>
+                <a:ea typeface="Calibri"/>
+              </a:rPr>
+              <a:t>, and </a:t>
+            </a:r>
+            <a:r>
+              <a:rPr lang="en-GB" sz="1800" b="0" strike="noStrike" spc="-1">
+                <a:solidFill>
+                  <a:srgbClr val="000000"/>
+                </a:solidFill>
+                <a:latin typeface="Courier New"/>
+                <a:ea typeface="Calibri"/>
+              </a:rPr>
+              <a:t>_if </a:t>
+            </a:r>
+            <a:r>
+              <a:rPr lang="en-GB" sz="1800" b="0" strike="noStrike" spc="-1">
+                <a:solidFill>
+                  <a:srgbClr val="000000"/>
+                </a:solidFill>
+                <a:latin typeface="Calibri"/>
+                <a:ea typeface="Calibri"/>
+              </a:rPr>
+              <a:t>versions of </a:t>
+            </a:r>
+            <a:r>
+              <a:rPr lang="en-GB" sz="1800" b="0" strike="noStrike" spc="-1">
+                <a:solidFill>
+                  <a:srgbClr val="000000"/>
+                </a:solidFill>
+                <a:latin typeface="Courier New"/>
+                <a:ea typeface="Calibri"/>
+              </a:rPr>
+              <a:t>summarise()</a:t>
+            </a:r>
+            <a:r>
+              <a:rPr lang="en-GB" sz="1800" b="0" strike="noStrike" spc="-1">
+                <a:solidFill>
+                  <a:srgbClr val="000000"/>
+                </a:solidFill>
+                <a:latin typeface="Calibri"/>
+                <a:ea typeface="Calibri"/>
+              </a:rPr>
+              <a:t> and </a:t>
+            </a:r>
+            <a:r>
+              <a:rPr lang="en-GB" sz="1800" b="0" strike="noStrike" spc="-1">
+                <a:solidFill>
+                  <a:srgbClr val="000000"/>
+                </a:solidFill>
+                <a:latin typeface="Courier New"/>
+                <a:ea typeface="Calibri"/>
+              </a:rPr>
+              <a:t>mutate()</a:t>
+            </a:r>
+            <a:endParaRPr lang="en-GB" sz="1800" b="0" strike="noStrike" spc="-1">
+              <a:latin typeface="Arial"/>
+            </a:endParaRPr>
+          </a:p>
+        </p:txBody>
+      </p:sp>
+      <p:sp>
+        <p:nvSpPr>
+          <p:cNvPr id="365" name="CustomShape 4"/>
+          <p:cNvSpPr/>
+          <p:nvPr/>
+        </p:nvSpPr>
+        <p:spPr>
+          <a:xfrm>
+            <a:off x="1102320" y="4656600"/>
+            <a:ext cx="2742120" cy="368280"/>
+          </a:xfrm>
+          <a:prstGeom prst="rect">
+            <a:avLst/>
+          </a:prstGeom>
+          <a:noFill/>
+          <a:ln>
+            <a:noFill/>
+          </a:ln>
+        </p:spPr>
+        <p:style>
+          <a:lnRef idx="0">
+            <a:scrgbClr r="0" g="0" b="0"/>
+          </a:lnRef>
+          <a:fillRef idx="0">
+            <a:scrgbClr r="0" g="0" b="0"/>
+          </a:fillRef>
+          <a:effectRef idx="0">
+            <a:scrgbClr r="0" g="0" b="0"/>
+          </a:effectRef>
+          <a:fontRef idx="minor"/>
+        </p:style>
+        <p:txBody>
+          <a:bodyPr/>
+          <a:lstStyle/>
+          <a:p>
+            <a:endParaRPr lang="en-US"/>
+          </a:p>
+        </p:txBody>
+      </p:sp>
+      <p:sp>
+        <p:nvSpPr>
+          <p:cNvPr id="366" name="CustomShape 5"/>
+          <p:cNvSpPr/>
+          <p:nvPr/>
+        </p:nvSpPr>
+        <p:spPr>
+          <a:xfrm>
+            <a:off x="757800" y="4194720"/>
+            <a:ext cx="7502040" cy="1187280"/>
+          </a:xfrm>
+          <a:prstGeom prst="rect">
+            <a:avLst/>
+          </a:prstGeom>
+          <a:noFill/>
+          <a:ln>
+            <a:noFill/>
+          </a:ln>
+        </p:spPr>
+        <p:style>
+          <a:lnRef idx="0">
+            <a:scrgbClr r="0" g="0" b="0"/>
+          </a:lnRef>
+          <a:fillRef idx="0">
+            <a:scrgbClr r="0" g="0" b="0"/>
+          </a:fillRef>
+          <a:effectRef idx="0">
+            <a:scrgbClr r="0" g="0" b="0"/>
+          </a:effectRef>
+          <a:fontRef idx="minor"/>
+        </p:style>
+        <p:txBody>
+          <a:bodyPr lIns="90000" tIns="45000" rIns="90000" bIns="45000">
+            <a:spAutoFit/>
+          </a:bodyPr>
+          <a:lstStyle/>
+          <a:p>
+            <a:pPr>
+              <a:lnSpc>
+                <a:spcPct val="100000"/>
+              </a:lnSpc>
+            </a:pPr>
+            <a:r>
+              <a:rPr lang="en-GB" sz="1800" b="0" strike="noStrike" spc="-1">
+                <a:solidFill>
+                  <a:srgbClr val="000000"/>
+                </a:solidFill>
+                <a:latin typeface="Courier New"/>
+                <a:ea typeface="Calibri"/>
+              </a:rPr>
+              <a:t>df1 </a:t>
+            </a:r>
+            <a:r>
+              <a:rPr lang="en-GB" sz="1800" b="1" strike="noStrike" spc="-1">
+                <a:solidFill>
+                  <a:srgbClr val="000000"/>
+                </a:solidFill>
+                <a:latin typeface="Courier New"/>
+                <a:ea typeface="Calibri"/>
+              </a:rPr>
+              <a:t>%&gt;%</a:t>
+            </a:r>
+            <a:r>
+              <a:rPr lang="en-GB" sz="1800" b="0" strike="noStrike" spc="-1">
+                <a:solidFill>
+                  <a:srgbClr val="000000"/>
+                </a:solidFill>
+                <a:latin typeface="Courier New"/>
+                <a:ea typeface="Calibri"/>
+              </a:rPr>
+              <a:t> </a:t>
+            </a:r>
+            <a:endParaRPr lang="en-GB" sz="1800" b="0" strike="noStrike" spc="-1">
+              <a:latin typeface="Arial"/>
+            </a:endParaRPr>
+          </a:p>
+          <a:p>
+            <a:pPr>
+              <a:lnSpc>
+                <a:spcPct val="100000"/>
+              </a:lnSpc>
+            </a:pPr>
+            <a:r>
+              <a:rPr lang="en-GB" sz="1800" b="0" strike="noStrike" spc="-1">
+                <a:solidFill>
+                  <a:srgbClr val="000000"/>
+                </a:solidFill>
+                <a:latin typeface="Courier New"/>
+                <a:ea typeface="Calibri"/>
+              </a:rPr>
+              <a:t>       </a:t>
+            </a:r>
+            <a:r>
+              <a:rPr lang="en-GB" sz="1800" b="1" strike="noStrike" spc="-1">
+                <a:solidFill>
+                  <a:srgbClr val="F79646"/>
+                </a:solidFill>
+                <a:latin typeface="Courier New"/>
+                <a:ea typeface="Calibri"/>
+              </a:rPr>
+              <a:t>group_by</a:t>
+            </a:r>
+            <a:r>
+              <a:rPr lang="en-GB" sz="1800" b="0" strike="noStrike" spc="-1">
+                <a:solidFill>
+                  <a:srgbClr val="000000"/>
+                </a:solidFill>
+                <a:latin typeface="Courier New"/>
+                <a:ea typeface="Calibri"/>
+              </a:rPr>
+              <a:t>(col2, col3) </a:t>
+            </a:r>
+            <a:r>
+              <a:rPr lang="en-GB" sz="1800" b="1" strike="noStrike" spc="-1">
+                <a:solidFill>
+                  <a:srgbClr val="000000"/>
+                </a:solidFill>
+                <a:latin typeface="Courier New"/>
+                <a:ea typeface="Calibri"/>
+              </a:rPr>
+              <a:t>%&gt;%</a:t>
+            </a:r>
+            <a:endParaRPr lang="en-GB" sz="1800" b="0" strike="noStrike" spc="-1">
+              <a:latin typeface="Arial"/>
+            </a:endParaRPr>
+          </a:p>
+          <a:p>
+            <a:pPr>
+              <a:lnSpc>
+                <a:spcPct val="100000"/>
+              </a:lnSpc>
+            </a:pPr>
+            <a:r>
+              <a:rPr lang="en-GB" sz="1800" b="0" strike="noStrike" spc="-1">
+                <a:solidFill>
+                  <a:srgbClr val="000000"/>
+                </a:solidFill>
+                <a:latin typeface="Courier New"/>
+                <a:ea typeface="Calibri"/>
+              </a:rPr>
+              <a:t>       </a:t>
+            </a:r>
+            <a:r>
+              <a:rPr lang="en-GB" sz="1800" b="1" strike="noStrike" spc="-1">
+                <a:solidFill>
+                  <a:srgbClr val="8064A2"/>
+                </a:solidFill>
+                <a:latin typeface="Courier New"/>
+                <a:ea typeface="Calibri"/>
+              </a:rPr>
+              <a:t>summarise(</a:t>
+            </a:r>
+            <a:r>
+              <a:rPr lang="en-GB" sz="1800" b="1" strike="noStrike" spc="-1">
+                <a:solidFill>
+                  <a:srgbClr val="948A54"/>
+                </a:solidFill>
+                <a:latin typeface="Courier New"/>
+                <a:ea typeface="Calibri"/>
+              </a:rPr>
+              <a:t>across(</a:t>
+            </a:r>
+            <a:r>
+              <a:rPr lang="en-GB" sz="1800" b="0" strike="noStrike" spc="-1">
+                <a:solidFill>
+                  <a:srgbClr val="000000"/>
+                </a:solidFill>
+                <a:latin typeface="Courier New"/>
+                <a:ea typeface="Calibri"/>
+              </a:rPr>
+              <a:t>c(col1, col4), mean</a:t>
+            </a:r>
+            <a:r>
+              <a:rPr lang="en-GB" sz="1800" b="1" strike="noStrike" spc="-1">
+                <a:solidFill>
+                  <a:srgbClr val="948A54"/>
+                </a:solidFill>
+                <a:latin typeface="Courier New"/>
+                <a:ea typeface="Calibri"/>
+              </a:rPr>
+              <a:t>)</a:t>
+            </a:r>
+            <a:r>
+              <a:rPr lang="en-GB" sz="1800" b="1" strike="noStrike" spc="-1">
+                <a:solidFill>
+                  <a:srgbClr val="8064A2"/>
+                </a:solidFill>
+                <a:latin typeface="Courier New"/>
+                <a:ea typeface="Calibri"/>
+              </a:rPr>
+              <a:t>)</a:t>
+            </a:r>
+            <a:r>
+              <a:rPr lang="en-GB" sz="1800" b="0" strike="noStrike" spc="-1">
+                <a:solidFill>
+                  <a:srgbClr val="000000"/>
+                </a:solidFill>
+                <a:latin typeface="Courier New"/>
+                <a:ea typeface="Calibri"/>
+              </a:rPr>
+              <a:t> -&gt; df1_grouped</a:t>
             </a:r>
             <a:endParaRPr lang="en-GB" sz="1800" b="0" strike="noStrike" spc="-1">
               <a:latin typeface="Arial"/>
@@ -14525,7 +14920,7 @@
       </p:grpSpPr>
       <p:sp>
         <p:nvSpPr>
-          <p:cNvPr id="370" name="CustomShape 1"/>
+          <p:cNvPr id="367" name="CustomShape 1"/>
           <p:cNvSpPr/>
           <p:nvPr/>
         </p:nvSpPr>
@@ -14573,7 +14968,7 @@
                 <a:latin typeface="Calibri"/>
                 <a:ea typeface="DejaVu Sans"/>
               </a:rPr>
-              <a:t>Data to explore - MSD</a:t>
+              <a:t>Real dataset</a:t>
             </a:r>
             <a:endParaRPr lang="en-GB" sz="4400" b="0" strike="noStrike" spc="-1">
               <a:latin typeface="Arial"/>
@@ -14583,7 +14978,7 @@
       </p:sp>
       <p:pic>
         <p:nvPicPr>
-          <p:cNvPr id="371" name="Picture 4" descr="Chart, box and whisker chart&#10;&#10;Description automatically generated"/>
+          <p:cNvPr id="368" name="Picture 4" descr="Text, timeline&#10;&#10;Description automatically generated"/>
           <p:cNvPicPr/>
           <p:nvPr/>
         </p:nvPicPr>
@@ -14593,8 +14988,8 @@
         </p:blipFill>
         <p:spPr>
           <a:xfrm>
-            <a:off x="1180440" y="1298880"/>
-            <a:ext cx="6695640" cy="3938040"/>
+            <a:off x="804960" y="1154160"/>
+            <a:ext cx="7071480" cy="4798800"/>
           </a:xfrm>
           <a:prstGeom prst="rect">
             <a:avLst/>
@@ -14606,14 +15001,14 @@
       </p:pic>
       <p:sp>
         <p:nvSpPr>
-          <p:cNvPr id="372" name="CustomShape 2"/>
+          <p:cNvPr id="369" name="CustomShape 2"/>
           <p:cNvSpPr/>
           <p:nvPr/>
         </p:nvSpPr>
         <p:spPr>
           <a:xfrm>
-            <a:off x="201960" y="5470920"/>
-            <a:ext cx="8942400" cy="1368720"/>
+            <a:off x="4867920" y="6206760"/>
+            <a:ext cx="4104360" cy="364320"/>
           </a:xfrm>
           <a:prstGeom prst="rect">
             <a:avLst/>
@@ -14647,468 +15042,26 @@
               </a:lnSpc>
             </a:pPr>
             <a:r>
-              <a:rPr lang="en-GB" sz="1400" b="0" strike="noStrike" spc="-1">
+              <a:rPr lang="en-GB" sz="1800" b="0" strike="noStrike" spc="-1">
                 <a:solidFill>
                   <a:srgbClr val="000000"/>
                 </a:solidFill>
                 <a:latin typeface="Calibri"/>
                 <a:ea typeface="Calibri"/>
               </a:rPr>
-              <a:t>A multiplex cytokine analysis was performed on day 7 after vaccination using supernatants after antigen-specific stimulation of PBMCs from ChAdOx1 nCov-19 (red) and MenACWY (blue). Number of samples presented: MenACWY–ChAdOx1 nCov-19: IFN-γ (</a:t>
-            </a:r>
-            <a:r>
-              <a:rPr lang="en-GB" sz="1400" b="0" i="1" strike="noStrike" spc="-1">
-                <a:solidFill>
-                  <a:srgbClr val="000000"/>
-                </a:solidFill>
+              <a:t>DOI: </a:t>
+            </a:r>
+            <a:r>
+              <a:rPr lang="en-GB" sz="1800" b="0" u="sng" strike="noStrike" spc="-1">
+                <a:solidFill>
+                  <a:srgbClr val="0000FF"/>
+                </a:solidFill>
+                <a:uFillTx/>
                 <a:latin typeface="Calibri"/>
                 <a:ea typeface="Calibri"/>
-              </a:rPr>
-              <a:t>n</a:t>
-            </a:r>
-            <a:r>
-              <a:rPr lang="en-GB" sz="1400" b="0" strike="noStrike" spc="-1">
-                <a:solidFill>
-                  <a:srgbClr val="000000"/>
-                </a:solidFill>
-                <a:latin typeface="Calibri"/>
-                <a:ea typeface="Calibri"/>
-              </a:rPr>
-              <a:t> = 40,40); IL-2 (</a:t>
-            </a:r>
-            <a:r>
-              <a:rPr lang="en-GB" sz="1400" b="0" i="1" strike="noStrike" spc="-1">
-                <a:solidFill>
-                  <a:srgbClr val="000000"/>
-                </a:solidFill>
-                <a:latin typeface="Calibri"/>
-                <a:ea typeface="Calibri"/>
-              </a:rPr>
-              <a:t>n</a:t>
-            </a:r>
-            <a:r>
-              <a:rPr lang="en-GB" sz="1400" b="0" strike="noStrike" spc="-1">
-                <a:solidFill>
-                  <a:srgbClr val="000000"/>
-                </a:solidFill>
-                <a:latin typeface="Calibri"/>
-                <a:ea typeface="Calibri"/>
-              </a:rPr>
-              <a:t> = 42,42); TNF-α (</a:t>
-            </a:r>
-            <a:r>
-              <a:rPr lang="en-GB" sz="1400" b="0" i="1" strike="noStrike" spc="-1">
-                <a:solidFill>
-                  <a:srgbClr val="000000"/>
-                </a:solidFill>
-                <a:latin typeface="Calibri"/>
-                <a:ea typeface="Calibri"/>
-              </a:rPr>
-              <a:t>n</a:t>
-            </a:r>
-            <a:r>
-              <a:rPr lang="en-GB" sz="1400" b="0" strike="noStrike" spc="-1">
-                <a:solidFill>
-                  <a:srgbClr val="000000"/>
-                </a:solidFill>
-                <a:latin typeface="Calibri"/>
-                <a:ea typeface="Calibri"/>
-              </a:rPr>
-              <a:t> = 40,41); IL-1β (</a:t>
-            </a:r>
-            <a:r>
-              <a:rPr lang="en-GB" sz="1400" b="0" i="1" strike="noStrike" spc="-1">
-                <a:solidFill>
-                  <a:srgbClr val="000000"/>
-                </a:solidFill>
-                <a:latin typeface="Calibri"/>
-                <a:ea typeface="Calibri"/>
-              </a:rPr>
-              <a:t>n</a:t>
-            </a:r>
-            <a:r>
-              <a:rPr lang="en-GB" sz="1400" b="0" strike="noStrike" spc="-1">
-                <a:solidFill>
-                  <a:srgbClr val="000000"/>
-                </a:solidFill>
-                <a:latin typeface="Calibri"/>
-                <a:ea typeface="Calibri"/>
-              </a:rPr>
-              <a:t> = 41,42); IL-12p70 (</a:t>
-            </a:r>
-            <a:r>
-              <a:rPr lang="en-GB" sz="1400" b="0" i="1" strike="noStrike" spc="-1">
-                <a:solidFill>
-                  <a:srgbClr val="000000"/>
-                </a:solidFill>
-                <a:latin typeface="Calibri"/>
-                <a:ea typeface="Calibri"/>
-              </a:rPr>
-              <a:t>n</a:t>
-            </a:r>
-            <a:r>
-              <a:rPr lang="en-GB" sz="1400" b="0" strike="noStrike" spc="-1">
-                <a:solidFill>
-                  <a:srgbClr val="000000"/>
-                </a:solidFill>
-                <a:latin typeface="Calibri"/>
-                <a:ea typeface="Calibri"/>
-              </a:rPr>
-              <a:t> = 38,28); IL-4 (</a:t>
-            </a:r>
-            <a:r>
-              <a:rPr lang="en-GB" sz="1400" b="0" i="1" strike="noStrike" spc="-1">
-                <a:solidFill>
-                  <a:srgbClr val="000000"/>
-                </a:solidFill>
-                <a:latin typeface="Calibri"/>
-                <a:ea typeface="Calibri"/>
-              </a:rPr>
-              <a:t>n</a:t>
-            </a:r>
-            <a:r>
-              <a:rPr lang="en-GB" sz="1400" b="0" strike="noStrike" spc="-1">
-                <a:solidFill>
-                  <a:srgbClr val="000000"/>
-                </a:solidFill>
-                <a:latin typeface="Calibri"/>
-                <a:ea typeface="Calibri"/>
-              </a:rPr>
-              <a:t> = 38,38); IL-10 (</a:t>
-            </a:r>
-            <a:r>
-              <a:rPr lang="en-GB" sz="1400" b="0" i="1" strike="noStrike" spc="-1">
-                <a:solidFill>
-                  <a:srgbClr val="000000"/>
-                </a:solidFill>
-                <a:latin typeface="Calibri"/>
-                <a:ea typeface="Calibri"/>
-              </a:rPr>
-              <a:t>n</a:t>
-            </a:r>
-            <a:r>
-              <a:rPr lang="en-GB" sz="1400" b="0" strike="noStrike" spc="-1">
-                <a:solidFill>
-                  <a:srgbClr val="000000"/>
-                </a:solidFill>
-                <a:latin typeface="Calibri"/>
-                <a:ea typeface="Calibri"/>
-              </a:rPr>
-              <a:t> = 41,39); IL-13 (</a:t>
-            </a:r>
-            <a:r>
-              <a:rPr lang="en-GB" sz="1400" b="0" i="1" strike="noStrike" spc="-1">
-                <a:solidFill>
-                  <a:srgbClr val="000000"/>
-                </a:solidFill>
-                <a:latin typeface="Calibri"/>
-                <a:ea typeface="Calibri"/>
-              </a:rPr>
-              <a:t>n</a:t>
-            </a:r>
-            <a:r>
-              <a:rPr lang="en-GB" sz="1400" b="0" strike="noStrike" spc="-1">
-                <a:solidFill>
-                  <a:srgbClr val="000000"/>
-                </a:solidFill>
-                <a:latin typeface="Calibri"/>
-                <a:ea typeface="Calibri"/>
-              </a:rPr>
-              <a:t> = 31,36); and IL-8 (</a:t>
-            </a:r>
-            <a:r>
-              <a:rPr lang="en-GB" sz="1400" b="0" i="1" strike="noStrike" spc="-1">
-                <a:solidFill>
-                  <a:srgbClr val="000000"/>
-                </a:solidFill>
-                <a:latin typeface="Calibri"/>
-                <a:ea typeface="Calibri"/>
-              </a:rPr>
-              <a:t>n</a:t>
-            </a:r>
-            <a:r>
-              <a:rPr lang="en-GB" sz="1400" b="0" strike="noStrike" spc="-1">
-                <a:solidFill>
-                  <a:srgbClr val="000000"/>
-                </a:solidFill>
-                <a:latin typeface="Calibri"/>
-                <a:ea typeface="Calibri"/>
-              </a:rPr>
-              <a:t> = 42,41). Individual data points are shown here as an aligned dot plot with lines showing the median with IQR. Significant differences were determined by two-tailed Mann–Whitney test with Bonferroni correction for multiple comparisons (***</a:t>
-            </a:r>
-            <a:r>
-              <a:rPr lang="en-GB" sz="1400" b="0" i="1" strike="noStrike" spc="-1">
-                <a:solidFill>
-                  <a:srgbClr val="000000"/>
-                </a:solidFill>
-                <a:latin typeface="Calibri"/>
-                <a:ea typeface="Calibri"/>
-              </a:rPr>
-              <a:t>P</a:t>
-            </a:r>
-            <a:r>
-              <a:rPr lang="en-GB" sz="1400" b="0" strike="noStrike" spc="-1">
-                <a:solidFill>
-                  <a:srgbClr val="000000"/>
-                </a:solidFill>
-                <a:latin typeface="Calibri"/>
-                <a:ea typeface="Calibri"/>
-              </a:rPr>
-              <a:t> &lt; 0.001; **</a:t>
-            </a:r>
-            <a:r>
-              <a:rPr lang="en-GB" sz="1400" b="0" i="1" strike="noStrike" spc="-1">
-                <a:solidFill>
-                  <a:srgbClr val="000000"/>
-                </a:solidFill>
-                <a:latin typeface="Calibri"/>
-                <a:ea typeface="Calibri"/>
-              </a:rPr>
-              <a:t>P</a:t>
-            </a:r>
-            <a:r>
-              <a:rPr lang="en-GB" sz="1400" b="0" strike="noStrike" spc="-1">
-                <a:solidFill>
-                  <a:srgbClr val="000000"/>
-                </a:solidFill>
-                <a:latin typeface="Calibri"/>
-                <a:ea typeface="Calibri"/>
-              </a:rPr>
-              <a:t> &lt; 0.01; *</a:t>
-            </a:r>
-            <a:r>
-              <a:rPr lang="en-GB" sz="1400" b="0" i="1" strike="noStrike" spc="-1">
-                <a:solidFill>
-                  <a:srgbClr val="000000"/>
-                </a:solidFill>
-                <a:latin typeface="Calibri"/>
-                <a:ea typeface="Calibri"/>
-              </a:rPr>
-              <a:t>P</a:t>
-            </a:r>
-            <a:r>
-              <a:rPr lang="en-GB" sz="1400" b="0" strike="noStrike" spc="-1">
-                <a:solidFill>
-                  <a:srgbClr val="000000"/>
-                </a:solidFill>
-                <a:latin typeface="Calibri"/>
-                <a:ea typeface="Calibri"/>
-              </a:rPr>
-              <a:t> &lt; 0.05).</a:t>
-            </a:r>
-            <a:endParaRPr lang="en-GB" sz="1400" b="0" strike="noStrike" spc="-1">
-              <a:latin typeface="Arial"/>
-            </a:endParaRPr>
-          </a:p>
-        </p:txBody>
-      </p:sp>
-      <p:sp>
-        <p:nvSpPr>
-          <p:cNvPr id="373" name="CustomShape 3"/>
-          <p:cNvSpPr/>
-          <p:nvPr/>
-        </p:nvSpPr>
-        <p:spPr>
-          <a:xfrm>
-            <a:off x="2003040" y="1361160"/>
-            <a:ext cx="615960" cy="3951000"/>
-          </a:xfrm>
-          <a:prstGeom prst="rect">
-            <a:avLst/>
-          </a:prstGeom>
-          <a:noFill/>
-          <a:ln>
-            <a:round/>
-          </a:ln>
-        </p:spPr>
-        <p:style>
-          <a:lnRef idx="2">
-            <a:schemeClr val="accent2"/>
-          </a:lnRef>
-          <a:fillRef idx="1">
-            <a:schemeClr val="lt1"/>
-          </a:fillRef>
-          <a:effectRef idx="0">
-            <a:schemeClr val="accent2"/>
-          </a:effectRef>
-          <a:fontRef idx="minor"/>
-        </p:style>
-        <p:txBody>
-          <a:bodyPr/>
-          <a:lstStyle/>
-          <a:p>
-            <a:endParaRPr lang="en-US"/>
-          </a:p>
-        </p:txBody>
-      </p:sp>
-      <p:sp>
-        <p:nvSpPr>
-          <p:cNvPr id="374" name="CustomShape 4"/>
-          <p:cNvSpPr/>
-          <p:nvPr/>
-        </p:nvSpPr>
-        <p:spPr>
-          <a:xfrm>
-            <a:off x="2621520" y="1361160"/>
-            <a:ext cx="615960" cy="3951000"/>
-          </a:xfrm>
-          <a:prstGeom prst="rect">
-            <a:avLst/>
-          </a:prstGeom>
-          <a:noFill/>
-          <a:ln>
-            <a:round/>
-          </a:ln>
-        </p:spPr>
-        <p:style>
-          <a:lnRef idx="2">
-            <a:schemeClr val="accent2"/>
-          </a:lnRef>
-          <a:fillRef idx="1">
-            <a:schemeClr val="lt1"/>
-          </a:fillRef>
-          <a:effectRef idx="0">
-            <a:schemeClr val="accent2"/>
-          </a:effectRef>
-          <a:fontRef idx="minor"/>
-        </p:style>
-        <p:txBody>
-          <a:bodyPr/>
-          <a:lstStyle/>
-          <a:p>
-            <a:endParaRPr lang="en-US"/>
-          </a:p>
-        </p:txBody>
-      </p:sp>
-      <p:sp>
-        <p:nvSpPr>
-          <p:cNvPr id="375" name="CustomShape 5"/>
-          <p:cNvSpPr/>
-          <p:nvPr/>
-        </p:nvSpPr>
-        <p:spPr>
-          <a:xfrm>
-            <a:off x="3960360" y="1361160"/>
-            <a:ext cx="615960" cy="3951000"/>
-          </a:xfrm>
-          <a:prstGeom prst="rect">
-            <a:avLst/>
-          </a:prstGeom>
-          <a:noFill/>
-          <a:ln>
-            <a:round/>
-          </a:ln>
-        </p:spPr>
-        <p:style>
-          <a:lnRef idx="2">
-            <a:schemeClr val="accent2"/>
-          </a:lnRef>
-          <a:fillRef idx="1">
-            <a:schemeClr val="lt1"/>
-          </a:fillRef>
-          <a:effectRef idx="0">
-            <a:schemeClr val="accent2"/>
-          </a:effectRef>
-          <a:fontRef idx="minor"/>
-        </p:style>
-        <p:txBody>
-          <a:bodyPr/>
-          <a:lstStyle/>
-          <a:p>
-            <a:endParaRPr lang="en-US"/>
-          </a:p>
-        </p:txBody>
-      </p:sp>
-      <p:sp>
-        <p:nvSpPr>
-          <p:cNvPr id="376" name="CustomShape 6"/>
-          <p:cNvSpPr/>
-          <p:nvPr/>
-        </p:nvSpPr>
-        <p:spPr>
-          <a:xfrm>
-            <a:off x="5933160" y="1361160"/>
-            <a:ext cx="615960" cy="3951000"/>
-          </a:xfrm>
-          <a:prstGeom prst="rect">
-            <a:avLst/>
-          </a:prstGeom>
-          <a:noFill/>
-          <a:ln>
-            <a:round/>
-          </a:ln>
-        </p:spPr>
-        <p:style>
-          <a:lnRef idx="2">
-            <a:schemeClr val="accent2"/>
-          </a:lnRef>
-          <a:fillRef idx="1">
-            <a:schemeClr val="lt1"/>
-          </a:fillRef>
-          <a:effectRef idx="0">
-            <a:schemeClr val="accent2"/>
-          </a:effectRef>
-          <a:fontRef idx="minor"/>
-        </p:style>
-        <p:txBody>
-          <a:bodyPr/>
-          <a:lstStyle/>
-          <a:p>
-            <a:endParaRPr lang="en-US"/>
-          </a:p>
-        </p:txBody>
-      </p:sp>
-      <p:sp>
-        <p:nvSpPr>
-          <p:cNvPr id="377" name="CustomShape 7"/>
-          <p:cNvSpPr/>
-          <p:nvPr/>
-        </p:nvSpPr>
-        <p:spPr>
-          <a:xfrm>
-            <a:off x="499320" y="1282320"/>
-            <a:ext cx="2742120" cy="364320"/>
-          </a:xfrm>
-          <a:prstGeom prst="rect">
-            <a:avLst/>
-          </a:prstGeom>
-          <a:noFill/>
-          <a:ln>
-            <a:noFill/>
-          </a:ln>
-        </p:spPr>
-        <p:style>
-          <a:lnRef idx="0">
-            <a:scrgbClr r="0" g="0" b="0"/>
-          </a:lnRef>
-          <a:fillRef idx="0">
-            <a:scrgbClr r="0" g="0" b="0"/>
-          </a:fillRef>
-          <a:effectRef idx="0">
-            <a:scrgbClr r="0" g="0" b="0"/>
-          </a:effectRef>
-          <a:fontRef idx="minor"/>
-        </p:style>
-        <p:txBody>
-          <a:bodyPr lIns="90000" tIns="45000" rIns="90000" bIns="45000">
-            <a:spAutoFit/>
-          </a:bodyPr>
-          <a:lstStyle/>
-          <a:p>
-            <a:pPr>
-              <a:lnSpc>
-                <a:spcPct val="100000"/>
-              </a:lnSpc>
-            </a:pPr>
-            <a:r>
-              <a:rPr lang="en-GB" sz="1800" b="0" strike="noStrike" spc="-1">
-                <a:solidFill>
-                  <a:srgbClr val="000000"/>
-                </a:solidFill>
-                <a:latin typeface="Calibri"/>
-                <a:ea typeface="DejaVu Sans"/>
-              </a:rPr>
-              <a:t>Fig.1</a:t>
+                <a:hlinkClick r:id="rId3"/>
+              </a:rPr>
+              <a:t>10.1038/s41591-020-01194-5</a:t>
             </a:r>
             <a:endParaRPr lang="en-GB" sz="1800" b="0" strike="noStrike" spc="-1">
               <a:latin typeface="Arial"/>
@@ -15143,14 +15096,14 @@
       </p:grpSpPr>
       <p:sp>
         <p:nvSpPr>
-          <p:cNvPr id="192" name="CustomShape 1"/>
+          <p:cNvPr id="190" name="CustomShape 1"/>
           <p:cNvSpPr/>
           <p:nvPr/>
         </p:nvSpPr>
         <p:spPr>
           <a:xfrm>
-            <a:off x="480240" y="1371600"/>
-            <a:ext cx="3612960" cy="3451680"/>
+            <a:off x="685800" y="2130480"/>
+            <a:ext cx="7771320" cy="1468800"/>
           </a:xfrm>
           <a:prstGeom prst="rect">
             <a:avLst/>
@@ -15173,48 +15126,101 @@
           <a:fontRef idx="minor"/>
         </p:style>
         <p:txBody>
-          <a:bodyPr lIns="82800" tIns="41400" rIns="82800" bIns="41400" anchor="ctr">
-            <a:normAutofit/>
+          <a:bodyPr lIns="90000" tIns="45000" rIns="90000" bIns="45000" anchor="ctr">
+            <a:normAutofit fontScale="54500" lnSpcReduction="10000"/>
           </a:bodyPr>
           <a:lstStyle/>
           <a:p>
-            <a:pPr algn="r">
+            <a:pPr algn="ctr">
               <a:lnSpc>
                 <a:spcPct val="100000"/>
               </a:lnSpc>
-              <a:spcAft>
-                <a:spcPts val="544"/>
-              </a:spcAft>
-              <a:tabLst>
-                <a:tab pos="0" algn="l"/>
-              </a:tabLst>
             </a:pPr>
             <a:r>
-              <a:rPr lang="en-US" sz="3900" b="0" strike="noStrike" cap="all" spc="-1">
+              <a:rPr lang="en-US" sz="4400" b="0" strike="noStrike" spc="-1" dirty="0">
                 <a:solidFill>
                   <a:srgbClr val="000000"/>
                 </a:solidFill>
                 <a:latin typeface="Calibri"/>
-                <a:ea typeface="DejaVu Sans"/>
-              </a:rPr>
-              <a:t>R for biologists</a:t>
-            </a:r>
-            <a:endParaRPr lang="en-GB" sz="3900" b="0" strike="noStrike" spc="-1">
-              <a:latin typeface="Arial"/>
-            </a:endParaRPr>
-          </a:p>
-        </p:txBody>
-      </p:sp>
-      <p:sp>
-        <p:nvSpPr>
-          <p:cNvPr id="193" name="CustomShape 2"/>
+                <a:ea typeface="Calibri"/>
+              </a:rPr>
+              <a:t>Data analysis and </a:t>
+            </a:r>
+            <a:r>
+              <a:rPr lang="en-US" sz="4400" b="0" strike="noStrike" spc="-1" dirty="0" err="1">
+                <a:solidFill>
+                  <a:srgbClr val="000000"/>
+                </a:solidFill>
+                <a:latin typeface="Calibri"/>
+                <a:ea typeface="Calibri"/>
+              </a:rPr>
+              <a:t>visualisation</a:t>
+            </a:r>
+            <a:r>
+              <a:rPr lang="en-US" sz="4400" b="0" strike="noStrike" spc="-1" dirty="0">
+                <a:solidFill>
+                  <a:srgbClr val="000000"/>
+                </a:solidFill>
+                <a:latin typeface="Calibri"/>
+                <a:ea typeface="Calibri"/>
+              </a:rPr>
+              <a:t> in</a:t>
+            </a:r>
+            <a:br>
+              <a:rPr dirty="0"/>
+            </a:br>
+            <a:r>
+              <a:rPr lang="en-US" sz="4400" b="0" strike="noStrike" spc="-1" dirty="0">
+                <a:solidFill>
+                  <a:srgbClr val="000000"/>
+                </a:solidFill>
+                <a:latin typeface="Calibri"/>
+                <a:ea typeface="Calibri"/>
+              </a:rPr>
+              <a:t> R for Biologists</a:t>
+            </a:r>
+            <a:br>
+              <a:rPr dirty="0"/>
+            </a:br>
+            <a:r>
+              <a:rPr lang="en-US" sz="4400" b="0" strike="noStrike" spc="-1" dirty="0">
+                <a:solidFill>
+                  <a:srgbClr val="000000"/>
+                </a:solidFill>
+                <a:latin typeface="Calibri"/>
+                <a:ea typeface="Calibri"/>
+              </a:rPr>
+              <a:t>Session 1 </a:t>
+            </a:r>
+            <a:br>
+              <a:rPr dirty="0"/>
+            </a:br>
+            <a:r>
+              <a:rPr lang="en-US" sz="4400" b="1" strike="noStrike" spc="-1" dirty="0">
+                <a:solidFill>
+                  <a:srgbClr val="000000"/>
+                </a:solidFill>
+                <a:latin typeface="Calibri"/>
+                <a:ea typeface="Calibri"/>
+              </a:rPr>
+              <a:t>Data exploration in depth</a:t>
+            </a:r>
+            <a:endParaRPr lang="en-GB" sz="4400" b="0" strike="noStrike" spc="-1" dirty="0">
+              <a:latin typeface="Arial"/>
+            </a:endParaRPr>
+          </a:p>
+        </p:txBody>
+      </p:sp>
+      <p:sp>
+        <p:nvSpPr>
+          <p:cNvPr id="191" name="CustomShape 2"/>
           <p:cNvSpPr/>
           <p:nvPr/>
         </p:nvSpPr>
         <p:spPr>
           <a:xfrm>
-            <a:off x="4969080" y="1371600"/>
-            <a:ext cx="3657960" cy="4894920"/>
+            <a:off x="1378080" y="4766400"/>
+            <a:ext cx="6399720" cy="1751400"/>
           </a:xfrm>
           <a:prstGeom prst="rect">
             <a:avLst/>
@@ -15237,327 +15243,79 @@
           <a:fontRef idx="minor"/>
         </p:style>
         <p:txBody>
-          <a:bodyPr lIns="82800" tIns="41400" rIns="82800" bIns="41400" anchor="ctr">
+          <a:bodyPr lIns="90000" tIns="45000" rIns="90000" bIns="45000">
             <a:normAutofit/>
           </a:bodyPr>
           <a:lstStyle/>
           <a:p>
-            <a:pPr marL="216000" indent="-215640">
+            <a:pPr algn="ctr">
               <a:lnSpc>
                 <a:spcPct val="100000"/>
               </a:lnSpc>
               <a:spcBef>
-                <a:spcPts val="320"/>
+                <a:spcPts val="641"/>
               </a:spcBef>
-              <a:spcAft>
-                <a:spcPts val="544"/>
-              </a:spcAft>
-              <a:buClr>
-                <a:srgbClr val="000000"/>
-              </a:buClr>
-              <a:buSzPct val="80000"/>
-              <a:buFont typeface="Wingdings 3" charset="2"/>
-              <a:buChar char=""/>
+              <a:tabLst>
+                <a:tab pos="0" algn="l"/>
+              </a:tabLst>
             </a:pPr>
             <a:r>
-              <a:rPr lang="en-US" sz="1600" b="1" strike="noStrike" spc="-1">
-                <a:solidFill>
-                  <a:srgbClr val="000000"/>
+              <a:rPr lang="en-US" sz="3200" b="0" strike="noStrike" spc="-1" dirty="0">
+                <a:solidFill>
+                  <a:srgbClr val="8B8B8B"/>
                 </a:solidFill>
                 <a:latin typeface="Calibri"/>
                 <a:ea typeface="DejaVu Sans"/>
               </a:rPr>
-              <a:t>Data exploration</a:t>
-            </a:r>
-            <a:endParaRPr lang="en-GB" sz="1600" b="0" strike="noStrike" spc="-1">
-              <a:latin typeface="Arial"/>
-            </a:endParaRPr>
-          </a:p>
-          <a:p>
-            <a:pPr marL="457200" lvl="1" indent="-215640">
+              <a:t>Irina &amp; Rao</a:t>
+            </a:r>
+            <a:endParaRPr lang="en-GB" sz="3200" b="0" strike="noStrike" spc="-1" dirty="0">
+              <a:latin typeface="Arial"/>
+            </a:endParaRPr>
+          </a:p>
+          <a:p>
+            <a:pPr algn="ctr">
               <a:lnSpc>
                 <a:spcPct val="100000"/>
               </a:lnSpc>
               <a:spcBef>
-                <a:spcPts val="320"/>
+                <a:spcPts val="641"/>
               </a:spcBef>
-              <a:spcAft>
-                <a:spcPts val="544"/>
-              </a:spcAft>
-              <a:buClr>
-                <a:srgbClr val="000000"/>
-              </a:buClr>
-              <a:buSzPct val="80000"/>
-              <a:buFont typeface="Wingdings 3" charset="2"/>
-              <a:buChar char=""/>
+              <a:tabLst>
+                <a:tab pos="0" algn="l"/>
+              </a:tabLst>
             </a:pPr>
             <a:r>
-              <a:rPr lang="en-US" sz="1600" b="0" strike="noStrike" spc="-1">
-                <a:solidFill>
-                  <a:srgbClr val="000000"/>
+              <a:rPr lang="en-US" sz="3200" spc="-1">
+                <a:solidFill>
+                  <a:srgbClr val="8B8B8B"/>
                 </a:solidFill>
                 <a:latin typeface="Calibri"/>
                 <a:ea typeface="DejaVu Sans"/>
               </a:rPr>
-              <a:t>Intro to Tidyverse</a:t>
-            </a:r>
-            <a:endParaRPr lang="en-GB" sz="1600" b="0" strike="noStrike" spc="-1">
-              <a:latin typeface="Arial"/>
-            </a:endParaRPr>
-          </a:p>
-          <a:p>
-            <a:pPr marL="457200" lvl="1" indent="-215640">
-              <a:lnSpc>
-                <a:spcPct val="100000"/>
-              </a:lnSpc>
-              <a:spcBef>
-                <a:spcPts val="320"/>
-              </a:spcBef>
-              <a:spcAft>
-                <a:spcPts val="544"/>
-              </a:spcAft>
-              <a:buClr>
-                <a:srgbClr val="000000"/>
-              </a:buClr>
-              <a:buSzPct val="80000"/>
-              <a:buFont typeface="Wingdings 3" charset="2"/>
-              <a:buChar char=""/>
-            </a:pPr>
-            <a:r>
-              <a:rPr lang="en-US" sz="1600" b="0" strike="noStrike" spc="-1">
-                <a:solidFill>
-                  <a:srgbClr val="000000"/>
+              <a:t>Trinity</a:t>
+            </a:r>
+            <a:r>
+              <a:rPr lang="en-US" sz="3200" b="0" strike="noStrike" spc="-1">
+                <a:solidFill>
+                  <a:srgbClr val="8B8B8B"/>
                 </a:solidFill>
                 <a:latin typeface="Calibri"/>
                 <a:ea typeface="DejaVu Sans"/>
               </a:rPr>
-              <a:t>Dplyr verbs – mutate, select, filter, summarise, arrange</a:t>
-            </a:r>
-            <a:endParaRPr lang="en-GB" sz="1600" b="0" strike="noStrike" spc="-1">
-              <a:latin typeface="Arial"/>
-            </a:endParaRPr>
-          </a:p>
-          <a:p>
-            <a:pPr marL="457200" lvl="1" indent="-215640">
-              <a:lnSpc>
-                <a:spcPct val="100000"/>
-              </a:lnSpc>
-              <a:spcBef>
-                <a:spcPts val="320"/>
-              </a:spcBef>
-              <a:spcAft>
-                <a:spcPts val="544"/>
-              </a:spcAft>
-              <a:buClr>
-                <a:srgbClr val="000000"/>
-              </a:buClr>
-              <a:buSzPct val="80000"/>
-              <a:buFont typeface="Wingdings 3" charset="2"/>
-              <a:buChar char=""/>
-            </a:pPr>
-            <a:r>
-              <a:rPr lang="en-US" sz="1600" b="0" strike="noStrike" spc="-1">
-                <a:solidFill>
-                  <a:srgbClr val="000000"/>
+              <a:t> </a:t>
+            </a:r>
+            <a:r>
+              <a:rPr lang="en-US" sz="3200" b="0" strike="noStrike" spc="-1" dirty="0">
+                <a:solidFill>
+                  <a:srgbClr val="8B8B8B"/>
                 </a:solidFill>
                 <a:latin typeface="Calibri"/>
                 <a:ea typeface="DejaVu Sans"/>
               </a:rPr>
-              <a:t>Group and summarise data</a:t>
-            </a:r>
-            <a:endParaRPr lang="en-GB" sz="1600" b="0" strike="noStrike" spc="-1">
-              <a:latin typeface="Arial"/>
-            </a:endParaRPr>
-          </a:p>
-          <a:p>
-            <a:pPr marL="457200" lvl="1" indent="-215640">
-              <a:lnSpc>
-                <a:spcPct val="100000"/>
-              </a:lnSpc>
-              <a:spcBef>
-                <a:spcPts val="320"/>
-              </a:spcBef>
-              <a:spcAft>
-                <a:spcPts val="544"/>
-              </a:spcAft>
-              <a:buClr>
-                <a:srgbClr val="000000"/>
-              </a:buClr>
-              <a:buSzPct val="80000"/>
-              <a:buFont typeface="Wingdings 3" charset="2"/>
-              <a:buChar char=""/>
-            </a:pPr>
-            <a:r>
-              <a:rPr lang="en-US" sz="1600" b="0" strike="noStrike" spc="-1">
-                <a:solidFill>
-                  <a:srgbClr val="000000"/>
-                </a:solidFill>
-                <a:latin typeface="Calibri"/>
-                <a:ea typeface="DejaVu Sans"/>
-              </a:rPr>
-              <a:t>Reshape data</a:t>
-            </a:r>
-            <a:endParaRPr lang="en-GB" sz="1600" b="0" strike="noStrike" spc="-1">
-              <a:latin typeface="Arial"/>
-            </a:endParaRPr>
-          </a:p>
-          <a:p>
-            <a:pPr marL="457200" lvl="1" indent="-215640">
-              <a:lnSpc>
-                <a:spcPct val="100000"/>
-              </a:lnSpc>
-              <a:spcBef>
-                <a:spcPts val="320"/>
-              </a:spcBef>
-              <a:spcAft>
-                <a:spcPts val="544"/>
-              </a:spcAft>
-              <a:buClr>
-                <a:srgbClr val="000000"/>
-              </a:buClr>
-              <a:buSzPct val="80000"/>
-              <a:buFont typeface="Wingdings 3" charset="2"/>
-              <a:buChar char=""/>
-            </a:pPr>
-            <a:r>
-              <a:rPr lang="en-US" sz="1600" b="0" strike="noStrike" spc="-1">
-                <a:solidFill>
-                  <a:srgbClr val="000000"/>
-                </a:solidFill>
-                <a:latin typeface="Calibri"/>
-                <a:ea typeface="DejaVu Sans"/>
-              </a:rPr>
-              <a:t>Analyse Covid data (demo)</a:t>
-            </a:r>
-            <a:endParaRPr lang="en-GB" sz="1600" b="0" strike="noStrike" spc="-1">
-              <a:latin typeface="Arial"/>
-            </a:endParaRPr>
-          </a:p>
-          <a:p>
-            <a:pPr marL="457200" lvl="1" indent="-215640">
-              <a:lnSpc>
-                <a:spcPct val="100000"/>
-              </a:lnSpc>
-              <a:spcBef>
-                <a:spcPts val="320"/>
-              </a:spcBef>
-              <a:spcAft>
-                <a:spcPts val="544"/>
-              </a:spcAft>
-              <a:buClr>
-                <a:srgbClr val="000000"/>
-              </a:buClr>
-              <a:buSzPct val="80000"/>
-              <a:buFont typeface="Wingdings 3" charset="2"/>
-              <a:buChar char=""/>
-            </a:pPr>
-            <a:r>
-              <a:rPr lang="en-US" sz="1600" b="0" strike="noStrike" spc="-1">
-                <a:solidFill>
-                  <a:srgbClr val="000000"/>
-                </a:solidFill>
-                <a:latin typeface="Calibri"/>
-                <a:ea typeface="DejaVu Sans"/>
-              </a:rPr>
-              <a:t>Practical (breakout rooms)</a:t>
-            </a:r>
-            <a:endParaRPr lang="en-GB" sz="1600" b="0" strike="noStrike" spc="-1">
-              <a:latin typeface="Arial"/>
-            </a:endParaRPr>
-          </a:p>
-          <a:p>
-            <a:pPr marL="914400" lvl="2" indent="-215280">
-              <a:lnSpc>
-                <a:spcPct val="100000"/>
-              </a:lnSpc>
-              <a:spcBef>
-                <a:spcPts val="320"/>
-              </a:spcBef>
-              <a:spcAft>
-                <a:spcPts val="544"/>
-              </a:spcAft>
-              <a:buClr>
-                <a:srgbClr val="000000"/>
-              </a:buClr>
-              <a:buSzPct val="80000"/>
-              <a:buFont typeface="Wingdings 3" charset="2"/>
-              <a:buChar char=""/>
-            </a:pPr>
-            <a:r>
-              <a:rPr lang="en-US" sz="1600" b="0" strike="noStrike" spc="-1">
-                <a:solidFill>
-                  <a:srgbClr val="000000"/>
-                </a:solidFill>
-                <a:latin typeface="Calibri"/>
-                <a:ea typeface="DejaVu Sans"/>
-              </a:rPr>
-              <a:t>Covid data</a:t>
-            </a:r>
-            <a:endParaRPr lang="en-GB" sz="1600" b="0" strike="noStrike" spc="-1">
-              <a:latin typeface="Arial"/>
-            </a:endParaRPr>
-          </a:p>
-          <a:p>
-            <a:pPr marL="914400" lvl="2" indent="-215280">
-              <a:lnSpc>
-                <a:spcPct val="100000"/>
-              </a:lnSpc>
-              <a:spcBef>
-                <a:spcPts val="320"/>
-              </a:spcBef>
-              <a:spcAft>
-                <a:spcPts val="544"/>
-              </a:spcAft>
-              <a:buClr>
-                <a:srgbClr val="000000"/>
-              </a:buClr>
-              <a:buSzPct val="80000"/>
-              <a:buFont typeface="Wingdings 3" charset="2"/>
-              <a:buChar char=""/>
-            </a:pPr>
-            <a:r>
-              <a:rPr lang="en-US" sz="1600" b="0" strike="noStrike" spc="-1">
-                <a:solidFill>
-                  <a:srgbClr val="000000"/>
-                </a:solidFill>
-                <a:latin typeface="Calibri"/>
-                <a:ea typeface="DejaVu Sans"/>
-              </a:rPr>
-              <a:t>Wet-lab Covid-vaccine data</a:t>
-            </a:r>
-            <a:endParaRPr lang="en-GB" sz="1600" b="0" strike="noStrike" spc="-1">
-              <a:latin typeface="Arial"/>
-            </a:endParaRPr>
-          </a:p>
-          <a:p>
-            <a:pPr marL="457200" lvl="1" indent="-215280">
-              <a:lnSpc>
-                <a:spcPct val="100000"/>
-              </a:lnSpc>
-              <a:spcBef>
-                <a:spcPts val="320"/>
-              </a:spcBef>
-              <a:spcAft>
-                <a:spcPts val="544"/>
-              </a:spcAft>
-              <a:buClr>
-                <a:srgbClr val="000000"/>
-              </a:buClr>
-              <a:buSzPct val="80000"/>
-              <a:buFont typeface="Wingdings 3" charset="2"/>
-              <a:buChar char=""/>
-            </a:pPr>
-            <a:r>
-              <a:rPr lang="en-US" sz="1600" b="0" strike="noStrike" spc="-1">
-                <a:solidFill>
-                  <a:srgbClr val="000000"/>
-                </a:solidFill>
-                <a:latin typeface="Calibri"/>
-                <a:ea typeface="DejaVu Sans"/>
-              </a:rPr>
-              <a:t>Loop functions</a:t>
-            </a:r>
-            <a:endParaRPr lang="en-GB" sz="1600" b="0" strike="noStrike" spc="-1">
+              <a:t>2024</a:t>
+            </a:r>
+            <a:endParaRPr lang="en-GB" sz="3200" b="0" strike="noStrike" spc="-1" dirty="0">
               <a:latin typeface="Arial"/>
             </a:endParaRPr>
           </a:p>
@@ -15572,6 +15330,624 @@
 </file>
 
 <file path=ppt/slides/slide20.xml><?xml version="1.0" encoding="utf-8"?>
+<p:sld xmlns:a="http://schemas.openxmlformats.org/drawingml/2006/main" xmlns:r="http://schemas.openxmlformats.org/officeDocument/2006/relationships" xmlns:p="http://schemas.openxmlformats.org/presentationml/2006/main">
+  <p:cSld>
+    <p:spTree>
+      <p:nvGrpSpPr>
+        <p:cNvPr id="1" name=""/>
+        <p:cNvGrpSpPr/>
+        <p:nvPr/>
+      </p:nvGrpSpPr>
+      <p:grpSpPr>
+        <a:xfrm>
+          <a:off x="0" y="0"/>
+          <a:ext cx="0" cy="0"/>
+          <a:chOff x="0" y="0"/>
+          <a:chExt cx="0" cy="0"/>
+        </a:xfrm>
+      </p:grpSpPr>
+      <p:sp>
+        <p:nvSpPr>
+          <p:cNvPr id="370" name="CustomShape 1"/>
+          <p:cNvSpPr/>
+          <p:nvPr/>
+        </p:nvSpPr>
+        <p:spPr>
+          <a:xfrm>
+            <a:off x="457200" y="274680"/>
+            <a:ext cx="8228520" cy="1141920"/>
+          </a:xfrm>
+          <a:prstGeom prst="rect">
+            <a:avLst/>
+          </a:prstGeom>
+          <a:noFill/>
+          <a:ln>
+            <a:noFill/>
+          </a:ln>
+        </p:spPr>
+        <p:style>
+          <a:lnRef idx="0">
+            <a:scrgbClr r="0" g="0" b="0"/>
+          </a:lnRef>
+          <a:fillRef idx="0">
+            <a:scrgbClr r="0" g="0" b="0"/>
+          </a:fillRef>
+          <a:effectRef idx="0">
+            <a:scrgbClr r="0" g="0" b="0"/>
+          </a:effectRef>
+          <a:fontRef idx="minor"/>
+        </p:style>
+        <p:txBody>
+          <a:bodyPr lIns="90000" tIns="45000" rIns="90000" bIns="45000" anchor="ctr">
+            <a:noAutofit/>
+          </a:bodyPr>
+          <a:lstStyle/>
+          <a:p>
+            <a:pPr algn="ctr">
+              <a:lnSpc>
+                <a:spcPct val="100000"/>
+              </a:lnSpc>
+            </a:pPr>
+            <a:r>
+              <a:rPr lang="en-GB" sz="4400" b="1" strike="noStrike" spc="-1">
+                <a:solidFill>
+                  <a:srgbClr val="000000"/>
+                </a:solidFill>
+                <a:latin typeface="Calibri"/>
+                <a:ea typeface="DejaVu Sans"/>
+              </a:rPr>
+              <a:t>Data to explore - MSD</a:t>
+            </a:r>
+            <a:endParaRPr lang="en-GB" sz="4400" b="0" strike="noStrike" spc="-1">
+              <a:latin typeface="Arial"/>
+            </a:endParaRPr>
+          </a:p>
+        </p:txBody>
+      </p:sp>
+      <p:pic>
+        <p:nvPicPr>
+          <p:cNvPr id="371" name="Picture 4" descr="Chart, box and whisker chart&#10;&#10;Description automatically generated"/>
+          <p:cNvPicPr/>
+          <p:nvPr/>
+        </p:nvPicPr>
+        <p:blipFill>
+          <a:blip r:embed="rId2"/>
+          <a:stretch/>
+        </p:blipFill>
+        <p:spPr>
+          <a:xfrm>
+            <a:off x="1180440" y="1298880"/>
+            <a:ext cx="6695640" cy="3938040"/>
+          </a:xfrm>
+          <a:prstGeom prst="rect">
+            <a:avLst/>
+          </a:prstGeom>
+          <a:ln>
+            <a:noFill/>
+          </a:ln>
+        </p:spPr>
+      </p:pic>
+      <p:sp>
+        <p:nvSpPr>
+          <p:cNvPr id="372" name="CustomShape 2"/>
+          <p:cNvSpPr/>
+          <p:nvPr/>
+        </p:nvSpPr>
+        <p:spPr>
+          <a:xfrm>
+            <a:off x="201960" y="5470920"/>
+            <a:ext cx="8942400" cy="1368720"/>
+          </a:xfrm>
+          <a:prstGeom prst="rect">
+            <a:avLst/>
+          </a:prstGeom>
+          <a:noFill/>
+          <a:ln>
+            <a:noFill/>
+          </a:ln>
+        </p:spPr>
+        <p:style>
+          <a:lnRef idx="0">
+            <a:scrgbClr r="0" g="0" b="0"/>
+          </a:lnRef>
+          <a:fillRef idx="0">
+            <a:scrgbClr r="0" g="0" b="0"/>
+          </a:fillRef>
+          <a:effectRef idx="0">
+            <a:scrgbClr r="0" g="0" b="0"/>
+          </a:effectRef>
+          <a:fontRef idx="minor"/>
+        </p:style>
+        <p:txBody>
+          <a:bodyPr lIns="90000" tIns="45000" rIns="90000" bIns="45000">
+            <a:spAutoFit/>
+          </a:bodyPr>
+          <a:lstStyle/>
+          <a:p>
+            <a:pPr>
+              <a:lnSpc>
+                <a:spcPct val="100000"/>
+              </a:lnSpc>
+            </a:pPr>
+            <a:r>
+              <a:rPr lang="en-GB" sz="1400" b="0" strike="noStrike" spc="-1">
+                <a:solidFill>
+                  <a:srgbClr val="000000"/>
+                </a:solidFill>
+                <a:latin typeface="Calibri"/>
+                <a:ea typeface="Calibri"/>
+              </a:rPr>
+              <a:t>A multiplex cytokine analysis was performed on day 7 after vaccination using supernatants after antigen-specific stimulation of PBMCs from ChAdOx1 nCov-19 (red) and MenACWY (blue). Number of samples presented: MenACWY–ChAdOx1 nCov-19: IFN-γ (</a:t>
+            </a:r>
+            <a:r>
+              <a:rPr lang="en-GB" sz="1400" b="0" i="1" strike="noStrike" spc="-1">
+                <a:solidFill>
+                  <a:srgbClr val="000000"/>
+                </a:solidFill>
+                <a:latin typeface="Calibri"/>
+                <a:ea typeface="Calibri"/>
+              </a:rPr>
+              <a:t>n</a:t>
+            </a:r>
+            <a:r>
+              <a:rPr lang="en-GB" sz="1400" b="0" strike="noStrike" spc="-1">
+                <a:solidFill>
+                  <a:srgbClr val="000000"/>
+                </a:solidFill>
+                <a:latin typeface="Calibri"/>
+                <a:ea typeface="Calibri"/>
+              </a:rPr>
+              <a:t> = 40,40); IL-2 (</a:t>
+            </a:r>
+            <a:r>
+              <a:rPr lang="en-GB" sz="1400" b="0" i="1" strike="noStrike" spc="-1">
+                <a:solidFill>
+                  <a:srgbClr val="000000"/>
+                </a:solidFill>
+                <a:latin typeface="Calibri"/>
+                <a:ea typeface="Calibri"/>
+              </a:rPr>
+              <a:t>n</a:t>
+            </a:r>
+            <a:r>
+              <a:rPr lang="en-GB" sz="1400" b="0" strike="noStrike" spc="-1">
+                <a:solidFill>
+                  <a:srgbClr val="000000"/>
+                </a:solidFill>
+                <a:latin typeface="Calibri"/>
+                <a:ea typeface="Calibri"/>
+              </a:rPr>
+              <a:t> = 42,42); TNF-α (</a:t>
+            </a:r>
+            <a:r>
+              <a:rPr lang="en-GB" sz="1400" b="0" i="1" strike="noStrike" spc="-1">
+                <a:solidFill>
+                  <a:srgbClr val="000000"/>
+                </a:solidFill>
+                <a:latin typeface="Calibri"/>
+                <a:ea typeface="Calibri"/>
+              </a:rPr>
+              <a:t>n</a:t>
+            </a:r>
+            <a:r>
+              <a:rPr lang="en-GB" sz="1400" b="0" strike="noStrike" spc="-1">
+                <a:solidFill>
+                  <a:srgbClr val="000000"/>
+                </a:solidFill>
+                <a:latin typeface="Calibri"/>
+                <a:ea typeface="Calibri"/>
+              </a:rPr>
+              <a:t> = 40,41); IL-1β (</a:t>
+            </a:r>
+            <a:r>
+              <a:rPr lang="en-GB" sz="1400" b="0" i="1" strike="noStrike" spc="-1">
+                <a:solidFill>
+                  <a:srgbClr val="000000"/>
+                </a:solidFill>
+                <a:latin typeface="Calibri"/>
+                <a:ea typeface="Calibri"/>
+              </a:rPr>
+              <a:t>n</a:t>
+            </a:r>
+            <a:r>
+              <a:rPr lang="en-GB" sz="1400" b="0" strike="noStrike" spc="-1">
+                <a:solidFill>
+                  <a:srgbClr val="000000"/>
+                </a:solidFill>
+                <a:latin typeface="Calibri"/>
+                <a:ea typeface="Calibri"/>
+              </a:rPr>
+              <a:t> = 41,42); IL-12p70 (</a:t>
+            </a:r>
+            <a:r>
+              <a:rPr lang="en-GB" sz="1400" b="0" i="1" strike="noStrike" spc="-1">
+                <a:solidFill>
+                  <a:srgbClr val="000000"/>
+                </a:solidFill>
+                <a:latin typeface="Calibri"/>
+                <a:ea typeface="Calibri"/>
+              </a:rPr>
+              <a:t>n</a:t>
+            </a:r>
+            <a:r>
+              <a:rPr lang="en-GB" sz="1400" b="0" strike="noStrike" spc="-1">
+                <a:solidFill>
+                  <a:srgbClr val="000000"/>
+                </a:solidFill>
+                <a:latin typeface="Calibri"/>
+                <a:ea typeface="Calibri"/>
+              </a:rPr>
+              <a:t> = 38,28); IL-4 (</a:t>
+            </a:r>
+            <a:r>
+              <a:rPr lang="en-GB" sz="1400" b="0" i="1" strike="noStrike" spc="-1">
+                <a:solidFill>
+                  <a:srgbClr val="000000"/>
+                </a:solidFill>
+                <a:latin typeface="Calibri"/>
+                <a:ea typeface="Calibri"/>
+              </a:rPr>
+              <a:t>n</a:t>
+            </a:r>
+            <a:r>
+              <a:rPr lang="en-GB" sz="1400" b="0" strike="noStrike" spc="-1">
+                <a:solidFill>
+                  <a:srgbClr val="000000"/>
+                </a:solidFill>
+                <a:latin typeface="Calibri"/>
+                <a:ea typeface="Calibri"/>
+              </a:rPr>
+              <a:t> = 38,38); IL-10 (</a:t>
+            </a:r>
+            <a:r>
+              <a:rPr lang="en-GB" sz="1400" b="0" i="1" strike="noStrike" spc="-1">
+                <a:solidFill>
+                  <a:srgbClr val="000000"/>
+                </a:solidFill>
+                <a:latin typeface="Calibri"/>
+                <a:ea typeface="Calibri"/>
+              </a:rPr>
+              <a:t>n</a:t>
+            </a:r>
+            <a:r>
+              <a:rPr lang="en-GB" sz="1400" b="0" strike="noStrike" spc="-1">
+                <a:solidFill>
+                  <a:srgbClr val="000000"/>
+                </a:solidFill>
+                <a:latin typeface="Calibri"/>
+                <a:ea typeface="Calibri"/>
+              </a:rPr>
+              <a:t> = 41,39); IL-13 (</a:t>
+            </a:r>
+            <a:r>
+              <a:rPr lang="en-GB" sz="1400" b="0" i="1" strike="noStrike" spc="-1">
+                <a:solidFill>
+                  <a:srgbClr val="000000"/>
+                </a:solidFill>
+                <a:latin typeface="Calibri"/>
+                <a:ea typeface="Calibri"/>
+              </a:rPr>
+              <a:t>n</a:t>
+            </a:r>
+            <a:r>
+              <a:rPr lang="en-GB" sz="1400" b="0" strike="noStrike" spc="-1">
+                <a:solidFill>
+                  <a:srgbClr val="000000"/>
+                </a:solidFill>
+                <a:latin typeface="Calibri"/>
+                <a:ea typeface="Calibri"/>
+              </a:rPr>
+              <a:t> = 31,36); and IL-8 (</a:t>
+            </a:r>
+            <a:r>
+              <a:rPr lang="en-GB" sz="1400" b="0" i="1" strike="noStrike" spc="-1">
+                <a:solidFill>
+                  <a:srgbClr val="000000"/>
+                </a:solidFill>
+                <a:latin typeface="Calibri"/>
+                <a:ea typeface="Calibri"/>
+              </a:rPr>
+              <a:t>n</a:t>
+            </a:r>
+            <a:r>
+              <a:rPr lang="en-GB" sz="1400" b="0" strike="noStrike" spc="-1">
+                <a:solidFill>
+                  <a:srgbClr val="000000"/>
+                </a:solidFill>
+                <a:latin typeface="Calibri"/>
+                <a:ea typeface="Calibri"/>
+              </a:rPr>
+              <a:t> = 42,41). Individual data points are shown here as an aligned dot plot with lines showing the median with IQR. Significant differences were determined by two-tailed Mann–Whitney test with Bonferroni correction for multiple comparisons (***</a:t>
+            </a:r>
+            <a:r>
+              <a:rPr lang="en-GB" sz="1400" b="0" i="1" strike="noStrike" spc="-1">
+                <a:solidFill>
+                  <a:srgbClr val="000000"/>
+                </a:solidFill>
+                <a:latin typeface="Calibri"/>
+                <a:ea typeface="Calibri"/>
+              </a:rPr>
+              <a:t>P</a:t>
+            </a:r>
+            <a:r>
+              <a:rPr lang="en-GB" sz="1400" b="0" strike="noStrike" spc="-1">
+                <a:solidFill>
+                  <a:srgbClr val="000000"/>
+                </a:solidFill>
+                <a:latin typeface="Calibri"/>
+                <a:ea typeface="Calibri"/>
+              </a:rPr>
+              <a:t> &lt; 0.001; **</a:t>
+            </a:r>
+            <a:r>
+              <a:rPr lang="en-GB" sz="1400" b="0" i="1" strike="noStrike" spc="-1">
+                <a:solidFill>
+                  <a:srgbClr val="000000"/>
+                </a:solidFill>
+                <a:latin typeface="Calibri"/>
+                <a:ea typeface="Calibri"/>
+              </a:rPr>
+              <a:t>P</a:t>
+            </a:r>
+            <a:r>
+              <a:rPr lang="en-GB" sz="1400" b="0" strike="noStrike" spc="-1">
+                <a:solidFill>
+                  <a:srgbClr val="000000"/>
+                </a:solidFill>
+                <a:latin typeface="Calibri"/>
+                <a:ea typeface="Calibri"/>
+              </a:rPr>
+              <a:t> &lt; 0.01; *</a:t>
+            </a:r>
+            <a:r>
+              <a:rPr lang="en-GB" sz="1400" b="0" i="1" strike="noStrike" spc="-1">
+                <a:solidFill>
+                  <a:srgbClr val="000000"/>
+                </a:solidFill>
+                <a:latin typeface="Calibri"/>
+                <a:ea typeface="Calibri"/>
+              </a:rPr>
+              <a:t>P</a:t>
+            </a:r>
+            <a:r>
+              <a:rPr lang="en-GB" sz="1400" b="0" strike="noStrike" spc="-1">
+                <a:solidFill>
+                  <a:srgbClr val="000000"/>
+                </a:solidFill>
+                <a:latin typeface="Calibri"/>
+                <a:ea typeface="Calibri"/>
+              </a:rPr>
+              <a:t> &lt; 0.05).</a:t>
+            </a:r>
+            <a:endParaRPr lang="en-GB" sz="1400" b="0" strike="noStrike" spc="-1">
+              <a:latin typeface="Arial"/>
+            </a:endParaRPr>
+          </a:p>
+        </p:txBody>
+      </p:sp>
+      <p:sp>
+        <p:nvSpPr>
+          <p:cNvPr id="373" name="CustomShape 3"/>
+          <p:cNvSpPr/>
+          <p:nvPr/>
+        </p:nvSpPr>
+        <p:spPr>
+          <a:xfrm>
+            <a:off x="2003040" y="1361160"/>
+            <a:ext cx="615960" cy="3951000"/>
+          </a:xfrm>
+          <a:prstGeom prst="rect">
+            <a:avLst/>
+          </a:prstGeom>
+          <a:noFill/>
+          <a:ln>
+            <a:round/>
+          </a:ln>
+        </p:spPr>
+        <p:style>
+          <a:lnRef idx="2">
+            <a:schemeClr val="accent2"/>
+          </a:lnRef>
+          <a:fillRef idx="1">
+            <a:schemeClr val="lt1"/>
+          </a:fillRef>
+          <a:effectRef idx="0">
+            <a:schemeClr val="accent2"/>
+          </a:effectRef>
+          <a:fontRef idx="minor"/>
+        </p:style>
+        <p:txBody>
+          <a:bodyPr/>
+          <a:lstStyle/>
+          <a:p>
+            <a:endParaRPr lang="en-US"/>
+          </a:p>
+        </p:txBody>
+      </p:sp>
+      <p:sp>
+        <p:nvSpPr>
+          <p:cNvPr id="374" name="CustomShape 4"/>
+          <p:cNvSpPr/>
+          <p:nvPr/>
+        </p:nvSpPr>
+        <p:spPr>
+          <a:xfrm>
+            <a:off x="2621520" y="1361160"/>
+            <a:ext cx="615960" cy="3951000"/>
+          </a:xfrm>
+          <a:prstGeom prst="rect">
+            <a:avLst/>
+          </a:prstGeom>
+          <a:noFill/>
+          <a:ln>
+            <a:round/>
+          </a:ln>
+        </p:spPr>
+        <p:style>
+          <a:lnRef idx="2">
+            <a:schemeClr val="accent2"/>
+          </a:lnRef>
+          <a:fillRef idx="1">
+            <a:schemeClr val="lt1"/>
+          </a:fillRef>
+          <a:effectRef idx="0">
+            <a:schemeClr val="accent2"/>
+          </a:effectRef>
+          <a:fontRef idx="minor"/>
+        </p:style>
+        <p:txBody>
+          <a:bodyPr/>
+          <a:lstStyle/>
+          <a:p>
+            <a:endParaRPr lang="en-US"/>
+          </a:p>
+        </p:txBody>
+      </p:sp>
+      <p:sp>
+        <p:nvSpPr>
+          <p:cNvPr id="375" name="CustomShape 5"/>
+          <p:cNvSpPr/>
+          <p:nvPr/>
+        </p:nvSpPr>
+        <p:spPr>
+          <a:xfrm>
+            <a:off x="3960360" y="1361160"/>
+            <a:ext cx="615960" cy="3951000"/>
+          </a:xfrm>
+          <a:prstGeom prst="rect">
+            <a:avLst/>
+          </a:prstGeom>
+          <a:noFill/>
+          <a:ln>
+            <a:round/>
+          </a:ln>
+        </p:spPr>
+        <p:style>
+          <a:lnRef idx="2">
+            <a:schemeClr val="accent2"/>
+          </a:lnRef>
+          <a:fillRef idx="1">
+            <a:schemeClr val="lt1"/>
+          </a:fillRef>
+          <a:effectRef idx="0">
+            <a:schemeClr val="accent2"/>
+          </a:effectRef>
+          <a:fontRef idx="minor"/>
+        </p:style>
+        <p:txBody>
+          <a:bodyPr/>
+          <a:lstStyle/>
+          <a:p>
+            <a:endParaRPr lang="en-US"/>
+          </a:p>
+        </p:txBody>
+      </p:sp>
+      <p:sp>
+        <p:nvSpPr>
+          <p:cNvPr id="376" name="CustomShape 6"/>
+          <p:cNvSpPr/>
+          <p:nvPr/>
+        </p:nvSpPr>
+        <p:spPr>
+          <a:xfrm>
+            <a:off x="5933160" y="1361160"/>
+            <a:ext cx="615960" cy="3951000"/>
+          </a:xfrm>
+          <a:prstGeom prst="rect">
+            <a:avLst/>
+          </a:prstGeom>
+          <a:noFill/>
+          <a:ln>
+            <a:round/>
+          </a:ln>
+        </p:spPr>
+        <p:style>
+          <a:lnRef idx="2">
+            <a:schemeClr val="accent2"/>
+          </a:lnRef>
+          <a:fillRef idx="1">
+            <a:schemeClr val="lt1"/>
+          </a:fillRef>
+          <a:effectRef idx="0">
+            <a:schemeClr val="accent2"/>
+          </a:effectRef>
+          <a:fontRef idx="minor"/>
+        </p:style>
+        <p:txBody>
+          <a:bodyPr/>
+          <a:lstStyle/>
+          <a:p>
+            <a:endParaRPr lang="en-US"/>
+          </a:p>
+        </p:txBody>
+      </p:sp>
+      <p:sp>
+        <p:nvSpPr>
+          <p:cNvPr id="377" name="CustomShape 7"/>
+          <p:cNvSpPr/>
+          <p:nvPr/>
+        </p:nvSpPr>
+        <p:spPr>
+          <a:xfrm>
+            <a:off x="499320" y="1282320"/>
+            <a:ext cx="2742120" cy="364320"/>
+          </a:xfrm>
+          <a:prstGeom prst="rect">
+            <a:avLst/>
+          </a:prstGeom>
+          <a:noFill/>
+          <a:ln>
+            <a:noFill/>
+          </a:ln>
+        </p:spPr>
+        <p:style>
+          <a:lnRef idx="0">
+            <a:scrgbClr r="0" g="0" b="0"/>
+          </a:lnRef>
+          <a:fillRef idx="0">
+            <a:scrgbClr r="0" g="0" b="0"/>
+          </a:fillRef>
+          <a:effectRef idx="0">
+            <a:scrgbClr r="0" g="0" b="0"/>
+          </a:effectRef>
+          <a:fontRef idx="minor"/>
+        </p:style>
+        <p:txBody>
+          <a:bodyPr lIns="90000" tIns="45000" rIns="90000" bIns="45000">
+            <a:spAutoFit/>
+          </a:bodyPr>
+          <a:lstStyle/>
+          <a:p>
+            <a:pPr>
+              <a:lnSpc>
+                <a:spcPct val="100000"/>
+              </a:lnSpc>
+            </a:pPr>
+            <a:r>
+              <a:rPr lang="en-GB" sz="1800" b="0" strike="noStrike" spc="-1">
+                <a:solidFill>
+                  <a:srgbClr val="000000"/>
+                </a:solidFill>
+                <a:latin typeface="Calibri"/>
+                <a:ea typeface="DejaVu Sans"/>
+              </a:rPr>
+              <a:t>Fig.1</a:t>
+            </a:r>
+            <a:endParaRPr lang="en-GB" sz="1800" b="0" strike="noStrike" spc="-1">
+              <a:latin typeface="Arial"/>
+            </a:endParaRPr>
+          </a:p>
+        </p:txBody>
+      </p:sp>
+    </p:spTree>
+  </p:cSld>
+  <p:clrMapOvr>
+    <a:masterClrMapping/>
+  </p:clrMapOvr>
+</p:sld>
+</file>
+
+<file path=ppt/slides/slide21.xml><?xml version="1.0" encoding="utf-8"?>
 <p:sld xmlns:a="http://schemas.openxmlformats.org/drawingml/2006/main" xmlns:r="http://schemas.openxmlformats.org/officeDocument/2006/relationships" xmlns:p="http://schemas.openxmlformats.org/presentationml/2006/main">
   <p:cSld>
     <p:bg>
@@ -16196,593 +16572,6 @@
 </p:sld>
 </file>
 
-<file path=ppt/slides/slide21.xml><?xml version="1.0" encoding="utf-8"?>
-<p:sld xmlns:a="http://schemas.openxmlformats.org/drawingml/2006/main" xmlns:r="http://schemas.openxmlformats.org/officeDocument/2006/relationships" xmlns:p="http://schemas.openxmlformats.org/presentationml/2006/main">
-  <p:cSld>
-    <p:spTree>
-      <p:nvGrpSpPr>
-        <p:cNvPr id="1" name=""/>
-        <p:cNvGrpSpPr/>
-        <p:nvPr/>
-      </p:nvGrpSpPr>
-      <p:grpSpPr>
-        <a:xfrm>
-          <a:off x="0" y="0"/>
-          <a:ext cx="0" cy="0"/>
-          <a:chOff x="0" y="0"/>
-          <a:chExt cx="0" cy="0"/>
-        </a:xfrm>
-      </p:grpSpPr>
-      <p:sp>
-        <p:nvSpPr>
-          <p:cNvPr id="383" name="CustomShape 1"/>
-          <p:cNvSpPr/>
-          <p:nvPr/>
-        </p:nvSpPr>
-        <p:spPr>
-          <a:xfrm>
-            <a:off x="457200" y="684000"/>
-            <a:ext cx="8227800" cy="1143720"/>
-          </a:xfrm>
-          <a:prstGeom prst="rect">
-            <a:avLst/>
-          </a:prstGeom>
-          <a:noFill/>
-          <a:ln>
-            <a:noFill/>
-          </a:ln>
-        </p:spPr>
-        <p:style>
-          <a:lnRef idx="0">
-            <a:scrgbClr r="0" g="0" b="0"/>
-          </a:lnRef>
-          <a:fillRef idx="0">
-            <a:scrgbClr r="0" g="0" b="0"/>
-          </a:fillRef>
-          <a:effectRef idx="0">
-            <a:scrgbClr r="0" g="0" b="0"/>
-          </a:effectRef>
-          <a:fontRef idx="minor"/>
-        </p:style>
-        <p:txBody>
-          <a:bodyPr lIns="0" tIns="0" rIns="0" bIns="0" anchor="ctr">
-            <a:noAutofit/>
-          </a:bodyPr>
-          <a:lstStyle/>
-          <a:p>
-            <a:pPr algn="ctr">
-              <a:lnSpc>
-                <a:spcPct val="100000"/>
-              </a:lnSpc>
-            </a:pPr>
-            <a:r>
-              <a:rPr lang="en-GB" sz="4400" b="1" strike="noStrike" spc="-1">
-                <a:solidFill>
-                  <a:srgbClr val="000000"/>
-                </a:solidFill>
-                <a:latin typeface="Calibri"/>
-                <a:ea typeface="DejaVu Sans"/>
-              </a:rPr>
-              <a:t>Loop functions</a:t>
-            </a:r>
-            <a:endParaRPr lang="en-GB" sz="4400" b="0" strike="noStrike" spc="-1">
-              <a:latin typeface="Arial"/>
-            </a:endParaRPr>
-          </a:p>
-        </p:txBody>
-      </p:sp>
-      <p:sp>
-        <p:nvSpPr>
-          <p:cNvPr id="384" name="CustomShape 2"/>
-          <p:cNvSpPr/>
-          <p:nvPr/>
-        </p:nvSpPr>
-        <p:spPr>
-          <a:xfrm>
-            <a:off x="457200" y="1759320"/>
-            <a:ext cx="8227800" cy="1762560"/>
-          </a:xfrm>
-          <a:prstGeom prst="rect">
-            <a:avLst/>
-          </a:prstGeom>
-          <a:noFill/>
-          <a:ln>
-            <a:noFill/>
-          </a:ln>
-        </p:spPr>
-        <p:style>
-          <a:lnRef idx="0">
-            <a:scrgbClr r="0" g="0" b="0"/>
-          </a:lnRef>
-          <a:fillRef idx="0">
-            <a:scrgbClr r="0" g="0" b="0"/>
-          </a:fillRef>
-          <a:effectRef idx="0">
-            <a:scrgbClr r="0" g="0" b="0"/>
-          </a:effectRef>
-          <a:fontRef idx="minor"/>
-        </p:style>
-        <p:txBody>
-          <a:bodyPr lIns="0" tIns="0" rIns="0" bIns="0">
-            <a:normAutofit fontScale="77000"/>
-          </a:bodyPr>
-          <a:lstStyle/>
-          <a:p>
-            <a:pPr marL="343080" indent="-342000">
-              <a:lnSpc>
-                <a:spcPct val="100000"/>
-              </a:lnSpc>
-              <a:spcBef>
-                <a:spcPts val="437"/>
-              </a:spcBef>
-              <a:buClr>
-                <a:srgbClr val="000000"/>
-              </a:buClr>
-              <a:buFont typeface="Arial"/>
-              <a:buChar char="•"/>
-            </a:pPr>
-            <a:r>
-              <a:rPr lang="en-GB" sz="2180" b="0" strike="noStrike" spc="-1">
-                <a:solidFill>
-                  <a:srgbClr val="000000"/>
-                </a:solidFill>
-                <a:latin typeface="Courier New"/>
-                <a:ea typeface="DejaVu Sans"/>
-              </a:rPr>
-              <a:t>lapply() </a:t>
-            </a:r>
-            <a:r>
-              <a:rPr lang="en-GB" sz="2180" b="0" strike="noStrike" spc="-1">
-                <a:solidFill>
-                  <a:srgbClr val="000000"/>
-                </a:solidFill>
-                <a:latin typeface="Calibri"/>
-                <a:ea typeface="DejaVu Sans"/>
-              </a:rPr>
-              <a:t>– perform an action on each element of a vector: returns list</a:t>
-            </a:r>
-            <a:endParaRPr lang="en-GB" sz="2180" b="0" strike="noStrike" spc="-1">
-              <a:latin typeface="Arial"/>
-            </a:endParaRPr>
-          </a:p>
-          <a:p>
-            <a:pPr marL="343080" indent="-342000">
-              <a:lnSpc>
-                <a:spcPct val="100000"/>
-              </a:lnSpc>
-              <a:spcBef>
-                <a:spcPts val="439"/>
-              </a:spcBef>
-              <a:buClr>
-                <a:srgbClr val="000000"/>
-              </a:buClr>
-              <a:buFont typeface="Arial"/>
-              <a:buChar char="•"/>
-            </a:pPr>
-            <a:r>
-              <a:rPr lang="en-GB" sz="2200" b="0" strike="noStrike" spc="-1">
-                <a:solidFill>
-                  <a:srgbClr val="000000"/>
-                </a:solidFill>
-                <a:latin typeface="Courier New"/>
-                <a:ea typeface="DejaVu Sans"/>
-              </a:rPr>
-              <a:t>sapply() </a:t>
-            </a:r>
-            <a:r>
-              <a:rPr lang="en-GB" sz="2180" b="0" strike="noStrike" spc="-1">
-                <a:solidFill>
-                  <a:srgbClr val="000000"/>
-                </a:solidFill>
-                <a:latin typeface="Calibri"/>
-                <a:ea typeface="DejaVu Sans"/>
-              </a:rPr>
-              <a:t>– as above, returns a simplified object (variable)</a:t>
-            </a:r>
-            <a:endParaRPr lang="en-GB" sz="2180" b="0" strike="noStrike" spc="-1">
-              <a:latin typeface="Arial"/>
-            </a:endParaRPr>
-          </a:p>
-          <a:p>
-            <a:pPr marL="343080" indent="-342000">
-              <a:lnSpc>
-                <a:spcPct val="100000"/>
-              </a:lnSpc>
-              <a:spcBef>
-                <a:spcPts val="439"/>
-              </a:spcBef>
-              <a:buClr>
-                <a:srgbClr val="000000"/>
-              </a:buClr>
-              <a:buFont typeface="Arial"/>
-              <a:buChar char="•"/>
-            </a:pPr>
-            <a:r>
-              <a:rPr lang="en-GB" sz="2200" b="0" strike="noStrike" spc="-1">
-                <a:solidFill>
-                  <a:srgbClr val="000000"/>
-                </a:solidFill>
-                <a:latin typeface="Courier New"/>
-                <a:ea typeface="DejaVu Sans"/>
-              </a:rPr>
-              <a:t>apply() </a:t>
-            </a:r>
-            <a:r>
-              <a:rPr lang="en-GB" sz="2180" b="0" strike="noStrike" spc="-1">
-                <a:solidFill>
-                  <a:srgbClr val="000000"/>
-                </a:solidFill>
-                <a:latin typeface="Calibri"/>
-                <a:ea typeface="DejaVu Sans"/>
-              </a:rPr>
-              <a:t>– loop over rows or columns of a matrix or df</a:t>
-            </a:r>
-            <a:endParaRPr lang="en-GB" sz="2180" b="0" strike="noStrike" spc="-1">
-              <a:latin typeface="Arial"/>
-            </a:endParaRPr>
-          </a:p>
-          <a:p>
-            <a:pPr marL="343080" indent="-342000">
-              <a:lnSpc>
-                <a:spcPct val="100000"/>
-              </a:lnSpc>
-              <a:spcBef>
-                <a:spcPts val="439"/>
-              </a:spcBef>
-              <a:buClr>
-                <a:srgbClr val="000000"/>
-              </a:buClr>
-              <a:buFont typeface="Arial"/>
-              <a:buChar char="•"/>
-            </a:pPr>
-            <a:r>
-              <a:rPr lang="en-GB" sz="2200" b="0" strike="noStrike" spc="-1">
-                <a:solidFill>
-                  <a:srgbClr val="000000"/>
-                </a:solidFill>
-                <a:latin typeface="Courier New"/>
-                <a:ea typeface="DejaVu Sans"/>
-              </a:rPr>
-              <a:t>tapply() </a:t>
-            </a:r>
-            <a:r>
-              <a:rPr lang="en-GB" sz="2180" b="0" strike="noStrike" spc="-1">
-                <a:solidFill>
-                  <a:srgbClr val="000000"/>
-                </a:solidFill>
-                <a:latin typeface="Calibri"/>
-                <a:ea typeface="DejaVu Sans"/>
-              </a:rPr>
-              <a:t>– loop over a vector, split based on a factor</a:t>
-            </a:r>
-            <a:endParaRPr lang="en-GB" sz="2180" b="0" strike="noStrike" spc="-1">
-              <a:latin typeface="Arial"/>
-            </a:endParaRPr>
-          </a:p>
-          <a:p>
-            <a:pPr marL="343080" indent="-342000">
-              <a:lnSpc>
-                <a:spcPct val="100000"/>
-              </a:lnSpc>
-              <a:spcBef>
-                <a:spcPts val="439"/>
-              </a:spcBef>
-              <a:buClr>
-                <a:srgbClr val="000000"/>
-              </a:buClr>
-              <a:buFont typeface="Arial"/>
-              <a:buChar char="•"/>
-            </a:pPr>
-            <a:r>
-              <a:rPr lang="en-GB" sz="2200" b="0" strike="noStrike" spc="-1">
-                <a:solidFill>
-                  <a:srgbClr val="000000"/>
-                </a:solidFill>
-                <a:latin typeface="Courier New"/>
-                <a:ea typeface="DejaVu Sans"/>
-              </a:rPr>
-              <a:t>mapply() </a:t>
-            </a:r>
-            <a:r>
-              <a:rPr lang="en-GB" sz="2180" b="0" strike="noStrike" spc="-1">
-                <a:solidFill>
-                  <a:srgbClr val="000000"/>
-                </a:solidFill>
-                <a:latin typeface="Calibri"/>
-                <a:ea typeface="DejaVu Sans"/>
-              </a:rPr>
-              <a:t>– loop over more than one vector</a:t>
-            </a:r>
-            <a:endParaRPr lang="en-GB" sz="2180" b="0" strike="noStrike" spc="-1">
-              <a:latin typeface="Arial"/>
-            </a:endParaRPr>
-          </a:p>
-          <a:p>
-            <a:pPr>
-              <a:lnSpc>
-                <a:spcPct val="100000"/>
-              </a:lnSpc>
-              <a:spcBef>
-                <a:spcPts val="437"/>
-              </a:spcBef>
-            </a:pPr>
-            <a:endParaRPr lang="en-GB" sz="2180" b="0" strike="noStrike" spc="-1">
-              <a:latin typeface="Arial"/>
-            </a:endParaRPr>
-          </a:p>
-          <a:p>
-            <a:pPr marL="457200">
-              <a:lnSpc>
-                <a:spcPct val="100000"/>
-              </a:lnSpc>
-              <a:spcBef>
-                <a:spcPts val="437"/>
-              </a:spcBef>
-              <a:tabLst>
-                <a:tab pos="0" algn="l"/>
-              </a:tabLst>
-            </a:pPr>
-            <a:endParaRPr lang="en-GB" sz="2180" b="0" strike="noStrike" spc="-1">
-              <a:latin typeface="Arial"/>
-            </a:endParaRPr>
-          </a:p>
-          <a:p>
-            <a:pPr marL="457200">
-              <a:lnSpc>
-                <a:spcPct val="100000"/>
-              </a:lnSpc>
-              <a:tabLst>
-                <a:tab pos="0" algn="l"/>
-              </a:tabLst>
-            </a:pPr>
-            <a:endParaRPr lang="en-GB" sz="2180" b="0" strike="noStrike" spc="-1">
-              <a:latin typeface="Arial"/>
-            </a:endParaRPr>
-          </a:p>
-          <a:p>
-            <a:pPr marL="150840">
-              <a:lnSpc>
-                <a:spcPct val="100000"/>
-              </a:lnSpc>
-              <a:spcBef>
-                <a:spcPts val="437"/>
-              </a:spcBef>
-              <a:tabLst>
-                <a:tab pos="0" algn="l"/>
-              </a:tabLst>
-            </a:pPr>
-            <a:endParaRPr lang="en-GB" sz="2180" b="0" strike="noStrike" spc="-1">
-              <a:latin typeface="Arial"/>
-            </a:endParaRPr>
-          </a:p>
-        </p:txBody>
-      </p:sp>
-      <p:sp>
-        <p:nvSpPr>
-          <p:cNvPr id="385" name="CustomShape 3"/>
-          <p:cNvSpPr/>
-          <p:nvPr/>
-        </p:nvSpPr>
-        <p:spPr>
-          <a:xfrm>
-            <a:off x="243360" y="3721320"/>
-            <a:ext cx="8441640" cy="2523240"/>
-          </a:xfrm>
-          <a:prstGeom prst="rect">
-            <a:avLst/>
-          </a:prstGeom>
-          <a:noFill/>
-          <a:ln>
-            <a:noFill/>
-          </a:ln>
-        </p:spPr>
-        <p:style>
-          <a:lnRef idx="0">
-            <a:scrgbClr r="0" g="0" b="0"/>
-          </a:lnRef>
-          <a:fillRef idx="0">
-            <a:scrgbClr r="0" g="0" b="0"/>
-          </a:fillRef>
-          <a:effectRef idx="0">
-            <a:scrgbClr r="0" g="0" b="0"/>
-          </a:effectRef>
-          <a:fontRef idx="minor"/>
-        </p:style>
-        <p:txBody>
-          <a:bodyPr lIns="90000" tIns="45000" rIns="90000" bIns="45000">
-            <a:spAutoFit/>
-          </a:bodyPr>
-          <a:lstStyle/>
-          <a:p>
-            <a:pPr>
-              <a:lnSpc>
-                <a:spcPct val="100000"/>
-              </a:lnSpc>
-            </a:pPr>
-            <a:r>
-              <a:rPr lang="en-GB" sz="1600" b="0" strike="noStrike" spc="-1">
-                <a:solidFill>
-                  <a:srgbClr val="000000"/>
-                </a:solidFill>
-                <a:latin typeface="Courier New"/>
-                <a:ea typeface="DejaVu Sans"/>
-              </a:rPr>
-              <a:t>&gt; my_list = list(a = c(1, 2, 3), b = c(4, 5, 6), c = c(7, 8, 9))</a:t>
-            </a:r>
-            <a:endParaRPr lang="en-GB" sz="1600" b="0" strike="noStrike" spc="-1">
-              <a:latin typeface="Arial"/>
-            </a:endParaRPr>
-          </a:p>
-          <a:p>
-            <a:pPr>
-              <a:lnSpc>
-                <a:spcPct val="100000"/>
-              </a:lnSpc>
-            </a:pPr>
-            <a:r>
-              <a:rPr lang="en-GB" sz="1600" b="0" strike="noStrike" spc="-1">
-                <a:solidFill>
-                  <a:srgbClr val="000000"/>
-                </a:solidFill>
-                <a:latin typeface="Courier New"/>
-                <a:ea typeface="DejaVu Sans"/>
-              </a:rPr>
-              <a:t>&gt; lapply(my_list, mean)</a:t>
-            </a:r>
-            <a:endParaRPr lang="en-GB" sz="1600" b="0" strike="noStrike" spc="-1">
-              <a:latin typeface="Arial"/>
-            </a:endParaRPr>
-          </a:p>
-          <a:p>
-            <a:pPr>
-              <a:lnSpc>
-                <a:spcPct val="100000"/>
-              </a:lnSpc>
-            </a:pPr>
-            <a:r>
-              <a:rPr lang="pt-BR" sz="1600" b="0" strike="noStrike" spc="-1">
-                <a:solidFill>
-                  <a:srgbClr val="000000"/>
-                </a:solidFill>
-                <a:latin typeface="Courier New"/>
-                <a:ea typeface="DejaVu Sans"/>
-              </a:rPr>
-              <a:t>$a</a:t>
-            </a:r>
-            <a:endParaRPr lang="en-GB" sz="1600" b="0" strike="noStrike" spc="-1">
-              <a:latin typeface="Arial"/>
-            </a:endParaRPr>
-          </a:p>
-          <a:p>
-            <a:pPr>
-              <a:lnSpc>
-                <a:spcPct val="100000"/>
-              </a:lnSpc>
-            </a:pPr>
-            <a:r>
-              <a:rPr lang="pt-BR" sz="1600" b="0" strike="noStrike" spc="-1">
-                <a:solidFill>
-                  <a:srgbClr val="000000"/>
-                </a:solidFill>
-                <a:latin typeface="Courier New"/>
-                <a:ea typeface="DejaVu Sans"/>
-              </a:rPr>
-              <a:t>[1] 2</a:t>
-            </a:r>
-            <a:endParaRPr lang="en-GB" sz="1600" b="0" strike="noStrike" spc="-1">
-              <a:latin typeface="Arial"/>
-            </a:endParaRPr>
-          </a:p>
-          <a:p>
-            <a:pPr>
-              <a:lnSpc>
-                <a:spcPct val="100000"/>
-              </a:lnSpc>
-            </a:pPr>
-            <a:endParaRPr lang="en-GB" sz="1600" b="0" strike="noStrike" spc="-1">
-              <a:latin typeface="Arial"/>
-            </a:endParaRPr>
-          </a:p>
-          <a:p>
-            <a:pPr>
-              <a:lnSpc>
-                <a:spcPct val="100000"/>
-              </a:lnSpc>
-            </a:pPr>
-            <a:r>
-              <a:rPr lang="pt-BR" sz="1600" b="0" strike="noStrike" spc="-1">
-                <a:solidFill>
-                  <a:srgbClr val="000000"/>
-                </a:solidFill>
-                <a:latin typeface="Courier New"/>
-                <a:ea typeface="DejaVu Sans"/>
-              </a:rPr>
-              <a:t>$b</a:t>
-            </a:r>
-            <a:endParaRPr lang="en-GB" sz="1600" b="0" strike="noStrike" spc="-1">
-              <a:latin typeface="Arial"/>
-            </a:endParaRPr>
-          </a:p>
-          <a:p>
-            <a:pPr>
-              <a:lnSpc>
-                <a:spcPct val="100000"/>
-              </a:lnSpc>
-            </a:pPr>
-            <a:r>
-              <a:rPr lang="pt-BR" sz="1600" b="0" strike="noStrike" spc="-1">
-                <a:solidFill>
-                  <a:srgbClr val="000000"/>
-                </a:solidFill>
-                <a:latin typeface="Courier New"/>
-                <a:ea typeface="DejaVu Sans"/>
-              </a:rPr>
-              <a:t>[1] 5</a:t>
-            </a:r>
-            <a:endParaRPr lang="en-GB" sz="1600" b="0" strike="noStrike" spc="-1">
-              <a:latin typeface="Arial"/>
-            </a:endParaRPr>
-          </a:p>
-          <a:p>
-            <a:pPr>
-              <a:lnSpc>
-                <a:spcPct val="100000"/>
-              </a:lnSpc>
-            </a:pPr>
-            <a:endParaRPr lang="en-GB" sz="1600" b="0" strike="noStrike" spc="-1">
-              <a:latin typeface="Arial"/>
-            </a:endParaRPr>
-          </a:p>
-          <a:p>
-            <a:pPr>
-              <a:lnSpc>
-                <a:spcPct val="100000"/>
-              </a:lnSpc>
-            </a:pPr>
-            <a:r>
-              <a:rPr lang="pt-BR" sz="1600" b="0" strike="noStrike" spc="-1">
-                <a:solidFill>
-                  <a:srgbClr val="000000"/>
-                </a:solidFill>
-                <a:latin typeface="Courier New"/>
-                <a:ea typeface="DejaVu Sans"/>
-              </a:rPr>
-              <a:t>$c</a:t>
-            </a:r>
-            <a:endParaRPr lang="en-GB" sz="1600" b="0" strike="noStrike" spc="-1">
-              <a:latin typeface="Arial"/>
-            </a:endParaRPr>
-          </a:p>
-          <a:p>
-            <a:pPr>
-              <a:lnSpc>
-                <a:spcPct val="100000"/>
-              </a:lnSpc>
-            </a:pPr>
-            <a:r>
-              <a:rPr lang="pt-BR" sz="1600" b="0" strike="noStrike" spc="-1">
-                <a:solidFill>
-                  <a:srgbClr val="000000"/>
-                </a:solidFill>
-                <a:latin typeface="Courier New"/>
-                <a:ea typeface="DejaVu Sans"/>
-              </a:rPr>
-              <a:t>[1] 8</a:t>
-            </a:r>
-            <a:endParaRPr lang="en-GB" sz="1600" b="0" strike="noStrike" spc="-1">
-              <a:latin typeface="Arial"/>
-            </a:endParaRPr>
-          </a:p>
-        </p:txBody>
-      </p:sp>
-    </p:spTree>
-  </p:cSld>
-  <p:clrMapOvr>
-    <a:masterClrMapping/>
-  </p:clrMapOvr>
-</p:sld>
-</file>
-
 <file path=ppt/slides/slide22.xml><?xml version="1.0" encoding="utf-8"?>
 <p:sld xmlns:a="http://schemas.openxmlformats.org/drawingml/2006/main" xmlns:r="http://schemas.openxmlformats.org/officeDocument/2006/relationships" xmlns:p="http://schemas.openxmlformats.org/presentationml/2006/main">
   <p:cSld>
@@ -16802,7 +16591,7 @@
       </p:grpSpPr>
       <p:sp>
         <p:nvSpPr>
-          <p:cNvPr id="386" name="CustomShape 1"/>
+          <p:cNvPr id="383" name="CustomShape 1"/>
           <p:cNvSpPr/>
           <p:nvPr/>
         </p:nvSpPr>
@@ -16837,20 +16626,20 @@
           </a:bodyPr>
           <a:lstStyle/>
           <a:p>
-            <a:pPr>
+            <a:pPr algn="ctr">
               <a:lnSpc>
-                <a:spcPct val="90000"/>
+                <a:spcPct val="100000"/>
               </a:lnSpc>
             </a:pPr>
             <a:r>
-              <a:rPr lang="en-US" sz="4400" b="0" strike="noStrike" spc="-1">
-                <a:solidFill>
-                  <a:srgbClr val="000000"/>
-                </a:solidFill>
-                <a:latin typeface="Arial"/>
+              <a:rPr lang="en-GB" sz="4400" b="1" strike="noStrike" spc="-1">
+                <a:solidFill>
+                  <a:srgbClr val="000000"/>
+                </a:solidFill>
+                <a:latin typeface="Calibri"/>
                 <a:ea typeface="DejaVu Sans"/>
               </a:rPr>
-              <a:t>Assignment (use loop functions)</a:t>
+              <a:t>Loop functions</a:t>
             </a:r>
             <a:endParaRPr lang="en-GB" sz="4400" b="0" strike="noStrike" spc="-1">
               <a:latin typeface="Arial"/>
@@ -16860,14 +16649,14 @@
       </p:sp>
       <p:sp>
         <p:nvSpPr>
-          <p:cNvPr id="387" name="CustomShape 2"/>
+          <p:cNvPr id="384" name="CustomShape 2"/>
           <p:cNvSpPr/>
           <p:nvPr/>
         </p:nvSpPr>
         <p:spPr>
           <a:xfrm>
-            <a:off x="457200" y="2002680"/>
-            <a:ext cx="8227800" cy="3577320"/>
+            <a:off x="457200" y="1759320"/>
+            <a:ext cx="8227800" cy="1762560"/>
           </a:xfrm>
           <a:prstGeom prst="rect">
             <a:avLst/>
@@ -16890,10 +16679,475 @@
           <a:fontRef idx="minor"/>
         </p:style>
         <p:txBody>
-          <a:bodyPr/>
-          <a:lstStyle/>
-          <a:p>
-            <a:endParaRPr lang="en-US"/>
+          <a:bodyPr lIns="0" tIns="0" rIns="0" bIns="0">
+            <a:normAutofit fontScale="92000"/>
+          </a:bodyPr>
+          <a:lstStyle/>
+          <a:p>
+            <a:pPr marL="343080" indent="-342000">
+              <a:lnSpc>
+                <a:spcPct val="100000"/>
+              </a:lnSpc>
+              <a:spcBef>
+                <a:spcPts val="437"/>
+              </a:spcBef>
+              <a:buClr>
+                <a:srgbClr val="000000"/>
+              </a:buClr>
+              <a:buFont typeface="Arial"/>
+              <a:buChar char="•"/>
+            </a:pPr>
+            <a:r>
+              <a:rPr lang="en-GB" sz="2180" b="0" strike="noStrike" spc="-1">
+                <a:solidFill>
+                  <a:srgbClr val="000000"/>
+                </a:solidFill>
+                <a:latin typeface="Courier New"/>
+                <a:ea typeface="DejaVu Sans"/>
+              </a:rPr>
+              <a:t>lapply() </a:t>
+            </a:r>
+            <a:r>
+              <a:rPr lang="en-GB" sz="2180" b="0" strike="noStrike" spc="-1">
+                <a:solidFill>
+                  <a:srgbClr val="000000"/>
+                </a:solidFill>
+                <a:latin typeface="Calibri"/>
+                <a:ea typeface="DejaVu Sans"/>
+              </a:rPr>
+              <a:t>– perform an action on each element of a vector: returns list</a:t>
+            </a:r>
+            <a:endParaRPr lang="en-GB" sz="2180" b="0" strike="noStrike" spc="-1">
+              <a:latin typeface="Arial"/>
+            </a:endParaRPr>
+          </a:p>
+          <a:p>
+            <a:pPr marL="343080" indent="-342000">
+              <a:lnSpc>
+                <a:spcPct val="100000"/>
+              </a:lnSpc>
+              <a:spcBef>
+                <a:spcPts val="439"/>
+              </a:spcBef>
+              <a:buClr>
+                <a:srgbClr val="000000"/>
+              </a:buClr>
+              <a:buFont typeface="Arial"/>
+              <a:buChar char="•"/>
+            </a:pPr>
+            <a:r>
+              <a:rPr lang="en-GB" sz="2200" b="0" strike="noStrike" spc="-1">
+                <a:solidFill>
+                  <a:srgbClr val="000000"/>
+                </a:solidFill>
+                <a:latin typeface="Courier New"/>
+                <a:ea typeface="DejaVu Sans"/>
+              </a:rPr>
+              <a:t>sapply() </a:t>
+            </a:r>
+            <a:r>
+              <a:rPr lang="en-GB" sz="2180" b="0" strike="noStrike" spc="-1">
+                <a:solidFill>
+                  <a:srgbClr val="000000"/>
+                </a:solidFill>
+                <a:latin typeface="Calibri"/>
+                <a:ea typeface="DejaVu Sans"/>
+              </a:rPr>
+              <a:t>– as above, returns a simplified object (variable)</a:t>
+            </a:r>
+            <a:endParaRPr lang="en-GB" sz="2180" b="0" strike="noStrike" spc="-1">
+              <a:latin typeface="Arial"/>
+            </a:endParaRPr>
+          </a:p>
+          <a:p>
+            <a:pPr marL="343080" indent="-342000">
+              <a:lnSpc>
+                <a:spcPct val="100000"/>
+              </a:lnSpc>
+              <a:spcBef>
+                <a:spcPts val="439"/>
+              </a:spcBef>
+              <a:buClr>
+                <a:srgbClr val="000000"/>
+              </a:buClr>
+              <a:buFont typeface="Arial"/>
+              <a:buChar char="•"/>
+            </a:pPr>
+            <a:r>
+              <a:rPr lang="en-GB" sz="2200" b="0" strike="noStrike" spc="-1">
+                <a:solidFill>
+                  <a:srgbClr val="000000"/>
+                </a:solidFill>
+                <a:latin typeface="Courier New"/>
+                <a:ea typeface="DejaVu Sans"/>
+              </a:rPr>
+              <a:t>apply() </a:t>
+            </a:r>
+            <a:r>
+              <a:rPr lang="en-GB" sz="2180" b="0" strike="noStrike" spc="-1">
+                <a:solidFill>
+                  <a:srgbClr val="000000"/>
+                </a:solidFill>
+                <a:latin typeface="Calibri"/>
+                <a:ea typeface="DejaVu Sans"/>
+              </a:rPr>
+              <a:t>– loop over rows or columns of a matrix or df</a:t>
+            </a:r>
+            <a:endParaRPr lang="en-GB" sz="2180" b="0" strike="noStrike" spc="-1">
+              <a:latin typeface="Arial"/>
+            </a:endParaRPr>
+          </a:p>
+          <a:p>
+            <a:pPr marL="343080" indent="-342000">
+              <a:lnSpc>
+                <a:spcPct val="100000"/>
+              </a:lnSpc>
+              <a:spcBef>
+                <a:spcPts val="439"/>
+              </a:spcBef>
+              <a:buClr>
+                <a:srgbClr val="000000"/>
+              </a:buClr>
+              <a:buFont typeface="Arial"/>
+              <a:buChar char="•"/>
+            </a:pPr>
+            <a:r>
+              <a:rPr lang="en-GB" sz="2200" b="0" strike="noStrike" spc="-1">
+                <a:solidFill>
+                  <a:srgbClr val="000000"/>
+                </a:solidFill>
+                <a:latin typeface="Courier New"/>
+                <a:ea typeface="DejaVu Sans"/>
+              </a:rPr>
+              <a:t>tapply() </a:t>
+            </a:r>
+            <a:r>
+              <a:rPr lang="en-GB" sz="2180" b="0" strike="noStrike" spc="-1">
+                <a:solidFill>
+                  <a:srgbClr val="000000"/>
+                </a:solidFill>
+                <a:latin typeface="Calibri"/>
+                <a:ea typeface="DejaVu Sans"/>
+              </a:rPr>
+              <a:t>– loop over a vector, split based on a factor</a:t>
+            </a:r>
+            <a:endParaRPr lang="en-GB" sz="2180" b="0" strike="noStrike" spc="-1">
+              <a:latin typeface="Arial"/>
+            </a:endParaRPr>
+          </a:p>
+          <a:p>
+            <a:pPr marL="343080" indent="-342000">
+              <a:lnSpc>
+                <a:spcPct val="100000"/>
+              </a:lnSpc>
+              <a:spcBef>
+                <a:spcPts val="439"/>
+              </a:spcBef>
+              <a:buClr>
+                <a:srgbClr val="000000"/>
+              </a:buClr>
+              <a:buFont typeface="Arial"/>
+              <a:buChar char="•"/>
+            </a:pPr>
+            <a:r>
+              <a:rPr lang="en-GB" sz="2200" b="0" strike="noStrike" spc="-1">
+                <a:solidFill>
+                  <a:srgbClr val="000000"/>
+                </a:solidFill>
+                <a:latin typeface="Courier New"/>
+                <a:ea typeface="DejaVu Sans"/>
+              </a:rPr>
+              <a:t>mapply() </a:t>
+            </a:r>
+            <a:r>
+              <a:rPr lang="en-GB" sz="2180" b="0" strike="noStrike" spc="-1">
+                <a:solidFill>
+                  <a:srgbClr val="000000"/>
+                </a:solidFill>
+                <a:latin typeface="Calibri"/>
+                <a:ea typeface="DejaVu Sans"/>
+              </a:rPr>
+              <a:t>– loop over more than one vector</a:t>
+            </a:r>
+            <a:endParaRPr lang="en-GB" sz="2180" b="0" strike="noStrike" spc="-1">
+              <a:latin typeface="Arial"/>
+            </a:endParaRPr>
+          </a:p>
+          <a:p>
+            <a:pPr>
+              <a:lnSpc>
+                <a:spcPct val="100000"/>
+              </a:lnSpc>
+              <a:spcBef>
+                <a:spcPts val="437"/>
+              </a:spcBef>
+            </a:pPr>
+            <a:endParaRPr lang="en-GB" sz="2180" b="0" strike="noStrike" spc="-1">
+              <a:latin typeface="Arial"/>
+            </a:endParaRPr>
+          </a:p>
+          <a:p>
+            <a:pPr marL="457200">
+              <a:lnSpc>
+                <a:spcPct val="100000"/>
+              </a:lnSpc>
+              <a:spcBef>
+                <a:spcPts val="437"/>
+              </a:spcBef>
+              <a:tabLst>
+                <a:tab pos="0" algn="l"/>
+              </a:tabLst>
+            </a:pPr>
+            <a:endParaRPr lang="en-GB" sz="2180" b="0" strike="noStrike" spc="-1">
+              <a:latin typeface="Arial"/>
+            </a:endParaRPr>
+          </a:p>
+          <a:p>
+            <a:pPr marL="457200">
+              <a:lnSpc>
+                <a:spcPct val="100000"/>
+              </a:lnSpc>
+              <a:tabLst>
+                <a:tab pos="0" algn="l"/>
+              </a:tabLst>
+            </a:pPr>
+            <a:endParaRPr lang="en-GB" sz="2180" b="0" strike="noStrike" spc="-1">
+              <a:latin typeface="Arial"/>
+            </a:endParaRPr>
+          </a:p>
+          <a:p>
+            <a:pPr marL="150840">
+              <a:lnSpc>
+                <a:spcPct val="100000"/>
+              </a:lnSpc>
+              <a:spcBef>
+                <a:spcPts val="437"/>
+              </a:spcBef>
+              <a:tabLst>
+                <a:tab pos="0" algn="l"/>
+              </a:tabLst>
+            </a:pPr>
+            <a:endParaRPr lang="en-GB" sz="2180" b="0" strike="noStrike" spc="-1">
+              <a:latin typeface="Arial"/>
+            </a:endParaRPr>
+          </a:p>
+        </p:txBody>
+      </p:sp>
+      <p:sp>
+        <p:nvSpPr>
+          <p:cNvPr id="385" name="CustomShape 3"/>
+          <p:cNvSpPr/>
+          <p:nvPr/>
+        </p:nvSpPr>
+        <p:spPr>
+          <a:xfrm>
+            <a:off x="243360" y="3721320"/>
+            <a:ext cx="8441640" cy="2523240"/>
+          </a:xfrm>
+          <a:prstGeom prst="rect">
+            <a:avLst/>
+          </a:prstGeom>
+          <a:noFill/>
+          <a:ln>
+            <a:noFill/>
+          </a:ln>
+        </p:spPr>
+        <p:style>
+          <a:lnRef idx="0">
+            <a:scrgbClr r="0" g="0" b="0"/>
+          </a:lnRef>
+          <a:fillRef idx="0">
+            <a:scrgbClr r="0" g="0" b="0"/>
+          </a:fillRef>
+          <a:effectRef idx="0">
+            <a:scrgbClr r="0" g="0" b="0"/>
+          </a:effectRef>
+          <a:fontRef idx="minor"/>
+        </p:style>
+        <p:txBody>
+          <a:bodyPr lIns="90000" tIns="45000" rIns="90000" bIns="45000">
+            <a:spAutoFit/>
+          </a:bodyPr>
+          <a:lstStyle/>
+          <a:p>
+            <a:pPr>
+              <a:lnSpc>
+                <a:spcPct val="100000"/>
+              </a:lnSpc>
+            </a:pPr>
+            <a:r>
+              <a:rPr lang="en-GB" sz="1600" b="0" strike="noStrike" spc="-1">
+                <a:solidFill>
+                  <a:srgbClr val="000000"/>
+                </a:solidFill>
+                <a:latin typeface="Courier New"/>
+                <a:ea typeface="DejaVu Sans"/>
+              </a:rPr>
+              <a:t>&gt; my_list = list(a = c(1, 2, 3), b = c(4, 5, 6), c = c(7, 8, 9))</a:t>
+            </a:r>
+            <a:endParaRPr lang="en-GB" sz="1600" b="0" strike="noStrike" spc="-1">
+              <a:latin typeface="Arial"/>
+            </a:endParaRPr>
+          </a:p>
+          <a:p>
+            <a:pPr>
+              <a:lnSpc>
+                <a:spcPct val="100000"/>
+              </a:lnSpc>
+            </a:pPr>
+            <a:r>
+              <a:rPr lang="en-GB" sz="1600" b="0" strike="noStrike" spc="-1">
+                <a:solidFill>
+                  <a:srgbClr val="000000"/>
+                </a:solidFill>
+                <a:latin typeface="Courier New"/>
+                <a:ea typeface="DejaVu Sans"/>
+              </a:rPr>
+              <a:t>&gt; lapply(my_list, mean)</a:t>
+            </a:r>
+            <a:endParaRPr lang="en-GB" sz="1600" b="0" strike="noStrike" spc="-1">
+              <a:latin typeface="Arial"/>
+            </a:endParaRPr>
+          </a:p>
+          <a:p>
+            <a:pPr>
+              <a:lnSpc>
+                <a:spcPct val="100000"/>
+              </a:lnSpc>
+            </a:pPr>
+            <a:r>
+              <a:rPr lang="pt-BR" sz="1600" b="0" strike="noStrike" spc="-1">
+                <a:solidFill>
+                  <a:srgbClr val="000000"/>
+                </a:solidFill>
+                <a:latin typeface="Courier New"/>
+                <a:ea typeface="DejaVu Sans"/>
+              </a:rPr>
+              <a:t>$a</a:t>
+            </a:r>
+            <a:endParaRPr lang="en-GB" sz="1600" b="0" strike="noStrike" spc="-1">
+              <a:latin typeface="Arial"/>
+            </a:endParaRPr>
+          </a:p>
+          <a:p>
+            <a:pPr>
+              <a:lnSpc>
+                <a:spcPct val="100000"/>
+              </a:lnSpc>
+            </a:pPr>
+            <a:r>
+              <a:rPr lang="pt-BR" sz="1600" b="0" strike="noStrike" spc="-1">
+                <a:solidFill>
+                  <a:srgbClr val="000000"/>
+                </a:solidFill>
+                <a:latin typeface="Courier New"/>
+                <a:ea typeface="DejaVu Sans"/>
+              </a:rPr>
+              <a:t>[1] 2</a:t>
+            </a:r>
+            <a:endParaRPr lang="en-GB" sz="1600" b="0" strike="noStrike" spc="-1">
+              <a:latin typeface="Arial"/>
+            </a:endParaRPr>
+          </a:p>
+          <a:p>
+            <a:pPr>
+              <a:lnSpc>
+                <a:spcPct val="100000"/>
+              </a:lnSpc>
+            </a:pPr>
+            <a:endParaRPr lang="en-GB" sz="1600" b="0" strike="noStrike" spc="-1">
+              <a:latin typeface="Arial"/>
+            </a:endParaRPr>
+          </a:p>
+          <a:p>
+            <a:pPr>
+              <a:lnSpc>
+                <a:spcPct val="100000"/>
+              </a:lnSpc>
+            </a:pPr>
+            <a:r>
+              <a:rPr lang="pt-BR" sz="1600" b="0" strike="noStrike" spc="-1">
+                <a:solidFill>
+                  <a:srgbClr val="000000"/>
+                </a:solidFill>
+                <a:latin typeface="Courier New"/>
+                <a:ea typeface="DejaVu Sans"/>
+              </a:rPr>
+              <a:t>$b</a:t>
+            </a:r>
+            <a:endParaRPr lang="en-GB" sz="1600" b="0" strike="noStrike" spc="-1">
+              <a:latin typeface="Arial"/>
+            </a:endParaRPr>
+          </a:p>
+          <a:p>
+            <a:pPr>
+              <a:lnSpc>
+                <a:spcPct val="100000"/>
+              </a:lnSpc>
+            </a:pPr>
+            <a:r>
+              <a:rPr lang="pt-BR" sz="1600" b="0" strike="noStrike" spc="-1">
+                <a:solidFill>
+                  <a:srgbClr val="000000"/>
+                </a:solidFill>
+                <a:latin typeface="Courier New"/>
+                <a:ea typeface="DejaVu Sans"/>
+              </a:rPr>
+              <a:t>[1] 5</a:t>
+            </a:r>
+            <a:endParaRPr lang="en-GB" sz="1600" b="0" strike="noStrike" spc="-1">
+              <a:latin typeface="Arial"/>
+            </a:endParaRPr>
+          </a:p>
+          <a:p>
+            <a:pPr>
+              <a:lnSpc>
+                <a:spcPct val="100000"/>
+              </a:lnSpc>
+            </a:pPr>
+            <a:endParaRPr lang="en-GB" sz="1600" b="0" strike="noStrike" spc="-1">
+              <a:latin typeface="Arial"/>
+            </a:endParaRPr>
+          </a:p>
+          <a:p>
+            <a:pPr>
+              <a:lnSpc>
+                <a:spcPct val="100000"/>
+              </a:lnSpc>
+            </a:pPr>
+            <a:r>
+              <a:rPr lang="pt-BR" sz="1600" b="0" strike="noStrike" spc="-1">
+                <a:solidFill>
+                  <a:srgbClr val="000000"/>
+                </a:solidFill>
+                <a:latin typeface="Courier New"/>
+                <a:ea typeface="DejaVu Sans"/>
+              </a:rPr>
+              <a:t>$c</a:t>
+            </a:r>
+            <a:endParaRPr lang="en-GB" sz="1600" b="0" strike="noStrike" spc="-1">
+              <a:latin typeface="Arial"/>
+            </a:endParaRPr>
+          </a:p>
+          <a:p>
+            <a:pPr>
+              <a:lnSpc>
+                <a:spcPct val="100000"/>
+              </a:lnSpc>
+            </a:pPr>
+            <a:r>
+              <a:rPr lang="pt-BR" sz="1600" b="0" strike="noStrike" spc="-1">
+                <a:solidFill>
+                  <a:srgbClr val="000000"/>
+                </a:solidFill>
+                <a:latin typeface="Courier New"/>
+                <a:ea typeface="DejaVu Sans"/>
+              </a:rPr>
+              <a:t>[1] 8</a:t>
+            </a:r>
+            <a:endParaRPr lang="en-GB" sz="1600" b="0" strike="noStrike" spc="-1">
+              <a:latin typeface="Arial"/>
+            </a:endParaRPr>
           </a:p>
         </p:txBody>
       </p:sp>
@@ -16924,6 +17178,128 @@
       </p:grpSpPr>
       <p:sp>
         <p:nvSpPr>
+          <p:cNvPr id="386" name="CustomShape 1"/>
+          <p:cNvSpPr/>
+          <p:nvPr/>
+        </p:nvSpPr>
+        <p:spPr>
+          <a:xfrm>
+            <a:off x="457200" y="684000"/>
+            <a:ext cx="8227800" cy="1143720"/>
+          </a:xfrm>
+          <a:prstGeom prst="rect">
+            <a:avLst/>
+          </a:prstGeom>
+          <a:noFill/>
+          <a:ln>
+            <a:noFill/>
+          </a:ln>
+        </p:spPr>
+        <p:style>
+          <a:lnRef idx="0">
+            <a:scrgbClr r="0" g="0" b="0"/>
+          </a:lnRef>
+          <a:fillRef idx="0">
+            <a:scrgbClr r="0" g="0" b="0"/>
+          </a:fillRef>
+          <a:effectRef idx="0">
+            <a:scrgbClr r="0" g="0" b="0"/>
+          </a:effectRef>
+          <a:fontRef idx="minor"/>
+        </p:style>
+        <p:txBody>
+          <a:bodyPr lIns="0" tIns="0" rIns="0" bIns="0" anchor="ctr">
+            <a:noAutofit/>
+          </a:bodyPr>
+          <a:lstStyle/>
+          <a:p>
+            <a:pPr>
+              <a:lnSpc>
+                <a:spcPct val="90000"/>
+              </a:lnSpc>
+            </a:pPr>
+            <a:r>
+              <a:rPr lang="en-US" sz="4400" b="0" strike="noStrike" spc="-1">
+                <a:solidFill>
+                  <a:srgbClr val="000000"/>
+                </a:solidFill>
+                <a:latin typeface="Arial"/>
+                <a:ea typeface="DejaVu Sans"/>
+              </a:rPr>
+              <a:t>Assignment (use loop functions)</a:t>
+            </a:r>
+            <a:endParaRPr lang="en-GB" sz="4400" b="0" strike="noStrike" spc="-1">
+              <a:latin typeface="Arial"/>
+            </a:endParaRPr>
+          </a:p>
+        </p:txBody>
+      </p:sp>
+      <p:sp>
+        <p:nvSpPr>
+          <p:cNvPr id="387" name="CustomShape 2"/>
+          <p:cNvSpPr/>
+          <p:nvPr/>
+        </p:nvSpPr>
+        <p:spPr>
+          <a:xfrm>
+            <a:off x="457200" y="2002680"/>
+            <a:ext cx="8227800" cy="3577320"/>
+          </a:xfrm>
+          <a:prstGeom prst="rect">
+            <a:avLst/>
+          </a:prstGeom>
+          <a:noFill/>
+          <a:ln>
+            <a:noFill/>
+          </a:ln>
+        </p:spPr>
+        <p:style>
+          <a:lnRef idx="0">
+            <a:scrgbClr r="0" g="0" b="0"/>
+          </a:lnRef>
+          <a:fillRef idx="0">
+            <a:scrgbClr r="0" g="0" b="0"/>
+          </a:fillRef>
+          <a:effectRef idx="0">
+            <a:scrgbClr r="0" g="0" b="0"/>
+          </a:effectRef>
+          <a:fontRef idx="minor"/>
+        </p:style>
+        <p:txBody>
+          <a:bodyPr/>
+          <a:lstStyle/>
+          <a:p>
+            <a:endParaRPr lang="en-US"/>
+          </a:p>
+        </p:txBody>
+      </p:sp>
+    </p:spTree>
+  </p:cSld>
+  <p:clrMapOvr>
+    <a:masterClrMapping/>
+  </p:clrMapOvr>
+</p:sld>
+</file>
+
+<file path=ppt/slides/slide24.xml><?xml version="1.0" encoding="utf-8"?>
+<p:sld xmlns:a="http://schemas.openxmlformats.org/drawingml/2006/main" xmlns:r="http://schemas.openxmlformats.org/officeDocument/2006/relationships" xmlns:p="http://schemas.openxmlformats.org/presentationml/2006/main">
+  <p:cSld>
+    <p:spTree>
+      <p:nvGrpSpPr>
+        <p:cNvPr id="1" name=""/>
+        <p:cNvGrpSpPr/>
+        <p:nvPr/>
+      </p:nvGrpSpPr>
+      <p:grpSpPr>
+        <a:xfrm>
+          <a:off x="0" y="0"/>
+          <a:ext cx="0" cy="0"/>
+          <a:chOff x="0" y="0"/>
+          <a:chExt cx="0" cy="0"/>
+        </a:xfrm>
+      </p:grpSpPr>
+      <p:sp>
+        <p:nvSpPr>
           <p:cNvPr id="388" name="CustomShape 1"/>
           <p:cNvSpPr/>
           <p:nvPr/>
@@ -17283,6 +17659,453 @@
 </file>
 
 <file path=ppt/slides/slide3.xml><?xml version="1.0" encoding="utf-8"?>
+<p:sld xmlns:a="http://schemas.openxmlformats.org/drawingml/2006/main" xmlns:r="http://schemas.openxmlformats.org/officeDocument/2006/relationships" xmlns:p="http://schemas.openxmlformats.org/presentationml/2006/main">
+  <p:cSld>
+    <p:spTree>
+      <p:nvGrpSpPr>
+        <p:cNvPr id="1" name=""/>
+        <p:cNvGrpSpPr/>
+        <p:nvPr/>
+      </p:nvGrpSpPr>
+      <p:grpSpPr>
+        <a:xfrm>
+          <a:off x="0" y="0"/>
+          <a:ext cx="0" cy="0"/>
+          <a:chOff x="0" y="0"/>
+          <a:chExt cx="0" cy="0"/>
+        </a:xfrm>
+      </p:grpSpPr>
+      <p:sp>
+        <p:nvSpPr>
+          <p:cNvPr id="192" name="CustomShape 1"/>
+          <p:cNvSpPr/>
+          <p:nvPr/>
+        </p:nvSpPr>
+        <p:spPr>
+          <a:xfrm>
+            <a:off x="480240" y="1371600"/>
+            <a:ext cx="3612960" cy="3451680"/>
+          </a:xfrm>
+          <a:prstGeom prst="rect">
+            <a:avLst/>
+          </a:prstGeom>
+          <a:noFill/>
+          <a:ln>
+            <a:noFill/>
+          </a:ln>
+        </p:spPr>
+        <p:style>
+          <a:lnRef idx="0">
+            <a:scrgbClr r="0" g="0" b="0"/>
+          </a:lnRef>
+          <a:fillRef idx="0">
+            <a:scrgbClr r="0" g="0" b="0"/>
+          </a:fillRef>
+          <a:effectRef idx="0">
+            <a:scrgbClr r="0" g="0" b="0"/>
+          </a:effectRef>
+          <a:fontRef idx="minor"/>
+        </p:style>
+        <p:txBody>
+          <a:bodyPr lIns="82800" tIns="41400" rIns="82800" bIns="41400" anchor="ctr">
+            <a:normAutofit/>
+          </a:bodyPr>
+          <a:lstStyle/>
+          <a:p>
+            <a:pPr algn="r">
+              <a:lnSpc>
+                <a:spcPct val="100000"/>
+              </a:lnSpc>
+              <a:spcAft>
+                <a:spcPts val="544"/>
+              </a:spcAft>
+              <a:tabLst>
+                <a:tab pos="0" algn="l"/>
+              </a:tabLst>
+            </a:pPr>
+            <a:r>
+              <a:rPr lang="en-US" sz="3900" b="0" strike="noStrike" cap="all" spc="-1">
+                <a:solidFill>
+                  <a:srgbClr val="000000"/>
+                </a:solidFill>
+                <a:latin typeface="Calibri"/>
+                <a:ea typeface="DejaVu Sans"/>
+              </a:rPr>
+              <a:t>R for biologists</a:t>
+            </a:r>
+            <a:endParaRPr lang="en-GB" sz="3900" b="0" strike="noStrike" spc="-1">
+              <a:latin typeface="Arial"/>
+            </a:endParaRPr>
+          </a:p>
+        </p:txBody>
+      </p:sp>
+      <p:sp>
+        <p:nvSpPr>
+          <p:cNvPr id="193" name="CustomShape 2"/>
+          <p:cNvSpPr/>
+          <p:nvPr/>
+        </p:nvSpPr>
+        <p:spPr>
+          <a:xfrm>
+            <a:off x="4969080" y="1371600"/>
+            <a:ext cx="3657960" cy="4894920"/>
+          </a:xfrm>
+          <a:prstGeom prst="rect">
+            <a:avLst/>
+          </a:prstGeom>
+          <a:noFill/>
+          <a:ln>
+            <a:noFill/>
+          </a:ln>
+        </p:spPr>
+        <p:style>
+          <a:lnRef idx="0">
+            <a:scrgbClr r="0" g="0" b="0"/>
+          </a:lnRef>
+          <a:fillRef idx="0">
+            <a:scrgbClr r="0" g="0" b="0"/>
+          </a:fillRef>
+          <a:effectRef idx="0">
+            <a:scrgbClr r="0" g="0" b="0"/>
+          </a:effectRef>
+          <a:fontRef idx="minor"/>
+        </p:style>
+        <p:txBody>
+          <a:bodyPr lIns="82800" tIns="41400" rIns="82800" bIns="41400" anchor="ctr">
+            <a:normAutofit/>
+          </a:bodyPr>
+          <a:lstStyle/>
+          <a:p>
+            <a:pPr marL="216000" indent="-215640">
+              <a:lnSpc>
+                <a:spcPct val="100000"/>
+              </a:lnSpc>
+              <a:spcBef>
+                <a:spcPts val="320"/>
+              </a:spcBef>
+              <a:spcAft>
+                <a:spcPts val="544"/>
+              </a:spcAft>
+              <a:buClr>
+                <a:srgbClr val="000000"/>
+              </a:buClr>
+              <a:buSzPct val="80000"/>
+              <a:buFont typeface="Wingdings 3" charset="2"/>
+              <a:buChar char=""/>
+            </a:pPr>
+            <a:r>
+              <a:rPr lang="en-US" sz="1600" b="1" strike="noStrike" spc="-1">
+                <a:solidFill>
+                  <a:srgbClr val="000000"/>
+                </a:solidFill>
+                <a:latin typeface="Calibri"/>
+                <a:ea typeface="DejaVu Sans"/>
+              </a:rPr>
+              <a:t>Data exploration</a:t>
+            </a:r>
+            <a:endParaRPr lang="en-GB" sz="1600" b="0" strike="noStrike" spc="-1">
+              <a:latin typeface="Arial"/>
+            </a:endParaRPr>
+          </a:p>
+          <a:p>
+            <a:pPr marL="457200" lvl="1" indent="-215640">
+              <a:lnSpc>
+                <a:spcPct val="100000"/>
+              </a:lnSpc>
+              <a:spcBef>
+                <a:spcPts val="320"/>
+              </a:spcBef>
+              <a:spcAft>
+                <a:spcPts val="544"/>
+              </a:spcAft>
+              <a:buClr>
+                <a:srgbClr val="000000"/>
+              </a:buClr>
+              <a:buSzPct val="80000"/>
+              <a:buFont typeface="Wingdings 3" charset="2"/>
+              <a:buChar char=""/>
+            </a:pPr>
+            <a:r>
+              <a:rPr lang="en-US" sz="1600" b="0" strike="noStrike" spc="-1">
+                <a:solidFill>
+                  <a:srgbClr val="000000"/>
+                </a:solidFill>
+                <a:latin typeface="Calibri"/>
+                <a:ea typeface="DejaVu Sans"/>
+              </a:rPr>
+              <a:t>Intro to Tidyverse</a:t>
+            </a:r>
+            <a:endParaRPr lang="en-GB" sz="1600" b="0" strike="noStrike" spc="-1">
+              <a:latin typeface="Arial"/>
+            </a:endParaRPr>
+          </a:p>
+          <a:p>
+            <a:pPr marL="457200" lvl="1" indent="-215640">
+              <a:lnSpc>
+                <a:spcPct val="100000"/>
+              </a:lnSpc>
+              <a:spcBef>
+                <a:spcPts val="320"/>
+              </a:spcBef>
+              <a:spcAft>
+                <a:spcPts val="544"/>
+              </a:spcAft>
+              <a:buClr>
+                <a:srgbClr val="000000"/>
+              </a:buClr>
+              <a:buSzPct val="80000"/>
+              <a:buFont typeface="Wingdings 3" charset="2"/>
+              <a:buChar char=""/>
+            </a:pPr>
+            <a:r>
+              <a:rPr lang="en-US" sz="1600" b="0" strike="noStrike" spc="-1">
+                <a:solidFill>
+                  <a:srgbClr val="000000"/>
+                </a:solidFill>
+                <a:latin typeface="Calibri"/>
+                <a:ea typeface="DejaVu Sans"/>
+              </a:rPr>
+              <a:t>Dplyr verbs – mutate, select, filter, summarise, arrange</a:t>
+            </a:r>
+            <a:endParaRPr lang="en-GB" sz="1600" b="0" strike="noStrike" spc="-1">
+              <a:latin typeface="Arial"/>
+            </a:endParaRPr>
+          </a:p>
+          <a:p>
+            <a:pPr marL="457200" lvl="1" indent="-215640">
+              <a:lnSpc>
+                <a:spcPct val="100000"/>
+              </a:lnSpc>
+              <a:spcBef>
+                <a:spcPts val="320"/>
+              </a:spcBef>
+              <a:spcAft>
+                <a:spcPts val="544"/>
+              </a:spcAft>
+              <a:buClr>
+                <a:srgbClr val="000000"/>
+              </a:buClr>
+              <a:buSzPct val="80000"/>
+              <a:buFont typeface="Wingdings 3" charset="2"/>
+              <a:buChar char=""/>
+            </a:pPr>
+            <a:r>
+              <a:rPr lang="en-US" sz="1600" b="0" strike="noStrike" spc="-1">
+                <a:solidFill>
+                  <a:srgbClr val="000000"/>
+                </a:solidFill>
+                <a:latin typeface="Calibri"/>
+                <a:ea typeface="DejaVu Sans"/>
+              </a:rPr>
+              <a:t>Group and summarise data</a:t>
+            </a:r>
+            <a:endParaRPr lang="en-GB" sz="1600" b="0" strike="noStrike" spc="-1">
+              <a:latin typeface="Arial"/>
+            </a:endParaRPr>
+          </a:p>
+          <a:p>
+            <a:pPr marL="457200" lvl="1" indent="-215640">
+              <a:lnSpc>
+                <a:spcPct val="100000"/>
+              </a:lnSpc>
+              <a:spcBef>
+                <a:spcPts val="320"/>
+              </a:spcBef>
+              <a:spcAft>
+                <a:spcPts val="544"/>
+              </a:spcAft>
+              <a:buClr>
+                <a:srgbClr val="000000"/>
+              </a:buClr>
+              <a:buSzPct val="80000"/>
+              <a:buFont typeface="Wingdings 3" charset="2"/>
+              <a:buChar char=""/>
+            </a:pPr>
+            <a:r>
+              <a:rPr lang="en-US" sz="1600" b="0" strike="noStrike" spc="-1">
+                <a:solidFill>
+                  <a:srgbClr val="000000"/>
+                </a:solidFill>
+                <a:latin typeface="Calibri"/>
+                <a:ea typeface="DejaVu Sans"/>
+              </a:rPr>
+              <a:t>Reshape data</a:t>
+            </a:r>
+            <a:endParaRPr lang="en-GB" sz="1600" b="0" strike="noStrike" spc="-1">
+              <a:latin typeface="Arial"/>
+            </a:endParaRPr>
+          </a:p>
+          <a:p>
+            <a:pPr marL="457200" lvl="1" indent="-215640">
+              <a:lnSpc>
+                <a:spcPct val="100000"/>
+              </a:lnSpc>
+              <a:spcBef>
+                <a:spcPts val="320"/>
+              </a:spcBef>
+              <a:spcAft>
+                <a:spcPts val="544"/>
+              </a:spcAft>
+              <a:buClr>
+                <a:srgbClr val="000000"/>
+              </a:buClr>
+              <a:buSzPct val="80000"/>
+              <a:buFont typeface="Wingdings 3" charset="2"/>
+              <a:buChar char=""/>
+            </a:pPr>
+            <a:r>
+              <a:rPr lang="en-US" sz="1600" b="0" strike="noStrike" spc="-1">
+                <a:solidFill>
+                  <a:srgbClr val="000000"/>
+                </a:solidFill>
+                <a:latin typeface="Calibri"/>
+                <a:ea typeface="DejaVu Sans"/>
+              </a:rPr>
+              <a:t>Analyse Covid data (demo)</a:t>
+            </a:r>
+            <a:endParaRPr lang="en-GB" sz="1600" b="0" strike="noStrike" spc="-1">
+              <a:latin typeface="Arial"/>
+            </a:endParaRPr>
+          </a:p>
+          <a:p>
+            <a:pPr marL="457200" lvl="1" indent="-215640">
+              <a:lnSpc>
+                <a:spcPct val="100000"/>
+              </a:lnSpc>
+              <a:spcBef>
+                <a:spcPts val="320"/>
+              </a:spcBef>
+              <a:spcAft>
+                <a:spcPts val="544"/>
+              </a:spcAft>
+              <a:buClr>
+                <a:srgbClr val="000000"/>
+              </a:buClr>
+              <a:buSzPct val="80000"/>
+              <a:buFont typeface="Wingdings 3" charset="2"/>
+              <a:buChar char=""/>
+            </a:pPr>
+            <a:r>
+              <a:rPr lang="en-US" sz="1600" b="0" strike="noStrike" spc="-1">
+                <a:solidFill>
+                  <a:srgbClr val="000000"/>
+                </a:solidFill>
+                <a:latin typeface="Calibri"/>
+                <a:ea typeface="DejaVu Sans"/>
+              </a:rPr>
+              <a:t>Practical (breakout rooms)</a:t>
+            </a:r>
+            <a:endParaRPr lang="en-GB" sz="1600" b="0" strike="noStrike" spc="-1">
+              <a:latin typeface="Arial"/>
+            </a:endParaRPr>
+          </a:p>
+          <a:p>
+            <a:pPr marL="914400" lvl="2" indent="-215280">
+              <a:lnSpc>
+                <a:spcPct val="100000"/>
+              </a:lnSpc>
+              <a:spcBef>
+                <a:spcPts val="320"/>
+              </a:spcBef>
+              <a:spcAft>
+                <a:spcPts val="544"/>
+              </a:spcAft>
+              <a:buClr>
+                <a:srgbClr val="000000"/>
+              </a:buClr>
+              <a:buSzPct val="80000"/>
+              <a:buFont typeface="Wingdings 3" charset="2"/>
+              <a:buChar char=""/>
+            </a:pPr>
+            <a:r>
+              <a:rPr lang="en-US" sz="1600" b="0" strike="noStrike" spc="-1">
+                <a:solidFill>
+                  <a:srgbClr val="000000"/>
+                </a:solidFill>
+                <a:latin typeface="Calibri"/>
+                <a:ea typeface="DejaVu Sans"/>
+              </a:rPr>
+              <a:t>Covid data</a:t>
+            </a:r>
+            <a:endParaRPr lang="en-GB" sz="1600" b="0" strike="noStrike" spc="-1">
+              <a:latin typeface="Arial"/>
+            </a:endParaRPr>
+          </a:p>
+          <a:p>
+            <a:pPr marL="914400" lvl="2" indent="-215280">
+              <a:lnSpc>
+                <a:spcPct val="100000"/>
+              </a:lnSpc>
+              <a:spcBef>
+                <a:spcPts val="320"/>
+              </a:spcBef>
+              <a:spcAft>
+                <a:spcPts val="544"/>
+              </a:spcAft>
+              <a:buClr>
+                <a:srgbClr val="000000"/>
+              </a:buClr>
+              <a:buSzPct val="80000"/>
+              <a:buFont typeface="Wingdings 3" charset="2"/>
+              <a:buChar char=""/>
+            </a:pPr>
+            <a:r>
+              <a:rPr lang="en-US" sz="1600" b="0" strike="noStrike" spc="-1">
+                <a:solidFill>
+                  <a:srgbClr val="000000"/>
+                </a:solidFill>
+                <a:latin typeface="Calibri"/>
+                <a:ea typeface="DejaVu Sans"/>
+              </a:rPr>
+              <a:t>Wet-lab Covid-vaccine data</a:t>
+            </a:r>
+            <a:endParaRPr lang="en-GB" sz="1600" b="0" strike="noStrike" spc="-1">
+              <a:latin typeface="Arial"/>
+            </a:endParaRPr>
+          </a:p>
+          <a:p>
+            <a:pPr marL="457200" lvl="1" indent="-215280">
+              <a:lnSpc>
+                <a:spcPct val="100000"/>
+              </a:lnSpc>
+              <a:spcBef>
+                <a:spcPts val="320"/>
+              </a:spcBef>
+              <a:spcAft>
+                <a:spcPts val="544"/>
+              </a:spcAft>
+              <a:buClr>
+                <a:srgbClr val="000000"/>
+              </a:buClr>
+              <a:buSzPct val="80000"/>
+              <a:buFont typeface="Wingdings 3" charset="2"/>
+              <a:buChar char=""/>
+            </a:pPr>
+            <a:r>
+              <a:rPr lang="en-US" sz="1600" b="0" strike="noStrike" spc="-1">
+                <a:solidFill>
+                  <a:srgbClr val="000000"/>
+                </a:solidFill>
+                <a:latin typeface="Calibri"/>
+                <a:ea typeface="DejaVu Sans"/>
+              </a:rPr>
+              <a:t>Loop functions</a:t>
+            </a:r>
+            <a:endParaRPr lang="en-GB" sz="1600" b="0" strike="noStrike" spc="-1">
+              <a:latin typeface="Arial"/>
+            </a:endParaRPr>
+          </a:p>
+        </p:txBody>
+      </p:sp>
+    </p:spTree>
+  </p:cSld>
+  <p:clrMapOvr>
+    <a:masterClrMapping/>
+  </p:clrMapOvr>
+</p:sld>
+</file>
+
+<file path=ppt/slides/slide4.xml><?xml version="1.0" encoding="utf-8"?>
 <p:sld xmlns:a="http://schemas.openxmlformats.org/drawingml/2006/main" xmlns:r="http://schemas.openxmlformats.org/officeDocument/2006/relationships" xmlns:p="http://schemas.openxmlformats.org/presentationml/2006/main">
   <p:cSld>
     <p:spTree>
@@ -22848,7 +23671,7 @@
 </p:sld>
 </file>
 
-<file path=ppt/slides/slide4.xml><?xml version="1.0" encoding="utf-8"?>
+<file path=ppt/slides/slide5.xml><?xml version="1.0" encoding="utf-8"?>
 <p:sld xmlns:a="http://schemas.openxmlformats.org/drawingml/2006/main" xmlns:r="http://schemas.openxmlformats.org/officeDocument/2006/relationships" xmlns:p="http://schemas.openxmlformats.org/presentationml/2006/main">
   <p:cSld>
     <p:spTree>
@@ -23384,7 +24207,7 @@
 </p:sld>
 </file>
 
-<file path=ppt/slides/slide5.xml><?xml version="1.0" encoding="utf-8"?>
+<file path=ppt/slides/slide6.xml><?xml version="1.0" encoding="utf-8"?>
 <p:sld xmlns:a="http://schemas.openxmlformats.org/drawingml/2006/main" xmlns:r="http://schemas.openxmlformats.org/officeDocument/2006/relationships" xmlns:p="http://schemas.openxmlformats.org/presentationml/2006/main">
   <p:cSld>
     <p:spTree>
@@ -23835,7 +24658,7 @@
 </p:sld>
 </file>
 
-<file path=ppt/slides/slide6.xml><?xml version="1.0" encoding="utf-8"?>
+<file path=ppt/slides/slide7.xml><?xml version="1.0" encoding="utf-8"?>
 <p:sld xmlns:a="http://schemas.openxmlformats.org/drawingml/2006/main" xmlns:r="http://schemas.openxmlformats.org/officeDocument/2006/relationships" xmlns:p="http://schemas.openxmlformats.org/presentationml/2006/main">
   <p:cSld>
     <p:spTree>
@@ -24280,499 +25103,6 @@
 </p:sld>
 </file>
 
-<file path=ppt/slides/slide7.xml><?xml version="1.0" encoding="utf-8"?>
-<p:sld xmlns:a="http://schemas.openxmlformats.org/drawingml/2006/main" xmlns:r="http://schemas.openxmlformats.org/officeDocument/2006/relationships" xmlns:p="http://schemas.openxmlformats.org/presentationml/2006/main">
-  <p:cSld>
-    <p:spTree>
-      <p:nvGrpSpPr>
-        <p:cNvPr id="1" name=""/>
-        <p:cNvGrpSpPr/>
-        <p:nvPr/>
-      </p:nvGrpSpPr>
-      <p:grpSpPr>
-        <a:xfrm>
-          <a:off x="0" y="0"/>
-          <a:ext cx="0" cy="0"/>
-          <a:chOff x="0" y="0"/>
-          <a:chExt cx="0" cy="0"/>
-        </a:xfrm>
-      </p:grpSpPr>
-      <p:sp>
-        <p:nvSpPr>
-          <p:cNvPr id="312" name="CustomShape 1"/>
-          <p:cNvSpPr/>
-          <p:nvPr/>
-        </p:nvSpPr>
-        <p:spPr>
-          <a:xfrm>
-            <a:off x="457200" y="684000"/>
-            <a:ext cx="8227800" cy="1143720"/>
-          </a:xfrm>
-          <a:prstGeom prst="rect">
-            <a:avLst/>
-          </a:prstGeom>
-          <a:noFill/>
-          <a:ln>
-            <a:noFill/>
-          </a:ln>
-        </p:spPr>
-        <p:style>
-          <a:lnRef idx="0">
-            <a:scrgbClr r="0" g="0" b="0"/>
-          </a:lnRef>
-          <a:fillRef idx="0">
-            <a:scrgbClr r="0" g="0" b="0"/>
-          </a:fillRef>
-          <a:effectRef idx="0">
-            <a:scrgbClr r="0" g="0" b="0"/>
-          </a:effectRef>
-          <a:fontRef idx="minor"/>
-        </p:style>
-        <p:txBody>
-          <a:bodyPr lIns="0" tIns="0" rIns="0" bIns="0" anchor="ctr">
-            <a:noAutofit/>
-          </a:bodyPr>
-          <a:lstStyle/>
-          <a:p>
-            <a:pPr algn="ctr">
-              <a:lnSpc>
-                <a:spcPct val="100000"/>
-              </a:lnSpc>
-            </a:pPr>
-            <a:r>
-              <a:rPr lang="en-GB" sz="4400" b="1" strike="noStrike" spc="-1">
-                <a:solidFill>
-                  <a:srgbClr val="000000"/>
-                </a:solidFill>
-                <a:latin typeface="Calibri"/>
-                <a:ea typeface="DejaVu Sans"/>
-              </a:rPr>
-              <a:t>Dplyr is part of the ‘Tidyverse’</a:t>
-            </a:r>
-            <a:endParaRPr lang="en-GB" sz="4400" b="0" strike="noStrike" spc="-1">
-              <a:latin typeface="Arial"/>
-            </a:endParaRPr>
-          </a:p>
-        </p:txBody>
-      </p:sp>
-      <p:sp>
-        <p:nvSpPr>
-          <p:cNvPr id="313" name="CustomShape 2"/>
-          <p:cNvSpPr/>
-          <p:nvPr/>
-        </p:nvSpPr>
-        <p:spPr>
-          <a:xfrm>
-            <a:off x="457200" y="2034720"/>
-            <a:ext cx="8227800" cy="4391640"/>
-          </a:xfrm>
-          <a:prstGeom prst="rect">
-            <a:avLst/>
-          </a:prstGeom>
-          <a:noFill/>
-          <a:ln>
-            <a:noFill/>
-          </a:ln>
-        </p:spPr>
-        <p:style>
-          <a:lnRef idx="0">
-            <a:scrgbClr r="0" g="0" b="0"/>
-          </a:lnRef>
-          <a:fillRef idx="0">
-            <a:scrgbClr r="0" g="0" b="0"/>
-          </a:fillRef>
-          <a:effectRef idx="0">
-            <a:scrgbClr r="0" g="0" b="0"/>
-          </a:effectRef>
-          <a:fontRef idx="minor"/>
-        </p:style>
-        <p:txBody>
-          <a:bodyPr lIns="0" tIns="0" rIns="0" bIns="0">
-            <a:normAutofit/>
-          </a:bodyPr>
-          <a:lstStyle/>
-          <a:p>
-            <a:pPr marL="343080" indent="-342000">
-              <a:lnSpc>
-                <a:spcPct val="100000"/>
-              </a:lnSpc>
-              <a:spcBef>
-                <a:spcPts val="434"/>
-              </a:spcBef>
-              <a:buClr>
-                <a:srgbClr val="000000"/>
-              </a:buClr>
-              <a:buFont typeface="Arial"/>
-              <a:buChar char="•"/>
-            </a:pPr>
-            <a:r>
-              <a:rPr lang="en-GB" sz="2180" b="0" strike="noStrike" spc="-1">
-                <a:solidFill>
-                  <a:srgbClr val="000000"/>
-                </a:solidFill>
-                <a:latin typeface="Calibri"/>
-                <a:ea typeface="DejaVu Sans"/>
-              </a:rPr>
-              <a:t>Tabular data structures - one observation per row, one variable per column</a:t>
-            </a:r>
-            <a:endParaRPr lang="en-GB" sz="2180" b="0" strike="noStrike" spc="-1">
-              <a:latin typeface="Arial"/>
-            </a:endParaRPr>
-          </a:p>
-          <a:p>
-            <a:pPr marL="343080" indent="-342000">
-              <a:lnSpc>
-                <a:spcPct val="100000"/>
-              </a:lnSpc>
-              <a:spcBef>
-                <a:spcPts val="434"/>
-              </a:spcBef>
-              <a:buClr>
-                <a:srgbClr val="000000"/>
-              </a:buClr>
-              <a:buFont typeface="Arial"/>
-              <a:buChar char="•"/>
-            </a:pPr>
-            <a:r>
-              <a:rPr lang="en-GB" sz="2180" b="0" strike="noStrike" spc="-1">
-                <a:solidFill>
-                  <a:srgbClr val="000000"/>
-                </a:solidFill>
-                <a:latin typeface="Calibri"/>
-                <a:ea typeface="DejaVu Sans"/>
-              </a:rPr>
-              <a:t>Simple functions that do one thing (filter, mutate, arrange, etc.)</a:t>
-            </a:r>
-            <a:endParaRPr lang="en-GB" sz="2180" b="0" strike="noStrike" spc="-1">
-              <a:latin typeface="Arial"/>
-            </a:endParaRPr>
-          </a:p>
-          <a:p>
-            <a:pPr marL="343080" indent="-342000">
-              <a:lnSpc>
-                <a:spcPct val="100000"/>
-              </a:lnSpc>
-              <a:spcBef>
-                <a:spcPts val="434"/>
-              </a:spcBef>
-              <a:buClr>
-                <a:srgbClr val="000000"/>
-              </a:buClr>
-              <a:buFont typeface="Arial"/>
-              <a:buChar char="•"/>
-            </a:pPr>
-            <a:r>
-              <a:rPr lang="en-GB" sz="2180" b="0" strike="noStrike" spc="-1">
-                <a:solidFill>
-                  <a:srgbClr val="000000"/>
-                </a:solidFill>
-                <a:latin typeface="Calibri"/>
-                <a:ea typeface="DejaVu Sans"/>
-              </a:rPr>
-              <a:t>Use the ‘pipe’ %&gt;% to chain functions – imagine a flow of data from left to right</a:t>
-            </a:r>
-            <a:endParaRPr lang="en-GB" sz="2180" b="0" strike="noStrike" spc="-1">
-              <a:latin typeface="Arial"/>
-            </a:endParaRPr>
-          </a:p>
-          <a:p>
-            <a:pPr marL="343080" indent="-342000">
-              <a:lnSpc>
-                <a:spcPct val="100000"/>
-              </a:lnSpc>
-              <a:spcBef>
-                <a:spcPts val="437"/>
-              </a:spcBef>
-              <a:buClr>
-                <a:srgbClr val="000000"/>
-              </a:buClr>
-              <a:buFont typeface="Arial"/>
-              <a:buChar char="•"/>
-            </a:pPr>
-            <a:r>
-              <a:rPr lang="en-GB" sz="2180" b="0" strike="noStrike" spc="-1">
-                <a:solidFill>
-                  <a:srgbClr val="000000"/>
-                </a:solidFill>
-                <a:latin typeface="Calibri"/>
-                <a:ea typeface="DejaVu Sans"/>
-              </a:rPr>
-              <a:t>The Tidyverse package is a ‘meta-package’ consisting of</a:t>
-            </a:r>
-            <a:endParaRPr lang="en-GB" sz="2180" b="0" strike="noStrike" spc="-1">
-              <a:latin typeface="Arial"/>
-            </a:endParaRPr>
-          </a:p>
-          <a:p>
-            <a:pPr marL="743040" lvl="1" indent="-284760">
-              <a:lnSpc>
-                <a:spcPct val="100000"/>
-              </a:lnSpc>
-              <a:spcBef>
-                <a:spcPts val="357"/>
-              </a:spcBef>
-              <a:buClr>
-                <a:srgbClr val="000000"/>
-              </a:buClr>
-              <a:buFont typeface="Arial"/>
-              <a:buChar char="–"/>
-            </a:pPr>
-            <a:r>
-              <a:rPr lang="en-GB" sz="1779" b="1" strike="noStrike" spc="-1">
-                <a:solidFill>
-                  <a:srgbClr val="000000"/>
-                </a:solidFill>
-                <a:latin typeface="Calibri"/>
-                <a:ea typeface="DejaVu Sans"/>
-              </a:rPr>
-              <a:t>dplyr</a:t>
-            </a:r>
-            <a:r>
-              <a:rPr lang="en-GB" sz="1779" b="0" strike="noStrike" spc="-1">
-                <a:solidFill>
-                  <a:srgbClr val="000000"/>
-                </a:solidFill>
-                <a:latin typeface="Calibri"/>
-                <a:ea typeface="DejaVu Sans"/>
-              </a:rPr>
-              <a:t> – data manipulation</a:t>
-            </a:r>
-            <a:endParaRPr lang="en-GB" sz="1779" b="0" strike="noStrike" spc="-1">
-              <a:latin typeface="Arial"/>
-            </a:endParaRPr>
-          </a:p>
-          <a:p>
-            <a:pPr marL="743040" lvl="1" indent="-284760">
-              <a:lnSpc>
-                <a:spcPct val="100000"/>
-              </a:lnSpc>
-              <a:spcBef>
-                <a:spcPts val="357"/>
-              </a:spcBef>
-              <a:buClr>
-                <a:srgbClr val="000000"/>
-              </a:buClr>
-              <a:buFont typeface="Arial"/>
-              <a:buChar char="–"/>
-            </a:pPr>
-            <a:r>
-              <a:rPr lang="en-GB" sz="1779" b="1" strike="noStrike" spc="-1">
-                <a:solidFill>
-                  <a:srgbClr val="000000"/>
-                </a:solidFill>
-                <a:latin typeface="Calibri"/>
-                <a:ea typeface="DejaVu Sans"/>
-              </a:rPr>
-              <a:t>ggplot2</a:t>
-            </a:r>
-            <a:r>
-              <a:rPr lang="en-GB" sz="1779" b="0" strike="noStrike" spc="-1">
-                <a:solidFill>
-                  <a:srgbClr val="000000"/>
-                </a:solidFill>
-                <a:latin typeface="Calibri"/>
-                <a:ea typeface="DejaVu Sans"/>
-              </a:rPr>
-              <a:t> – plotting (‘Grammar of Graphics’)</a:t>
-            </a:r>
-            <a:endParaRPr lang="en-GB" sz="1779" b="0" strike="noStrike" spc="-1">
-              <a:latin typeface="Arial"/>
-            </a:endParaRPr>
-          </a:p>
-          <a:p>
-            <a:pPr marL="743040" lvl="1" indent="-284760">
-              <a:lnSpc>
-                <a:spcPct val="100000"/>
-              </a:lnSpc>
-              <a:spcBef>
-                <a:spcPts val="357"/>
-              </a:spcBef>
-              <a:buClr>
-                <a:srgbClr val="000000"/>
-              </a:buClr>
-              <a:buFont typeface="Arial"/>
-              <a:buChar char="–"/>
-            </a:pPr>
-            <a:r>
-              <a:rPr lang="en-GB" sz="1779" b="0" strike="noStrike" spc="-1">
-                <a:solidFill>
-                  <a:srgbClr val="000000"/>
-                </a:solidFill>
-                <a:latin typeface="Calibri"/>
-                <a:ea typeface="DejaVu Sans"/>
-              </a:rPr>
-              <a:t>tidyr – functions to create ‘tidy data’</a:t>
-            </a:r>
-            <a:endParaRPr lang="en-GB" sz="1779" b="0" strike="noStrike" spc="-1">
-              <a:latin typeface="Arial"/>
-            </a:endParaRPr>
-          </a:p>
-          <a:p>
-            <a:pPr marL="743040" lvl="1" indent="-284760">
-              <a:lnSpc>
-                <a:spcPct val="100000"/>
-              </a:lnSpc>
-              <a:spcBef>
-                <a:spcPts val="357"/>
-              </a:spcBef>
-              <a:buClr>
-                <a:srgbClr val="000000"/>
-              </a:buClr>
-              <a:buFont typeface="Arial"/>
-              <a:buChar char="–"/>
-            </a:pPr>
-            <a:r>
-              <a:rPr lang="en-GB" sz="1779" b="0" strike="noStrike" spc="-1">
-                <a:solidFill>
-                  <a:srgbClr val="000000"/>
-                </a:solidFill>
-                <a:latin typeface="Calibri"/>
-                <a:ea typeface="DejaVu Sans"/>
-              </a:rPr>
-              <a:t>readr – reading and writing several file formats</a:t>
-            </a:r>
-            <a:endParaRPr lang="en-GB" sz="1779" b="0" strike="noStrike" spc="-1">
-              <a:latin typeface="Arial"/>
-            </a:endParaRPr>
-          </a:p>
-          <a:p>
-            <a:pPr marL="743040" lvl="1" indent="-284760">
-              <a:lnSpc>
-                <a:spcPct val="100000"/>
-              </a:lnSpc>
-              <a:spcBef>
-                <a:spcPts val="357"/>
-              </a:spcBef>
-              <a:buClr>
-                <a:srgbClr val="000000"/>
-              </a:buClr>
-              <a:buFont typeface="Arial"/>
-              <a:buChar char="–"/>
-            </a:pPr>
-            <a:r>
-              <a:rPr lang="en-GB" sz="1779" b="0" strike="noStrike" spc="-1">
-                <a:solidFill>
-                  <a:srgbClr val="000000"/>
-                </a:solidFill>
-                <a:latin typeface="Calibri"/>
-                <a:ea typeface="DejaVu Sans"/>
-              </a:rPr>
-              <a:t>purrr – expanded set of loop functions</a:t>
-            </a:r>
-            <a:endParaRPr lang="en-GB" sz="1779" b="0" strike="noStrike" spc="-1">
-              <a:latin typeface="Arial"/>
-            </a:endParaRPr>
-          </a:p>
-          <a:p>
-            <a:pPr marL="743040" lvl="1" indent="-284760">
-              <a:lnSpc>
-                <a:spcPct val="100000"/>
-              </a:lnSpc>
-              <a:spcBef>
-                <a:spcPts val="357"/>
-              </a:spcBef>
-              <a:buClr>
-                <a:srgbClr val="000000"/>
-              </a:buClr>
-              <a:buFont typeface="Arial"/>
-              <a:buChar char="–"/>
-            </a:pPr>
-            <a:r>
-              <a:rPr lang="en-GB" sz="1779" b="0" strike="noStrike" spc="-1">
-                <a:solidFill>
-                  <a:srgbClr val="000000"/>
-                </a:solidFill>
-                <a:latin typeface="Calibri"/>
-                <a:ea typeface="DejaVu Sans"/>
-              </a:rPr>
-              <a:t>tibble – tidy data.frames</a:t>
-            </a:r>
-            <a:endParaRPr lang="en-GB" sz="1779" b="0" strike="noStrike" spc="-1">
-              <a:latin typeface="Arial"/>
-            </a:endParaRPr>
-          </a:p>
-          <a:p>
-            <a:pPr marL="743040" lvl="1" indent="-284760">
-              <a:lnSpc>
-                <a:spcPct val="100000"/>
-              </a:lnSpc>
-              <a:spcBef>
-                <a:spcPts val="357"/>
-              </a:spcBef>
-              <a:buClr>
-                <a:srgbClr val="000000"/>
-              </a:buClr>
-              <a:buFont typeface="Arial"/>
-              <a:buChar char="–"/>
-            </a:pPr>
-            <a:r>
-              <a:rPr lang="en-GB" sz="1779" b="0" strike="noStrike" spc="-1">
-                <a:solidFill>
-                  <a:srgbClr val="000000"/>
-                </a:solidFill>
-                <a:latin typeface="Calibri"/>
-                <a:ea typeface="DejaVu Sans"/>
-              </a:rPr>
-              <a:t>stringr – handling strings (joining, searching, splitting, etc.)</a:t>
-            </a:r>
-            <a:endParaRPr lang="en-GB" sz="1779" b="0" strike="noStrike" spc="-1">
-              <a:latin typeface="Arial"/>
-            </a:endParaRPr>
-          </a:p>
-          <a:p>
-            <a:pPr marL="743040" lvl="1" indent="-284760">
-              <a:lnSpc>
-                <a:spcPct val="100000"/>
-              </a:lnSpc>
-              <a:spcBef>
-                <a:spcPts val="357"/>
-              </a:spcBef>
-              <a:buClr>
-                <a:srgbClr val="000000"/>
-              </a:buClr>
-              <a:buFont typeface="Arial"/>
-              <a:buChar char="–"/>
-            </a:pPr>
-            <a:r>
-              <a:rPr lang="en-GB" sz="1779" b="0" strike="noStrike" spc="-1">
-                <a:solidFill>
-                  <a:srgbClr val="000000"/>
-                </a:solidFill>
-                <a:latin typeface="Calibri"/>
-                <a:ea typeface="DejaVu Sans"/>
-              </a:rPr>
-              <a:t>forcats – handling categorical data (factors)</a:t>
-            </a:r>
-            <a:endParaRPr lang="en-GB" sz="1779" b="0" strike="noStrike" spc="-1">
-              <a:latin typeface="Arial"/>
-            </a:endParaRPr>
-          </a:p>
-          <a:p>
-            <a:pPr marL="150840">
-              <a:lnSpc>
-                <a:spcPct val="100000"/>
-              </a:lnSpc>
-              <a:spcBef>
-                <a:spcPts val="405"/>
-              </a:spcBef>
-              <a:tabLst>
-                <a:tab pos="0" algn="l"/>
-              </a:tabLst>
-            </a:pPr>
-            <a:endParaRPr lang="en-GB" sz="1779" b="0" strike="noStrike" spc="-1">
-              <a:latin typeface="Arial"/>
-            </a:endParaRPr>
-          </a:p>
-        </p:txBody>
-      </p:sp>
-    </p:spTree>
-  </p:cSld>
-  <p:clrMapOvr>
-    <a:masterClrMapping/>
-  </p:clrMapOvr>
-</p:sld>
-</file>
-
 <file path=ppt/slides/slide8.xml><?xml version="1.0" encoding="utf-8"?>
 <p:sld xmlns:a="http://schemas.openxmlformats.org/drawingml/2006/main" xmlns:r="http://schemas.openxmlformats.org/officeDocument/2006/relationships" xmlns:p="http://schemas.openxmlformats.org/presentationml/2006/main">
   <p:cSld>
@@ -24792,7 +25122,7 @@
       </p:grpSpPr>
       <p:sp>
         <p:nvSpPr>
-          <p:cNvPr id="314" name="CustomShape 1"/>
+          <p:cNvPr id="312" name="CustomShape 1"/>
           <p:cNvSpPr/>
           <p:nvPr/>
         </p:nvSpPr>
@@ -24840,7 +25170,7 @@
                 <a:latin typeface="Calibri"/>
                 <a:ea typeface="DejaVu Sans"/>
               </a:rPr>
-              <a:t>Arrange</a:t>
+              <a:t>Dplyr is part of the ‘Tidyverse’</a:t>
             </a:r>
             <a:endParaRPr lang="en-GB" sz="4400" b="0" strike="noStrike" spc="-1">
               <a:latin typeface="Arial"/>
@@ -24850,14 +25180,14 @@
       </p:sp>
       <p:sp>
         <p:nvSpPr>
-          <p:cNvPr id="315" name="CustomShape 2"/>
+          <p:cNvPr id="313" name="CustomShape 2"/>
           <p:cNvSpPr/>
           <p:nvPr/>
         </p:nvSpPr>
         <p:spPr>
           <a:xfrm>
-            <a:off x="767880" y="1879560"/>
-            <a:ext cx="8437320" cy="638280"/>
+            <a:off x="457200" y="2034720"/>
+            <a:ext cx="8227800" cy="4391640"/>
           </a:xfrm>
           <a:prstGeom prst="rect">
             <a:avLst/>
@@ -24880,435 +25210,379 @@
           <a:fontRef idx="minor"/>
         </p:style>
         <p:txBody>
-          <a:bodyPr lIns="90000" tIns="45000" rIns="90000" bIns="45000">
-            <a:spAutoFit/>
+          <a:bodyPr lIns="0" tIns="0" rIns="0" bIns="0">
+            <a:normAutofit lnSpcReduction="10000"/>
           </a:bodyPr>
           <a:lstStyle/>
           <a:p>
-            <a:pPr>
+            <a:pPr marL="343080" indent="-342000">
               <a:lnSpc>
                 <a:spcPct val="100000"/>
               </a:lnSpc>
+              <a:spcBef>
+                <a:spcPts val="434"/>
+              </a:spcBef>
+              <a:buClr>
+                <a:srgbClr val="000000"/>
+              </a:buClr>
+              <a:buFont typeface="Arial"/>
+              <a:buChar char="•"/>
             </a:pPr>
             <a:r>
-              <a:rPr lang="en-GB" sz="1800" b="0" strike="noStrike" spc="-1">
-                <a:solidFill>
-                  <a:srgbClr val="000000"/>
-                </a:solidFill>
-                <a:latin typeface="Courier New"/>
+              <a:rPr lang="en-GB" sz="2180" b="0" strike="noStrike" spc="-1">
+                <a:solidFill>
+                  <a:srgbClr val="000000"/>
+                </a:solidFill>
+                <a:latin typeface="Calibri"/>
                 <a:ea typeface="DejaVu Sans"/>
               </a:rPr>
-              <a:t>df1_sorted = arrange(df1, col1)</a:t>
-            </a:r>
-            <a:endParaRPr lang="en-GB" sz="1800" b="0" strike="noStrike" spc="-1">
-              <a:latin typeface="Arial"/>
-            </a:endParaRPr>
-          </a:p>
-          <a:p>
-            <a:pPr>
+              <a:t>Tabular data structures - one observation per row, one variable per column</a:t>
+            </a:r>
+            <a:endParaRPr lang="en-GB" sz="2180" b="0" strike="noStrike" spc="-1">
+              <a:latin typeface="Arial"/>
+            </a:endParaRPr>
+          </a:p>
+          <a:p>
+            <a:pPr marL="343080" indent="-342000">
               <a:lnSpc>
                 <a:spcPct val="100000"/>
               </a:lnSpc>
+              <a:spcBef>
+                <a:spcPts val="434"/>
+              </a:spcBef>
+              <a:buClr>
+                <a:srgbClr val="000000"/>
+              </a:buClr>
+              <a:buFont typeface="Arial"/>
+              <a:buChar char="•"/>
             </a:pPr>
             <a:r>
-              <a:rPr lang="en-GB" sz="1800" b="0" strike="noStrike" spc="-1">
-                <a:solidFill>
-                  <a:srgbClr val="000000"/>
-                </a:solidFill>
-                <a:latin typeface="Courier New"/>
+              <a:rPr lang="en-GB" sz="2180" b="0" strike="noStrike" spc="-1">
+                <a:solidFill>
+                  <a:srgbClr val="000000"/>
+                </a:solidFill>
+                <a:latin typeface="Calibri"/>
                 <a:ea typeface="DejaVu Sans"/>
               </a:rPr>
-              <a:t>arrange(df1, col1) -&gt; df1_sorted</a:t>
-            </a:r>
-            <a:endParaRPr lang="en-GB" sz="1800" b="0" strike="noStrike" spc="-1">
-              <a:latin typeface="Arial"/>
-            </a:endParaRPr>
-          </a:p>
-        </p:txBody>
-      </p:sp>
-      <p:sp>
-        <p:nvSpPr>
-          <p:cNvPr id="316" name="CustomShape 3"/>
-          <p:cNvSpPr/>
-          <p:nvPr/>
-        </p:nvSpPr>
-        <p:spPr>
-          <a:xfrm>
-            <a:off x="705600" y="4978440"/>
-            <a:ext cx="8437320" cy="638280"/>
-          </a:xfrm>
-          <a:prstGeom prst="rect">
-            <a:avLst/>
-          </a:prstGeom>
-          <a:noFill/>
-          <a:ln>
-            <a:noFill/>
-          </a:ln>
-        </p:spPr>
-        <p:style>
-          <a:lnRef idx="0">
-            <a:scrgbClr r="0" g="0" b="0"/>
-          </a:lnRef>
-          <a:fillRef idx="0">
-            <a:scrgbClr r="0" g="0" b="0"/>
-          </a:fillRef>
-          <a:effectRef idx="0">
-            <a:scrgbClr r="0" g="0" b="0"/>
-          </a:effectRef>
-          <a:fontRef idx="minor"/>
-        </p:style>
-        <p:txBody>
-          <a:bodyPr lIns="90000" tIns="45000" rIns="90000" bIns="45000">
-            <a:spAutoFit/>
-          </a:bodyPr>
-          <a:lstStyle/>
-          <a:p>
-            <a:pPr>
+              <a:t>Simple functions that do one thing (filter, mutate, arrange, etc.)</a:t>
+            </a:r>
+            <a:endParaRPr lang="en-GB" sz="2180" b="0" strike="noStrike" spc="-1">
+              <a:latin typeface="Arial"/>
+            </a:endParaRPr>
+          </a:p>
+          <a:p>
+            <a:pPr marL="343080" indent="-342000">
               <a:lnSpc>
                 <a:spcPct val="100000"/>
               </a:lnSpc>
+              <a:spcBef>
+                <a:spcPts val="434"/>
+              </a:spcBef>
+              <a:buClr>
+                <a:srgbClr val="000000"/>
+              </a:buClr>
+              <a:buFont typeface="Arial"/>
+              <a:buChar char="•"/>
             </a:pPr>
             <a:r>
-              <a:rPr lang="en-GB" sz="1800" b="0" strike="noStrike" spc="-1">
-                <a:solidFill>
-                  <a:srgbClr val="000000"/>
-                </a:solidFill>
-                <a:latin typeface="Courier New"/>
+              <a:rPr lang="en-GB" sz="2180" b="0" strike="noStrike" spc="-1">
+                <a:solidFill>
+                  <a:srgbClr val="000000"/>
+                </a:solidFill>
+                <a:latin typeface="Calibri"/>
                 <a:ea typeface="DejaVu Sans"/>
               </a:rPr>
-              <a:t>df1 %&gt;%</a:t>
-            </a:r>
-            <a:endParaRPr lang="en-GB" sz="1800" b="0" strike="noStrike" spc="-1">
-              <a:latin typeface="Arial"/>
-            </a:endParaRPr>
-          </a:p>
-          <a:p>
-            <a:pPr>
+              <a:t>Use the ‘pipe’ %&gt;% to chain functions – imagine a flow of data from left to right</a:t>
+            </a:r>
+            <a:endParaRPr lang="en-GB" sz="2180" b="0" strike="noStrike" spc="-1">
+              <a:latin typeface="Arial"/>
+            </a:endParaRPr>
+          </a:p>
+          <a:p>
+            <a:pPr marL="343080" indent="-342000">
               <a:lnSpc>
                 <a:spcPct val="100000"/>
               </a:lnSpc>
+              <a:spcBef>
+                <a:spcPts val="437"/>
+              </a:spcBef>
+              <a:buClr>
+                <a:srgbClr val="000000"/>
+              </a:buClr>
+              <a:buFont typeface="Arial"/>
+              <a:buChar char="•"/>
             </a:pPr>
             <a:r>
-              <a:rPr lang="en-GB" sz="1800" b="0" strike="noStrike" spc="-1">
-                <a:solidFill>
-                  <a:srgbClr val="000000"/>
-                </a:solidFill>
-                <a:latin typeface="Courier New"/>
+              <a:rPr lang="en-GB" sz="2180" b="0" strike="noStrike" spc="-1">
+                <a:solidFill>
+                  <a:srgbClr val="000000"/>
+                </a:solidFill>
+                <a:latin typeface="Calibri"/>
                 <a:ea typeface="DejaVu Sans"/>
               </a:rPr>
-              <a:t>	arrange(col1, col2) -&gt; df1_sorted</a:t>
-            </a:r>
-            <a:endParaRPr lang="en-GB" sz="1800" b="0" strike="noStrike" spc="-1">
-              <a:latin typeface="Arial"/>
-            </a:endParaRPr>
-          </a:p>
-        </p:txBody>
-      </p:sp>
-      <p:sp>
-        <p:nvSpPr>
-          <p:cNvPr id="317" name="CustomShape 4"/>
-          <p:cNvSpPr/>
-          <p:nvPr/>
-        </p:nvSpPr>
-        <p:spPr>
-          <a:xfrm>
-            <a:off x="767880" y="2561400"/>
-            <a:ext cx="8437320" cy="638280"/>
-          </a:xfrm>
-          <a:prstGeom prst="rect">
-            <a:avLst/>
-          </a:prstGeom>
-          <a:noFill/>
-          <a:ln>
-            <a:noFill/>
-          </a:ln>
-        </p:spPr>
-        <p:style>
-          <a:lnRef idx="0">
-            <a:scrgbClr r="0" g="0" b="0"/>
-          </a:lnRef>
-          <a:fillRef idx="0">
-            <a:scrgbClr r="0" g="0" b="0"/>
-          </a:fillRef>
-          <a:effectRef idx="0">
-            <a:scrgbClr r="0" g="0" b="0"/>
-          </a:effectRef>
-          <a:fontRef idx="minor"/>
-        </p:style>
-        <p:txBody>
-          <a:bodyPr lIns="90000" tIns="45000" rIns="90000" bIns="45000">
-            <a:spAutoFit/>
-          </a:bodyPr>
-          <a:lstStyle/>
-          <a:p>
-            <a:pPr>
+              <a:t>The Tidyverse package is a ‘meta-package’ consisting of</a:t>
+            </a:r>
+            <a:endParaRPr lang="en-GB" sz="2180" b="0" strike="noStrike" spc="-1">
+              <a:latin typeface="Arial"/>
+            </a:endParaRPr>
+          </a:p>
+          <a:p>
+            <a:pPr marL="743040" lvl="1" indent="-284760">
               <a:lnSpc>
                 <a:spcPct val="100000"/>
               </a:lnSpc>
+              <a:spcBef>
+                <a:spcPts val="357"/>
+              </a:spcBef>
+              <a:buClr>
+                <a:srgbClr val="000000"/>
+              </a:buClr>
+              <a:buFont typeface="Arial"/>
+              <a:buChar char="–"/>
             </a:pPr>
             <a:r>
-              <a:rPr lang="en-GB" sz="1800" b="0" strike="noStrike" spc="-1">
-                <a:solidFill>
-                  <a:srgbClr val="000000"/>
-                </a:solidFill>
-                <a:latin typeface="Courier New"/>
+              <a:rPr lang="en-GB" sz="1779" b="1" strike="noStrike" spc="-1">
+                <a:solidFill>
+                  <a:srgbClr val="000000"/>
+                </a:solidFill>
+                <a:latin typeface="Calibri"/>
                 <a:ea typeface="DejaVu Sans"/>
               </a:rPr>
-              <a:t>df1 %&gt;%</a:t>
-            </a:r>
-            <a:endParaRPr lang="en-GB" sz="1800" b="0" strike="noStrike" spc="-1">
-              <a:latin typeface="Arial"/>
-            </a:endParaRPr>
-          </a:p>
-          <a:p>
-            <a:pPr>
+              <a:t>dplyr</a:t>
+            </a:r>
+            <a:r>
+              <a:rPr lang="en-GB" sz="1779" b="0" strike="noStrike" spc="-1">
+                <a:solidFill>
+                  <a:srgbClr val="000000"/>
+                </a:solidFill>
+                <a:latin typeface="Calibri"/>
+                <a:ea typeface="DejaVu Sans"/>
+              </a:rPr>
+              <a:t> – data manipulation</a:t>
+            </a:r>
+            <a:endParaRPr lang="en-GB" sz="1779" b="0" strike="noStrike" spc="-1">
+              <a:latin typeface="Arial"/>
+            </a:endParaRPr>
+          </a:p>
+          <a:p>
+            <a:pPr marL="743040" lvl="1" indent="-284760">
               <a:lnSpc>
                 <a:spcPct val="100000"/>
               </a:lnSpc>
+              <a:spcBef>
+                <a:spcPts val="357"/>
+              </a:spcBef>
+              <a:buClr>
+                <a:srgbClr val="000000"/>
+              </a:buClr>
+              <a:buFont typeface="Arial"/>
+              <a:buChar char="–"/>
             </a:pPr>
             <a:r>
-              <a:rPr lang="en-GB" sz="1800" b="0" strike="noStrike" spc="-1">
-                <a:solidFill>
-                  <a:srgbClr val="000000"/>
-                </a:solidFill>
-                <a:latin typeface="Courier New"/>
+              <a:rPr lang="en-GB" sz="1779" b="1" strike="noStrike" spc="-1">
+                <a:solidFill>
+                  <a:srgbClr val="000000"/>
+                </a:solidFill>
+                <a:latin typeface="Calibri"/>
                 <a:ea typeface="DejaVu Sans"/>
               </a:rPr>
-              <a:t>	arrange(col1) -&gt; df1_sorted</a:t>
-            </a:r>
-            <a:endParaRPr lang="en-GB" sz="1800" b="0" strike="noStrike" spc="-1">
-              <a:latin typeface="Arial"/>
-            </a:endParaRPr>
-          </a:p>
-        </p:txBody>
-      </p:sp>
-      <p:sp>
-        <p:nvSpPr>
-          <p:cNvPr id="318" name="CustomShape 5"/>
-          <p:cNvSpPr/>
-          <p:nvPr/>
-        </p:nvSpPr>
-        <p:spPr>
-          <a:xfrm>
-            <a:off x="714240" y="4331880"/>
-            <a:ext cx="8437320" cy="363960"/>
-          </a:xfrm>
-          <a:prstGeom prst="rect">
-            <a:avLst/>
-          </a:prstGeom>
-          <a:noFill/>
-          <a:ln>
-            <a:noFill/>
-          </a:ln>
-        </p:spPr>
-        <p:style>
-          <a:lnRef idx="0">
-            <a:scrgbClr r="0" g="0" b="0"/>
-          </a:lnRef>
-          <a:fillRef idx="0">
-            <a:scrgbClr r="0" g="0" b="0"/>
-          </a:fillRef>
-          <a:effectRef idx="0">
-            <a:scrgbClr r="0" g="0" b="0"/>
-          </a:effectRef>
-          <a:fontRef idx="minor"/>
-        </p:style>
-        <p:txBody>
-          <a:bodyPr lIns="90000" tIns="45000" rIns="90000" bIns="45000">
-            <a:spAutoFit/>
-          </a:bodyPr>
-          <a:lstStyle/>
-          <a:p>
-            <a:pPr>
+              <a:t>ggplot2</a:t>
+            </a:r>
+            <a:r>
+              <a:rPr lang="en-GB" sz="1779" b="0" strike="noStrike" spc="-1">
+                <a:solidFill>
+                  <a:srgbClr val="000000"/>
+                </a:solidFill>
+                <a:latin typeface="Calibri"/>
+                <a:ea typeface="DejaVu Sans"/>
+              </a:rPr>
+              <a:t> – plotting (‘Grammar of Graphics’)</a:t>
+            </a:r>
+            <a:endParaRPr lang="en-GB" sz="1779" b="0" strike="noStrike" spc="-1">
+              <a:latin typeface="Arial"/>
+            </a:endParaRPr>
+          </a:p>
+          <a:p>
+            <a:pPr marL="743040" lvl="1" indent="-284760">
               <a:lnSpc>
                 <a:spcPct val="100000"/>
               </a:lnSpc>
+              <a:spcBef>
+                <a:spcPts val="357"/>
+              </a:spcBef>
+              <a:buClr>
+                <a:srgbClr val="000000"/>
+              </a:buClr>
+              <a:buFont typeface="Arial"/>
+              <a:buChar char="–"/>
             </a:pPr>
             <a:r>
-              <a:rPr lang="en-GB" sz="1800" b="0" strike="noStrike" spc="-1">
-                <a:solidFill>
-                  <a:srgbClr val="000000"/>
-                </a:solidFill>
-                <a:latin typeface="Courier New"/>
+              <a:rPr lang="en-GB" sz="1779" b="0" strike="noStrike" spc="-1">
+                <a:solidFill>
+                  <a:srgbClr val="000000"/>
+                </a:solidFill>
+                <a:latin typeface="Calibri"/>
                 <a:ea typeface="DejaVu Sans"/>
               </a:rPr>
-              <a:t>df1_sorted = arrange(df1, col1, col2)</a:t>
-            </a:r>
-            <a:endParaRPr lang="en-GB" sz="1800" b="0" strike="noStrike" spc="-1">
-              <a:latin typeface="Arial"/>
-            </a:endParaRPr>
-          </a:p>
-        </p:txBody>
-      </p:sp>
-      <p:sp>
-        <p:nvSpPr>
-          <p:cNvPr id="319" name="CustomShape 6"/>
-          <p:cNvSpPr/>
-          <p:nvPr/>
-        </p:nvSpPr>
-        <p:spPr>
-          <a:xfrm>
-            <a:off x="6010200" y="1879560"/>
-            <a:ext cx="602640" cy="363960"/>
-          </a:xfrm>
-          <a:prstGeom prst="rect">
-            <a:avLst/>
-          </a:prstGeom>
-          <a:noFill/>
-          <a:ln>
-            <a:noFill/>
-          </a:ln>
-        </p:spPr>
-        <p:style>
-          <a:lnRef idx="0">
-            <a:scrgbClr r="0" g="0" b="0"/>
-          </a:lnRef>
-          <a:fillRef idx="0">
-            <a:scrgbClr r="0" g="0" b="0"/>
-          </a:fillRef>
-          <a:effectRef idx="0">
-            <a:scrgbClr r="0" g="0" b="0"/>
-          </a:effectRef>
-          <a:fontRef idx="minor"/>
-        </p:style>
-        <p:txBody>
-          <a:bodyPr lIns="90000" tIns="45000" rIns="90000" bIns="45000">
-            <a:spAutoFit/>
-          </a:bodyPr>
-          <a:lstStyle/>
-          <a:p>
-            <a:pPr algn="ctr">
+              <a:t>tidyr – functions to create ‘tidy data’</a:t>
+            </a:r>
+            <a:endParaRPr lang="en-GB" sz="1779" b="0" strike="noStrike" spc="-1">
+              <a:latin typeface="Arial"/>
+            </a:endParaRPr>
+          </a:p>
+          <a:p>
+            <a:pPr marL="743040" lvl="1" indent="-284760">
               <a:lnSpc>
                 <a:spcPct val="100000"/>
               </a:lnSpc>
+              <a:spcBef>
+                <a:spcPts val="357"/>
+              </a:spcBef>
+              <a:buClr>
+                <a:srgbClr val="000000"/>
+              </a:buClr>
+              <a:buFont typeface="Arial"/>
+              <a:buChar char="–"/>
             </a:pPr>
             <a:r>
-              <a:rPr lang="en-GB" sz="1800" b="0" strike="noStrike" spc="-1">
+              <a:rPr lang="en-GB" sz="1779" b="0" strike="noStrike" spc="-1">
                 <a:solidFill>
                   <a:srgbClr val="000000"/>
                 </a:solidFill>
                 <a:latin typeface="Calibri"/>
                 <a:ea typeface="DejaVu Sans"/>
               </a:rPr>
-              <a:t>OR</a:t>
-            </a:r>
-            <a:endParaRPr lang="en-GB" sz="1800" b="0" strike="noStrike" spc="-1">
-              <a:latin typeface="Arial"/>
-            </a:endParaRPr>
-          </a:p>
-        </p:txBody>
-      </p:sp>
-      <p:sp>
-        <p:nvSpPr>
-          <p:cNvPr id="320" name="CustomShape 7"/>
-          <p:cNvSpPr/>
-          <p:nvPr/>
-        </p:nvSpPr>
-        <p:spPr>
-          <a:xfrm>
-            <a:off x="6010200" y="2174040"/>
-            <a:ext cx="602640" cy="363960"/>
-          </a:xfrm>
-          <a:prstGeom prst="rect">
-            <a:avLst/>
-          </a:prstGeom>
-          <a:noFill/>
-          <a:ln>
-            <a:noFill/>
-          </a:ln>
-        </p:spPr>
-        <p:style>
-          <a:lnRef idx="0">
-            <a:scrgbClr r="0" g="0" b="0"/>
-          </a:lnRef>
-          <a:fillRef idx="0">
-            <a:scrgbClr r="0" g="0" b="0"/>
-          </a:fillRef>
-          <a:effectRef idx="0">
-            <a:scrgbClr r="0" g="0" b="0"/>
-          </a:effectRef>
-          <a:fontRef idx="minor"/>
-        </p:style>
-        <p:txBody>
-          <a:bodyPr lIns="90000" tIns="45000" rIns="90000" bIns="45000">
-            <a:spAutoFit/>
-          </a:bodyPr>
-          <a:lstStyle/>
-          <a:p>
-            <a:pPr algn="ctr">
+              <a:t>readr – reading and writing several file formats</a:t>
+            </a:r>
+            <a:endParaRPr lang="en-GB" sz="1779" b="0" strike="noStrike" spc="-1">
+              <a:latin typeface="Arial"/>
+            </a:endParaRPr>
+          </a:p>
+          <a:p>
+            <a:pPr marL="743040" lvl="1" indent="-284760">
               <a:lnSpc>
                 <a:spcPct val="100000"/>
               </a:lnSpc>
+              <a:spcBef>
+                <a:spcPts val="357"/>
+              </a:spcBef>
+              <a:buClr>
+                <a:srgbClr val="000000"/>
+              </a:buClr>
+              <a:buFont typeface="Arial"/>
+              <a:buChar char="–"/>
             </a:pPr>
             <a:r>
-              <a:rPr lang="en-GB" sz="1800" b="0" strike="noStrike" spc="-1">
+              <a:rPr lang="en-GB" sz="1779" b="0" strike="noStrike" spc="-1">
                 <a:solidFill>
                   <a:srgbClr val="000000"/>
                 </a:solidFill>
                 <a:latin typeface="Calibri"/>
                 <a:ea typeface="DejaVu Sans"/>
               </a:rPr>
-              <a:t>OR</a:t>
-            </a:r>
-            <a:endParaRPr lang="en-GB" sz="1800" b="0" strike="noStrike" spc="-1">
-              <a:latin typeface="Arial"/>
-            </a:endParaRPr>
-          </a:p>
-        </p:txBody>
-      </p:sp>
-      <p:sp>
-        <p:nvSpPr>
-          <p:cNvPr id="321" name="CustomShape 8"/>
-          <p:cNvSpPr/>
-          <p:nvPr/>
-        </p:nvSpPr>
-        <p:spPr>
-          <a:xfrm>
-            <a:off x="6073920" y="4331880"/>
-            <a:ext cx="602640" cy="363960"/>
-          </a:xfrm>
-          <a:prstGeom prst="rect">
-            <a:avLst/>
-          </a:prstGeom>
-          <a:noFill/>
-          <a:ln>
-            <a:noFill/>
-          </a:ln>
-        </p:spPr>
-        <p:style>
-          <a:lnRef idx="0">
-            <a:scrgbClr r="0" g="0" b="0"/>
-          </a:lnRef>
-          <a:fillRef idx="0">
-            <a:scrgbClr r="0" g="0" b="0"/>
-          </a:fillRef>
-          <a:effectRef idx="0">
-            <a:scrgbClr r="0" g="0" b="0"/>
-          </a:effectRef>
-          <a:fontRef idx="minor"/>
-        </p:style>
-        <p:txBody>
-          <a:bodyPr lIns="90000" tIns="45000" rIns="90000" bIns="45000">
-            <a:spAutoFit/>
-          </a:bodyPr>
-          <a:lstStyle/>
-          <a:p>
-            <a:pPr algn="ctr">
+              <a:t>purrr – expanded set of loop functions</a:t>
+            </a:r>
+            <a:endParaRPr lang="en-GB" sz="1779" b="0" strike="noStrike" spc="-1">
+              <a:latin typeface="Arial"/>
+            </a:endParaRPr>
+          </a:p>
+          <a:p>
+            <a:pPr marL="743040" lvl="1" indent="-284760">
               <a:lnSpc>
                 <a:spcPct val="100000"/>
               </a:lnSpc>
+              <a:spcBef>
+                <a:spcPts val="357"/>
+              </a:spcBef>
+              <a:buClr>
+                <a:srgbClr val="000000"/>
+              </a:buClr>
+              <a:buFont typeface="Arial"/>
+              <a:buChar char="–"/>
             </a:pPr>
             <a:r>
-              <a:rPr lang="en-GB" sz="1800" b="0" strike="noStrike" spc="-1">
+              <a:rPr lang="en-GB" sz="1779" b="0" strike="noStrike" spc="-1">
                 <a:solidFill>
                   <a:srgbClr val="000000"/>
                 </a:solidFill>
                 <a:latin typeface="Calibri"/>
                 <a:ea typeface="DejaVu Sans"/>
               </a:rPr>
-              <a:t>OR</a:t>
-            </a:r>
-            <a:endParaRPr lang="en-GB" sz="1800" b="0" strike="noStrike" spc="-1">
+              <a:t>tibble – tidy data.frames</a:t>
+            </a:r>
+            <a:endParaRPr lang="en-GB" sz="1779" b="0" strike="noStrike" spc="-1">
+              <a:latin typeface="Arial"/>
+            </a:endParaRPr>
+          </a:p>
+          <a:p>
+            <a:pPr marL="743040" lvl="1" indent="-284760">
+              <a:lnSpc>
+                <a:spcPct val="100000"/>
+              </a:lnSpc>
+              <a:spcBef>
+                <a:spcPts val="357"/>
+              </a:spcBef>
+              <a:buClr>
+                <a:srgbClr val="000000"/>
+              </a:buClr>
+              <a:buFont typeface="Arial"/>
+              <a:buChar char="–"/>
+            </a:pPr>
+            <a:r>
+              <a:rPr lang="en-GB" sz="1779" b="0" strike="noStrike" spc="-1">
+                <a:solidFill>
+                  <a:srgbClr val="000000"/>
+                </a:solidFill>
+                <a:latin typeface="Calibri"/>
+                <a:ea typeface="DejaVu Sans"/>
+              </a:rPr>
+              <a:t>stringr – handling strings (joining, searching, splitting, etc.)</a:t>
+            </a:r>
+            <a:endParaRPr lang="en-GB" sz="1779" b="0" strike="noStrike" spc="-1">
+              <a:latin typeface="Arial"/>
+            </a:endParaRPr>
+          </a:p>
+          <a:p>
+            <a:pPr marL="743040" lvl="1" indent="-284760">
+              <a:lnSpc>
+                <a:spcPct val="100000"/>
+              </a:lnSpc>
+              <a:spcBef>
+                <a:spcPts val="357"/>
+              </a:spcBef>
+              <a:buClr>
+                <a:srgbClr val="000000"/>
+              </a:buClr>
+              <a:buFont typeface="Arial"/>
+              <a:buChar char="–"/>
+            </a:pPr>
+            <a:r>
+              <a:rPr lang="en-GB" sz="1779" b="0" strike="noStrike" spc="-1">
+                <a:solidFill>
+                  <a:srgbClr val="000000"/>
+                </a:solidFill>
+                <a:latin typeface="Calibri"/>
+                <a:ea typeface="DejaVu Sans"/>
+              </a:rPr>
+              <a:t>forcats – handling categorical data (factors)</a:t>
+            </a:r>
+            <a:endParaRPr lang="en-GB" sz="1779" b="0" strike="noStrike" spc="-1">
+              <a:latin typeface="Arial"/>
+            </a:endParaRPr>
+          </a:p>
+          <a:p>
+            <a:pPr marL="150840">
+              <a:lnSpc>
+                <a:spcPct val="100000"/>
+              </a:lnSpc>
+              <a:spcBef>
+                <a:spcPts val="405"/>
+              </a:spcBef>
+              <a:tabLst>
+                <a:tab pos="0" algn="l"/>
+              </a:tabLst>
+            </a:pPr>
+            <a:endParaRPr lang="en-GB" sz="1779" b="0" strike="noStrike" spc="-1">
               <a:latin typeface="Arial"/>
             </a:endParaRPr>
           </a:p>
@@ -25341,7 +25615,7 @@
       </p:grpSpPr>
       <p:sp>
         <p:nvSpPr>
-          <p:cNvPr id="322" name="CustomShape 1"/>
+          <p:cNvPr id="314" name="CustomShape 1"/>
           <p:cNvSpPr/>
           <p:nvPr/>
         </p:nvSpPr>
@@ -25389,7 +25663,7 @@
                 <a:latin typeface="Calibri"/>
                 <a:ea typeface="DejaVu Sans"/>
               </a:rPr>
-              <a:t>Select columns</a:t>
+              <a:t>Arrange</a:t>
             </a:r>
             <a:endParaRPr lang="en-GB" sz="4400" b="0" strike="noStrike" spc="-1">
               <a:latin typeface="Arial"/>
@@ -25399,14 +25673,14 @@
       </p:sp>
       <p:sp>
         <p:nvSpPr>
-          <p:cNvPr id="323" name="CustomShape 2"/>
+          <p:cNvPr id="315" name="CustomShape 2"/>
           <p:cNvSpPr/>
           <p:nvPr/>
         </p:nvSpPr>
         <p:spPr>
           <a:xfrm>
-            <a:off x="705600" y="1828800"/>
-            <a:ext cx="8437320" cy="363960"/>
+            <a:off x="767880" y="1879560"/>
+            <a:ext cx="8437320" cy="638280"/>
           </a:xfrm>
           <a:prstGeom prst="rect">
             <a:avLst/>
@@ -25447,23 +25721,43 @@
                 <a:latin typeface="Courier New"/>
                 <a:ea typeface="DejaVu Sans"/>
               </a:rPr>
-              <a:t>df1_selected = select(df1, col1, col3)</a:t>
+              <a:t>df1_sorted = arrange(df1, col1)</a:t>
             </a:r>
             <a:endParaRPr lang="en-GB" sz="1800" b="0" strike="noStrike" spc="-1">
               <a:latin typeface="Arial"/>
             </a:endParaRPr>
           </a:p>
-        </p:txBody>
-      </p:sp>
-      <p:sp>
-        <p:nvSpPr>
-          <p:cNvPr id="324" name="CustomShape 3"/>
+          <a:p>
+            <a:pPr>
+              <a:lnSpc>
+                <a:spcPct val="100000"/>
+              </a:lnSpc>
+            </a:pPr>
+            <a:r>
+              <a:rPr lang="en-GB" sz="1800" b="0" strike="noStrike" spc="-1">
+                <a:solidFill>
+                  <a:srgbClr val="000000"/>
+                </a:solidFill>
+                <a:latin typeface="Courier New"/>
+                <a:ea typeface="DejaVu Sans"/>
+              </a:rPr>
+              <a:t>arrange(df1, col1) -&gt; df1_sorted</a:t>
+            </a:r>
+            <a:endParaRPr lang="en-GB" sz="1800" b="0" strike="noStrike" spc="-1">
+              <a:latin typeface="Arial"/>
+            </a:endParaRPr>
+          </a:p>
+        </p:txBody>
+      </p:sp>
+      <p:sp>
+        <p:nvSpPr>
+          <p:cNvPr id="316" name="CustomShape 3"/>
           <p:cNvSpPr/>
           <p:nvPr/>
         </p:nvSpPr>
         <p:spPr>
           <a:xfrm>
-            <a:off x="705600" y="5197320"/>
+            <a:off x="705600" y="4978440"/>
             <a:ext cx="8437320" cy="638280"/>
           </a:xfrm>
           <a:prstGeom prst="rect">
@@ -25525,7 +25819,7 @@
                 <a:latin typeface="Courier New"/>
                 <a:ea typeface="DejaVu Sans"/>
               </a:rPr>
-              <a:t>	select(-col2) -&gt; df1_selected</a:t>
+              <a:t>	arrange(col1, col2) -&gt; df1_sorted</a:t>
             </a:r>
             <a:endParaRPr lang="en-GB" sz="1800" b="0" strike="noStrike" spc="-1">
               <a:latin typeface="Arial"/>
@@ -25535,14 +25829,14 @@
       </p:sp>
       <p:sp>
         <p:nvSpPr>
-          <p:cNvPr id="325" name="CustomShape 4"/>
+          <p:cNvPr id="317" name="CustomShape 4"/>
           <p:cNvSpPr/>
           <p:nvPr/>
         </p:nvSpPr>
         <p:spPr>
           <a:xfrm>
-            <a:off x="705600" y="4551120"/>
-            <a:ext cx="8437320" cy="363960"/>
+            <a:off x="767880" y="2561400"/>
+            <a:ext cx="8437320" cy="638280"/>
           </a:xfrm>
           <a:prstGeom prst="rect">
             <a:avLst/>
@@ -25583,24 +25877,44 @@
                 <a:latin typeface="Courier New"/>
                 <a:ea typeface="DejaVu Sans"/>
               </a:rPr>
-              <a:t>df1_selected = select(df1, -col2)</a:t>
+              <a:t>df1 %&gt;%</a:t>
             </a:r>
             <a:endParaRPr lang="en-GB" sz="1800" b="0" strike="noStrike" spc="-1">
               <a:latin typeface="Arial"/>
             </a:endParaRPr>
           </a:p>
-        </p:txBody>
-      </p:sp>
-      <p:sp>
-        <p:nvSpPr>
-          <p:cNvPr id="326" name="CustomShape 5"/>
+          <a:p>
+            <a:pPr>
+              <a:lnSpc>
+                <a:spcPct val="100000"/>
+              </a:lnSpc>
+            </a:pPr>
+            <a:r>
+              <a:rPr lang="en-GB" sz="1800" b="0" strike="noStrike" spc="-1">
+                <a:solidFill>
+                  <a:srgbClr val="000000"/>
+                </a:solidFill>
+                <a:latin typeface="Courier New"/>
+                <a:ea typeface="DejaVu Sans"/>
+              </a:rPr>
+              <a:t>	arrange(col1) -&gt; df1_sorted</a:t>
+            </a:r>
+            <a:endParaRPr lang="en-GB" sz="1800" b="0" strike="noStrike" spc="-1">
+              <a:latin typeface="Arial"/>
+            </a:endParaRPr>
+          </a:p>
+        </p:txBody>
+      </p:sp>
+      <p:sp>
+        <p:nvSpPr>
+          <p:cNvPr id="318" name="CustomShape 5"/>
           <p:cNvSpPr/>
           <p:nvPr/>
         </p:nvSpPr>
         <p:spPr>
           <a:xfrm>
-            <a:off x="705600" y="2475000"/>
-            <a:ext cx="8437320" cy="638280"/>
+            <a:off x="714240" y="4331880"/>
+            <a:ext cx="8437320" cy="363960"/>
           </a:xfrm>
           <a:prstGeom prst="rect">
             <a:avLst/>
@@ -25641,43 +25955,23 @@
                 <a:latin typeface="Courier New"/>
                 <a:ea typeface="DejaVu Sans"/>
               </a:rPr>
-              <a:t>df1 %&gt;%</a:t>
+              <a:t>df1_sorted = arrange(df1, col1, col2)</a:t>
             </a:r>
             <a:endParaRPr lang="en-GB" sz="1800" b="0" strike="noStrike" spc="-1">
               <a:latin typeface="Arial"/>
             </a:endParaRPr>
           </a:p>
-          <a:p>
-            <a:pPr>
-              <a:lnSpc>
-                <a:spcPct val="100000"/>
-              </a:lnSpc>
-            </a:pPr>
-            <a:r>
-              <a:rPr lang="en-GB" sz="1800" b="0" strike="noStrike" spc="-1">
-                <a:solidFill>
-                  <a:srgbClr val="000000"/>
-                </a:solidFill>
-                <a:latin typeface="Courier New"/>
-                <a:ea typeface="DejaVu Sans"/>
-              </a:rPr>
-              <a:t>	select(col1, col3) -&gt; df1_selected</a:t>
-            </a:r>
-            <a:endParaRPr lang="en-GB" sz="1800" b="0" strike="noStrike" spc="-1">
-              <a:latin typeface="Arial"/>
-            </a:endParaRPr>
-          </a:p>
-        </p:txBody>
-      </p:sp>
-      <p:sp>
-        <p:nvSpPr>
-          <p:cNvPr id="327" name="CustomShape 6"/>
+        </p:txBody>
+      </p:sp>
+      <p:sp>
+        <p:nvSpPr>
+          <p:cNvPr id="319" name="CustomShape 6"/>
           <p:cNvSpPr/>
           <p:nvPr/>
         </p:nvSpPr>
         <p:spPr>
           <a:xfrm>
-            <a:off x="6471720" y="1828800"/>
+            <a:off x="6010200" y="1879560"/>
             <a:ext cx="602640" cy="363960"/>
           </a:xfrm>
           <a:prstGeom prst="rect">
@@ -25729,13 +26023,71 @@
       </p:sp>
       <p:sp>
         <p:nvSpPr>
-          <p:cNvPr id="328" name="CustomShape 7"/>
+          <p:cNvPr id="320" name="CustomShape 7"/>
           <p:cNvSpPr/>
           <p:nvPr/>
         </p:nvSpPr>
         <p:spPr>
           <a:xfrm>
-            <a:off x="6471720" y="4551120"/>
+            <a:off x="6010200" y="2174040"/>
+            <a:ext cx="602640" cy="363960"/>
+          </a:xfrm>
+          <a:prstGeom prst="rect">
+            <a:avLst/>
+          </a:prstGeom>
+          <a:noFill/>
+          <a:ln>
+            <a:noFill/>
+          </a:ln>
+        </p:spPr>
+        <p:style>
+          <a:lnRef idx="0">
+            <a:scrgbClr r="0" g="0" b="0"/>
+          </a:lnRef>
+          <a:fillRef idx="0">
+            <a:scrgbClr r="0" g="0" b="0"/>
+          </a:fillRef>
+          <a:effectRef idx="0">
+            <a:scrgbClr r="0" g="0" b="0"/>
+          </a:effectRef>
+          <a:fontRef idx="minor"/>
+        </p:style>
+        <p:txBody>
+          <a:bodyPr lIns="90000" tIns="45000" rIns="90000" bIns="45000">
+            <a:spAutoFit/>
+          </a:bodyPr>
+          <a:lstStyle/>
+          <a:p>
+            <a:pPr algn="ctr">
+              <a:lnSpc>
+                <a:spcPct val="100000"/>
+              </a:lnSpc>
+            </a:pPr>
+            <a:r>
+              <a:rPr lang="en-GB" sz="1800" b="0" strike="noStrike" spc="-1">
+                <a:solidFill>
+                  <a:srgbClr val="000000"/>
+                </a:solidFill>
+                <a:latin typeface="Calibri"/>
+                <a:ea typeface="DejaVu Sans"/>
+              </a:rPr>
+              <a:t>OR</a:t>
+            </a:r>
+            <a:endParaRPr lang="en-GB" sz="1800" b="0" strike="noStrike" spc="-1">
+              <a:latin typeface="Arial"/>
+            </a:endParaRPr>
+          </a:p>
+        </p:txBody>
+      </p:sp>
+      <p:sp>
+        <p:nvSpPr>
+          <p:cNvPr id="321" name="CustomShape 8"/>
+          <p:cNvSpPr/>
+          <p:nvPr/>
+        </p:nvSpPr>
+        <p:spPr>
+          <a:xfrm>
+            <a:off x="6073920" y="4331880"/>
             <a:ext cx="602640" cy="363960"/>
           </a:xfrm>
           <a:prstGeom prst="rect">
